--- a/Headless CMS.pptx
+++ b/Headless CMS.pptx
@@ -8,6 +8,14 @@
     <p:sldId id="256" r:id="rId2"/>
     <p:sldId id="257" r:id="rId3"/>
     <p:sldId id="258" r:id="rId4"/>
+    <p:sldId id="259" r:id="rId5"/>
+    <p:sldId id="264" r:id="rId6"/>
+    <p:sldId id="261" r:id="rId7"/>
+    <p:sldId id="265" r:id="rId8"/>
+    <p:sldId id="262" r:id="rId9"/>
+    <p:sldId id="267" r:id="rId10"/>
+    <p:sldId id="263" r:id="rId11"/>
+    <p:sldId id="266" r:id="rId12"/>
   </p:sldIdLst>
   <p:sldSz cx="12192000" cy="6858000"/>
   <p:notesSz cx="6858000" cy="9144000"/>
@@ -106,6 +114,11 @@
       </a:defRPr>
     </a:lvl9pPr>
   </p:defaultTextStyle>
+  <p:extLst>
+    <p:ext uri="{EFAFB233-063F-42B5-8137-9DF3F51BA10A}">
+      <p15:sldGuideLst xmlns:p15="http://schemas.microsoft.com/office/powerpoint/2012/main"/>
+    </p:ext>
+  </p:extLst>
 </p:presentation>
 </file>
 
@@ -256,7 +269,7 @@
           <a:p>
             <a:fld id="{F0081D98-6B2F-49A8-A8BE-49D33276DCBF}" type="datetimeFigureOut">
               <a:rPr lang="en-US" smtClean="0"/>
-              <a:t>7/5/2019</a:t>
+              <a:t>7/11/2019</a:t>
             </a:fld>
             <a:endParaRPr lang="en-US"/>
           </a:p>
@@ -454,7 +467,7 @@
           <a:p>
             <a:fld id="{F0081D98-6B2F-49A8-A8BE-49D33276DCBF}" type="datetimeFigureOut">
               <a:rPr lang="en-US" smtClean="0"/>
-              <a:t>7/5/2019</a:t>
+              <a:t>7/11/2019</a:t>
             </a:fld>
             <a:endParaRPr lang="en-US"/>
           </a:p>
@@ -662,7 +675,7 @@
           <a:p>
             <a:fld id="{F0081D98-6B2F-49A8-A8BE-49D33276DCBF}" type="datetimeFigureOut">
               <a:rPr lang="en-US" smtClean="0"/>
-              <a:t>7/5/2019</a:t>
+              <a:t>7/11/2019</a:t>
             </a:fld>
             <a:endParaRPr lang="en-US"/>
           </a:p>
@@ -860,7 +873,7 @@
           <a:p>
             <a:fld id="{F0081D98-6B2F-49A8-A8BE-49D33276DCBF}" type="datetimeFigureOut">
               <a:rPr lang="en-US" smtClean="0"/>
-              <a:t>7/5/2019</a:t>
+              <a:t>7/11/2019</a:t>
             </a:fld>
             <a:endParaRPr lang="en-US"/>
           </a:p>
@@ -1135,7 +1148,7 @@
           <a:p>
             <a:fld id="{F0081D98-6B2F-49A8-A8BE-49D33276DCBF}" type="datetimeFigureOut">
               <a:rPr lang="en-US" smtClean="0"/>
-              <a:t>7/5/2019</a:t>
+              <a:t>7/11/2019</a:t>
             </a:fld>
             <a:endParaRPr lang="en-US"/>
           </a:p>
@@ -1400,7 +1413,7 @@
           <a:p>
             <a:fld id="{F0081D98-6B2F-49A8-A8BE-49D33276DCBF}" type="datetimeFigureOut">
               <a:rPr lang="en-US" smtClean="0"/>
-              <a:t>7/5/2019</a:t>
+              <a:t>7/11/2019</a:t>
             </a:fld>
             <a:endParaRPr lang="en-US"/>
           </a:p>
@@ -1812,7 +1825,7 @@
           <a:p>
             <a:fld id="{F0081D98-6B2F-49A8-A8BE-49D33276DCBF}" type="datetimeFigureOut">
               <a:rPr lang="en-US" smtClean="0"/>
-              <a:t>7/5/2019</a:t>
+              <a:t>7/11/2019</a:t>
             </a:fld>
             <a:endParaRPr lang="en-US"/>
           </a:p>
@@ -1953,7 +1966,7 @@
           <a:p>
             <a:fld id="{F0081D98-6B2F-49A8-A8BE-49D33276DCBF}" type="datetimeFigureOut">
               <a:rPr lang="en-US" smtClean="0"/>
-              <a:t>7/5/2019</a:t>
+              <a:t>7/11/2019</a:t>
             </a:fld>
             <a:endParaRPr lang="en-US"/>
           </a:p>
@@ -2066,7 +2079,7 @@
           <a:p>
             <a:fld id="{F0081D98-6B2F-49A8-A8BE-49D33276DCBF}" type="datetimeFigureOut">
               <a:rPr lang="en-US" smtClean="0"/>
-              <a:t>7/5/2019</a:t>
+              <a:t>7/11/2019</a:t>
             </a:fld>
             <a:endParaRPr lang="en-US"/>
           </a:p>
@@ -2377,7 +2390,7 @@
           <a:p>
             <a:fld id="{F0081D98-6B2F-49A8-A8BE-49D33276DCBF}" type="datetimeFigureOut">
               <a:rPr lang="en-US" smtClean="0"/>
-              <a:t>7/5/2019</a:t>
+              <a:t>7/11/2019</a:t>
             </a:fld>
             <a:endParaRPr lang="en-US"/>
           </a:p>
@@ -2665,7 +2678,7 @@
           <a:p>
             <a:fld id="{F0081D98-6B2F-49A8-A8BE-49D33276DCBF}" type="datetimeFigureOut">
               <a:rPr lang="en-US" smtClean="0"/>
-              <a:t>7/5/2019</a:t>
+              <a:t>7/11/2019</a:t>
             </a:fld>
             <a:endParaRPr lang="en-US"/>
           </a:p>
@@ -2906,7 +2919,7 @@
           <a:p>
             <a:fld id="{F0081D98-6B2F-49A8-A8BE-49D33276DCBF}" type="datetimeFigureOut">
               <a:rPr lang="en-US" smtClean="0"/>
-              <a:t>7/5/2019</a:t>
+              <a:t>7/11/2019</a:t>
             </a:fld>
             <a:endParaRPr lang="en-US"/>
           </a:p>
@@ -3309,6 +3322,38 @@
 <file path=ppt/slides/slide1.xml><?xml version="1.0" encoding="utf-8"?>
 <p:sld xmlns:a="http://schemas.openxmlformats.org/drawingml/2006/main" xmlns:r="http://schemas.openxmlformats.org/officeDocument/2006/relationships" xmlns:p="http://schemas.openxmlformats.org/presentationml/2006/main">
   <p:cSld>
+    <p:bg>
+      <p:bgPr>
+        <a:gradFill rotWithShape="1">
+          <a:gsLst>
+            <a:gs pos="0">
+              <a:schemeClr val="bg1">
+                <a:tint val="93000"/>
+                <a:satMod val="150000"/>
+                <a:shade val="98000"/>
+                <a:lumMod val="102000"/>
+              </a:schemeClr>
+            </a:gs>
+            <a:gs pos="50000">
+              <a:schemeClr val="bg1">
+                <a:tint val="98000"/>
+                <a:satMod val="130000"/>
+                <a:shade val="90000"/>
+                <a:lumMod val="103000"/>
+              </a:schemeClr>
+            </a:gs>
+            <a:gs pos="100000">
+              <a:schemeClr val="bg1">
+                <a:shade val="63000"/>
+                <a:satMod val="120000"/>
+              </a:schemeClr>
+            </a:gs>
+          </a:gsLst>
+          <a:lin ang="5400000" scaled="0"/>
+        </a:gradFill>
+        <a:effectLst/>
+      </p:bgPr>
+    </p:bg>
     <p:spTree>
       <p:nvGrpSpPr>
         <p:cNvPr id="1" name=""/>
@@ -3323,63 +3368,613 @@
           <a:chExt cx="0" cy="0"/>
         </a:xfrm>
       </p:grpSpPr>
-      <p:sp>
-        <p:nvSpPr>
-          <p:cNvPr id="2" name="Title 1">
-            <a:extLst>
-              <a:ext uri="{FF2B5EF4-FFF2-40B4-BE49-F238E27FC236}">
-                <a16:creationId xmlns:a16="http://schemas.microsoft.com/office/drawing/2014/main" id="{C5C80D9D-8CB1-45DB-ABDA-57A6BB1674F3}"/>
-              </a:ext>
-            </a:extLst>
-          </p:cNvPr>
-          <p:cNvSpPr>
-            <a:spLocks noGrp="1"/>
-          </p:cNvSpPr>
-          <p:nvPr>
-            <p:ph type="ctrTitle"/>
-          </p:nvPr>
-        </p:nvSpPr>
-        <p:spPr/>
-        <p:txBody>
-          <a:bodyPr/>
-          <a:lstStyle/>
-          <a:p>
-            <a:r>
-              <a:rPr lang="en-US" dirty="0"/>
-              <a:t>Headless CMS</a:t>
-            </a:r>
-          </a:p>
-        </p:txBody>
-      </p:sp>
-      <p:sp>
-        <p:nvSpPr>
-          <p:cNvPr id="3" name="Subtitle 2">
-            <a:extLst>
-              <a:ext uri="{FF2B5EF4-FFF2-40B4-BE49-F238E27FC236}">
-                <a16:creationId xmlns:a16="http://schemas.microsoft.com/office/drawing/2014/main" id="{AB26E95B-3298-4817-9CC6-7D906C3FBE60}"/>
-              </a:ext>
-            </a:extLst>
-          </p:cNvPr>
-          <p:cNvSpPr>
-            <a:spLocks noGrp="1"/>
-          </p:cNvSpPr>
-          <p:nvPr>
-            <p:ph type="subTitle" idx="1"/>
-          </p:nvPr>
-        </p:nvSpPr>
-        <p:spPr/>
-        <p:txBody>
-          <a:bodyPr/>
-          <a:lstStyle/>
-          <a:p>
-            <a:endParaRPr lang="en-US" dirty="0"/>
-          </a:p>
-        </p:txBody>
-      </p:sp>
+      <p:sp useBgFill="1">
+        <p:nvSpPr>
+          <p:cNvPr id="13" name="Rectangle 9">
+            <a:extLst>
+              <a:ext uri="{FF2B5EF4-FFF2-40B4-BE49-F238E27FC236}">
+                <a16:creationId xmlns:a16="http://schemas.microsoft.com/office/drawing/2014/main" id="{A2509F26-B5DC-4BA7-B476-4CB044237A2E}"/>
+              </a:ext>
+              <a:ext uri="{C183D7F6-B498-43B3-948B-1728B52AA6E4}">
+                <adec:decorative xmlns:adec="http://schemas.microsoft.com/office/drawing/2017/decorative" val="1"/>
+              </a:ext>
+            </a:extLst>
+          </p:cNvPr>
+          <p:cNvSpPr>
+            <a:spLocks noGrp="1" noRot="1" noChangeAspect="1" noMove="1" noResize="1" noEditPoints="1" noAdjustHandles="1" noChangeArrowheads="1" noChangeShapeType="1" noTextEdit="1"/>
+          </p:cNvSpPr>
+          <p:nvPr>
+            <p:extLst>
+              <p:ext uri="{386F3935-93C4-4BCD-93E2-E3B085C9AB24}">
+                <p16:designElem xmlns:p16="http://schemas.microsoft.com/office/powerpoint/2015/main" val="1"/>
+              </p:ext>
+            </p:extLst>
+          </p:nvPr>
+        </p:nvSpPr>
+        <p:spPr>
+          <a:xfrm>
+            <a:off x="0" y="0"/>
+            <a:ext cx="12192000" cy="6858000"/>
+          </a:xfrm>
+          <a:prstGeom prst="rect">
+            <a:avLst/>
+          </a:prstGeom>
+          <a:ln>
+            <a:noFill/>
+          </a:ln>
+        </p:spPr>
+        <p:style>
+          <a:lnRef idx="2">
+            <a:schemeClr val="accent1">
+              <a:shade val="50000"/>
+            </a:schemeClr>
+          </a:lnRef>
+          <a:fillRef idx="1">
+            <a:schemeClr val="accent1"/>
+          </a:fillRef>
+          <a:effectRef idx="0">
+            <a:schemeClr val="accent1"/>
+          </a:effectRef>
+          <a:fontRef idx="minor">
+            <a:schemeClr val="lt1"/>
+          </a:fontRef>
+        </p:style>
+        <p:txBody>
+          <a:bodyPr rtlCol="0" anchor="ctr"/>
+          <a:lstStyle/>
+          <a:p>
+            <a:pPr marL="0" marR="0" lvl="0" indent="0" algn="ctr" defTabSz="457200" rtl="0" eaLnBrk="1" fontAlgn="auto" latinLnBrk="0" hangingPunct="1">
+              <a:lnSpc>
+                <a:spcPct val="100000"/>
+              </a:lnSpc>
+              <a:spcBef>
+                <a:spcPts val="0"/>
+              </a:spcBef>
+              <a:spcAft>
+                <a:spcPts val="0"/>
+              </a:spcAft>
+              <a:buClrTx/>
+              <a:buSzTx/>
+              <a:buFontTx/>
+              <a:buNone/>
+              <a:tabLst/>
+              <a:defRPr/>
+            </a:pPr>
+            <a:endParaRPr kumimoji="0" lang="en-US" sz="1800" b="0" i="0" u="none" strike="noStrike" kern="1200" cap="none" spc="0" normalizeH="0" baseline="0" noProof="0">
+              <a:ln>
+                <a:noFill/>
+              </a:ln>
+              <a:solidFill>
+                <a:prstClr val="white"/>
+              </a:solidFill>
+              <a:effectLst/>
+              <a:uLnTx/>
+              <a:uFillTx/>
+              <a:latin typeface="Impact" panose="020B0806030902050204"/>
+              <a:ea typeface="+mn-ea"/>
+              <a:cs typeface="+mn-cs"/>
+            </a:endParaRPr>
+          </a:p>
+        </p:txBody>
+      </p:sp>
+      <p:sp>
+        <p:nvSpPr>
+          <p:cNvPr id="12" name="Rectangle 11">
+            <a:extLst>
+              <a:ext uri="{FF2B5EF4-FFF2-40B4-BE49-F238E27FC236}">
+                <a16:creationId xmlns:a16="http://schemas.microsoft.com/office/drawing/2014/main" id="{DB103EB1-B135-4526-B883-33228FC27FF1}"/>
+              </a:ext>
+              <a:ext uri="{C183D7F6-B498-43B3-948B-1728B52AA6E4}">
+                <adec:decorative xmlns:adec="http://schemas.microsoft.com/office/drawing/2017/decorative" val="1"/>
+              </a:ext>
+            </a:extLst>
+          </p:cNvPr>
+          <p:cNvSpPr>
+            <a:spLocks noGrp="1" noRot="1" noChangeAspect="1" noMove="1" noResize="1" noEditPoints="1" noAdjustHandles="1" noChangeArrowheads="1" noChangeShapeType="1" noTextEdit="1"/>
+          </p:cNvSpPr>
+          <p:nvPr>
+            <p:extLst>
+              <p:ext uri="{386F3935-93C4-4BCD-93E2-E3B085C9AB24}">
+                <p16:designElem xmlns:p16="http://schemas.microsoft.com/office/powerpoint/2015/main" val="1"/>
+              </p:ext>
+            </p:extLst>
+          </p:nvPr>
+        </p:nvSpPr>
+        <p:spPr>
+          <a:xfrm rot="21480000">
+            <a:off x="815340" y="683404"/>
+            <a:ext cx="10561320" cy="5404104"/>
+          </a:xfrm>
+          <a:prstGeom prst="rect">
+            <a:avLst/>
+          </a:prstGeom>
+          <a:solidFill>
+            <a:srgbClr val="FFFFFF"/>
+          </a:solidFill>
+          <a:ln w="3175" cap="sq" cmpd="thinThick">
+            <a:solidFill>
+              <a:srgbClr val="DDDDDD"/>
+            </a:solidFill>
+            <a:miter lim="800000"/>
+          </a:ln>
+          <a:effectLst>
+            <a:outerShdw blurRad="266700" dist="114300" dir="2700000" algn="tl" rotWithShape="0">
+              <a:prstClr val="black">
+                <a:alpha val="40000"/>
+              </a:prstClr>
+            </a:outerShdw>
+          </a:effectLst>
+        </p:spPr>
+        <p:style>
+          <a:lnRef idx="2">
+            <a:schemeClr val="accent1">
+              <a:shade val="50000"/>
+            </a:schemeClr>
+          </a:lnRef>
+          <a:fillRef idx="1">
+            <a:schemeClr val="accent1"/>
+          </a:fillRef>
+          <a:effectRef idx="0">
+            <a:schemeClr val="accent1"/>
+          </a:effectRef>
+          <a:fontRef idx="minor">
+            <a:schemeClr val="lt1"/>
+          </a:fontRef>
+        </p:style>
+        <p:txBody>
+          <a:bodyPr rtlCol="0" anchor="ctr"/>
+          <a:lstStyle/>
+          <a:p>
+            <a:pPr marL="0" marR="0" lvl="0" indent="0" algn="ctr" defTabSz="457200" rtl="0" eaLnBrk="1" fontAlgn="auto" latinLnBrk="0" hangingPunct="1">
+              <a:lnSpc>
+                <a:spcPct val="100000"/>
+              </a:lnSpc>
+              <a:spcBef>
+                <a:spcPts val="0"/>
+              </a:spcBef>
+              <a:spcAft>
+                <a:spcPts val="0"/>
+              </a:spcAft>
+              <a:buClrTx/>
+              <a:buSzTx/>
+              <a:buFontTx/>
+              <a:buNone/>
+              <a:tabLst/>
+              <a:defRPr/>
+            </a:pPr>
+            <a:endParaRPr kumimoji="0" lang="en-US" sz="1800" b="0" i="0" u="none" strike="noStrike" kern="1200" cap="none" spc="0" normalizeH="0" baseline="0" noProof="0">
+              <a:ln>
+                <a:noFill/>
+              </a:ln>
+              <a:solidFill>
+                <a:prstClr val="white"/>
+              </a:solidFill>
+              <a:effectLst/>
+              <a:uLnTx/>
+              <a:uFillTx/>
+              <a:latin typeface="Impact" panose="020B0806030902050204"/>
+              <a:ea typeface="+mn-ea"/>
+              <a:cs typeface="+mn-cs"/>
+            </a:endParaRPr>
+          </a:p>
+        </p:txBody>
+      </p:sp>
+      <p:pic>
+        <p:nvPicPr>
+          <p:cNvPr id="5" name="Picture 4">
+            <a:extLst>
+              <a:ext uri="{FF2B5EF4-FFF2-40B4-BE49-F238E27FC236}">
+                <a16:creationId xmlns:a16="http://schemas.microsoft.com/office/drawing/2014/main" id="{7BAA76BA-ECA0-4415-94DF-DFA35168DAA4}"/>
+              </a:ext>
+            </a:extLst>
+          </p:cNvPr>
+          <p:cNvPicPr>
+            <a:picLocks noChangeAspect="1"/>
+          </p:cNvPicPr>
+          <p:nvPr/>
+        </p:nvPicPr>
+        <p:blipFill rotWithShape="1">
+          <a:blip r:embed="rId2">
+            <a:extLst>
+              <a:ext uri="{28A0092B-C50C-407E-A947-70E740481C1C}">
+                <a14:useLocalDpi xmlns:a14="http://schemas.microsoft.com/office/drawing/2010/main" val="0"/>
+              </a:ext>
+            </a:extLst>
+          </a:blip>
+          <a:srcRect r="1" b="18910"/>
+          <a:stretch/>
+        </p:blipFill>
+        <p:spPr>
+          <a:xfrm rot="21480000">
+            <a:off x="1137837" y="1003258"/>
+            <a:ext cx="9916327" cy="4764396"/>
+          </a:xfrm>
+          <a:prstGeom prst="rect">
+            <a:avLst/>
+          </a:prstGeom>
+        </p:spPr>
+      </p:pic>
     </p:spTree>
     <p:extLst>
       <p:ext uri="{BB962C8B-B14F-4D97-AF65-F5344CB8AC3E}">
         <p14:creationId xmlns:p14="http://schemas.microsoft.com/office/powerpoint/2010/main" val="395723070"/>
+      </p:ext>
+    </p:extLst>
+  </p:cSld>
+  <p:clrMapOvr>
+    <a:masterClrMapping/>
+  </p:clrMapOvr>
+</p:sld>
+</file>
+
+<file path=ppt/slides/slide10.xml><?xml version="1.0" encoding="utf-8"?>
+<p:sld xmlns:a="http://schemas.openxmlformats.org/drawingml/2006/main" xmlns:r="http://schemas.openxmlformats.org/officeDocument/2006/relationships" xmlns:p="http://schemas.openxmlformats.org/presentationml/2006/main">
+  <p:cSld>
+    <p:bg>
+      <p:bgPr>
+        <a:solidFill>
+          <a:schemeClr val="bg1"/>
+        </a:solidFill>
+        <a:effectLst/>
+      </p:bgPr>
+    </p:bg>
+    <p:spTree>
+      <p:nvGrpSpPr>
+        <p:cNvPr id="1" name=""/>
+        <p:cNvGrpSpPr/>
+        <p:nvPr/>
+      </p:nvGrpSpPr>
+      <p:grpSpPr>
+        <a:xfrm>
+          <a:off x="0" y="0"/>
+          <a:ext cx="0" cy="0"/>
+          <a:chOff x="0" y="0"/>
+          <a:chExt cx="0" cy="0"/>
+        </a:xfrm>
+      </p:grpSpPr>
+      <p:sp>
+        <p:nvSpPr>
+          <p:cNvPr id="19" name="Rectangle 14">
+            <a:extLst>
+              <a:ext uri="{FF2B5EF4-FFF2-40B4-BE49-F238E27FC236}">
+                <a16:creationId xmlns:a16="http://schemas.microsoft.com/office/drawing/2014/main" id="{32BC26D8-82FB-445E-AA49-62A77D7C1EE0}"/>
+              </a:ext>
+              <a:ext uri="{C183D7F6-B498-43B3-948B-1728B52AA6E4}">
+                <adec:decorative xmlns:adec="http://schemas.microsoft.com/office/drawing/2017/decorative" val="1"/>
+              </a:ext>
+            </a:extLst>
+          </p:cNvPr>
+          <p:cNvSpPr>
+            <a:spLocks noGrp="1" noRot="1" noChangeAspect="1" noMove="1" noResize="1" noEditPoints="1" noAdjustHandles="1" noChangeArrowheads="1" noChangeShapeType="1" noTextEdit="1"/>
+          </p:cNvSpPr>
+          <p:nvPr>
+            <p:extLst>
+              <p:ext uri="{386F3935-93C4-4BCD-93E2-E3B085C9AB24}">
+                <p16:designElem xmlns:p16="http://schemas.microsoft.com/office/powerpoint/2015/main" val="1"/>
+              </p:ext>
+            </p:extLst>
+          </p:nvPr>
+        </p:nvSpPr>
+        <p:spPr>
+          <a:xfrm>
+            <a:off x="0" y="0"/>
+            <a:ext cx="12192000" cy="6858000"/>
+          </a:xfrm>
+          <a:prstGeom prst="rect">
+            <a:avLst/>
+          </a:prstGeom>
+          <a:solidFill>
+            <a:schemeClr val="tx1">
+              <a:lumMod val="65000"/>
+              <a:lumOff val="35000"/>
+            </a:schemeClr>
+          </a:solidFill>
+          <a:ln>
+            <a:noFill/>
+          </a:ln>
+        </p:spPr>
+        <p:style>
+          <a:lnRef idx="2">
+            <a:schemeClr val="accent1">
+              <a:shade val="50000"/>
+            </a:schemeClr>
+          </a:lnRef>
+          <a:fillRef idx="1">
+            <a:schemeClr val="accent1"/>
+          </a:fillRef>
+          <a:effectRef idx="0">
+            <a:schemeClr val="accent1"/>
+          </a:effectRef>
+          <a:fontRef idx="minor">
+            <a:schemeClr val="lt1"/>
+          </a:fontRef>
+        </p:style>
+        <p:txBody>
+          <a:bodyPr rtlCol="0" anchor="ctr"/>
+          <a:lstStyle/>
+          <a:p>
+            <a:pPr algn="ctr"/>
+            <a:endParaRPr lang="en-US"/>
+          </a:p>
+        </p:txBody>
+      </p:sp>
+      <p:sp>
+        <p:nvSpPr>
+          <p:cNvPr id="20" name="Rectangle 16">
+            <a:extLst>
+              <a:ext uri="{FF2B5EF4-FFF2-40B4-BE49-F238E27FC236}">
+                <a16:creationId xmlns:a16="http://schemas.microsoft.com/office/drawing/2014/main" id="{CB44330D-EA18-4254-AA95-EB49948539B8}"/>
+              </a:ext>
+              <a:ext uri="{C183D7F6-B498-43B3-948B-1728B52AA6E4}">
+                <adec:decorative xmlns:adec="http://schemas.microsoft.com/office/drawing/2017/decorative" val="1"/>
+              </a:ext>
+            </a:extLst>
+          </p:cNvPr>
+          <p:cNvSpPr>
+            <a:spLocks noGrp="1" noRot="1" noChangeAspect="1" noMove="1" noResize="1" noEditPoints="1" noAdjustHandles="1" noChangeArrowheads="1" noChangeShapeType="1" noTextEdit="1"/>
+          </p:cNvSpPr>
+          <p:nvPr>
+            <p:extLst>
+              <p:ext uri="{386F3935-93C4-4BCD-93E2-E3B085C9AB24}">
+                <p16:designElem xmlns:p16="http://schemas.microsoft.com/office/powerpoint/2015/main" val="1"/>
+              </p:ext>
+            </p:extLst>
+          </p:nvPr>
+        </p:nvSpPr>
+        <p:spPr>
+          <a:xfrm>
+            <a:off x="477012" y="480060"/>
+            <a:ext cx="11237976" cy="5897880"/>
+          </a:xfrm>
+          <a:prstGeom prst="rect">
+            <a:avLst/>
+          </a:prstGeom>
+          <a:solidFill>
+            <a:srgbClr val="FFFFFF"/>
+          </a:solidFill>
+          <a:ln>
+            <a:noFill/>
+          </a:ln>
+        </p:spPr>
+        <p:style>
+          <a:lnRef idx="2">
+            <a:schemeClr val="accent1">
+              <a:shade val="50000"/>
+            </a:schemeClr>
+          </a:lnRef>
+          <a:fillRef idx="1">
+            <a:schemeClr val="accent1"/>
+          </a:fillRef>
+          <a:effectRef idx="0">
+            <a:schemeClr val="accent1"/>
+          </a:effectRef>
+          <a:fontRef idx="minor">
+            <a:schemeClr val="lt1"/>
+          </a:fontRef>
+        </p:style>
+        <p:txBody>
+          <a:bodyPr rtlCol="0" anchor="ctr"/>
+          <a:lstStyle/>
+          <a:p>
+            <a:pPr algn="ctr"/>
+            <a:endParaRPr lang="en-US"/>
+          </a:p>
+        </p:txBody>
+      </p:sp>
+      <p:pic>
+        <p:nvPicPr>
+          <p:cNvPr id="5" name="Picture 4">
+            <a:extLst>
+              <a:ext uri="{FF2B5EF4-FFF2-40B4-BE49-F238E27FC236}">
+                <a16:creationId xmlns:a16="http://schemas.microsoft.com/office/drawing/2014/main" id="{65177A89-6350-421D-9DF9-74F36B504108}"/>
+              </a:ext>
+            </a:extLst>
+          </p:cNvPr>
+          <p:cNvPicPr>
+            <a:picLocks noChangeAspect="1"/>
+          </p:cNvPicPr>
+          <p:nvPr/>
+        </p:nvPicPr>
+        <p:blipFill>
+          <a:blip r:embed="rId2">
+            <a:extLst>
+              <a:ext uri="{28A0092B-C50C-407E-A947-70E740481C1C}">
+                <a14:useLocalDpi xmlns:a14="http://schemas.microsoft.com/office/drawing/2010/main" val="0"/>
+              </a:ext>
+            </a:extLst>
+          </a:blip>
+          <a:stretch>
+            <a:fillRect/>
+          </a:stretch>
+        </p:blipFill>
+        <p:spPr>
+          <a:xfrm>
+            <a:off x="643467" y="845774"/>
+            <a:ext cx="10905066" cy="5166452"/>
+          </a:xfrm>
+          <a:prstGeom prst="rect">
+            <a:avLst/>
+          </a:prstGeom>
+        </p:spPr>
+      </p:pic>
+    </p:spTree>
+    <p:extLst>
+      <p:ext uri="{BB962C8B-B14F-4D97-AF65-F5344CB8AC3E}">
+        <p14:creationId xmlns:p14="http://schemas.microsoft.com/office/powerpoint/2010/main" val="1600778388"/>
+      </p:ext>
+    </p:extLst>
+  </p:cSld>
+  <p:clrMapOvr>
+    <a:masterClrMapping/>
+  </p:clrMapOvr>
+</p:sld>
+</file>
+
+<file path=ppt/slides/slide11.xml><?xml version="1.0" encoding="utf-8"?>
+<p:sld xmlns:a="http://schemas.openxmlformats.org/drawingml/2006/main" xmlns:r="http://schemas.openxmlformats.org/officeDocument/2006/relationships" xmlns:p="http://schemas.openxmlformats.org/presentationml/2006/main">
+  <p:cSld>
+    <p:bg>
+      <p:bgPr>
+        <a:solidFill>
+          <a:schemeClr val="bg1"/>
+        </a:solidFill>
+        <a:effectLst/>
+      </p:bgPr>
+    </p:bg>
+    <p:spTree>
+      <p:nvGrpSpPr>
+        <p:cNvPr id="1" name=""/>
+        <p:cNvGrpSpPr/>
+        <p:nvPr/>
+      </p:nvGrpSpPr>
+      <p:grpSpPr>
+        <a:xfrm>
+          <a:off x="0" y="0"/>
+          <a:ext cx="0" cy="0"/>
+          <a:chOff x="0" y="0"/>
+          <a:chExt cx="0" cy="0"/>
+        </a:xfrm>
+      </p:grpSpPr>
+      <p:sp>
+        <p:nvSpPr>
+          <p:cNvPr id="9" name="Rectangle 8">
+            <a:extLst>
+              <a:ext uri="{FF2B5EF4-FFF2-40B4-BE49-F238E27FC236}">
+                <a16:creationId xmlns:a16="http://schemas.microsoft.com/office/drawing/2014/main" id="{A4AC5506-6312-4701-8D3C-40187889A947}"/>
+              </a:ext>
+              <a:ext uri="{C183D7F6-B498-43B3-948B-1728B52AA6E4}">
+                <adec:decorative xmlns:adec="http://schemas.microsoft.com/office/drawing/2017/decorative" val="1"/>
+              </a:ext>
+            </a:extLst>
+          </p:cNvPr>
+          <p:cNvSpPr>
+            <a:spLocks noGrp="1" noRot="1" noChangeAspect="1" noMove="1" noResize="1" noEditPoints="1" noAdjustHandles="1" noChangeArrowheads="1" noChangeShapeType="1" noTextEdit="1"/>
+          </p:cNvSpPr>
+          <p:nvPr>
+            <p:extLst>
+              <p:ext uri="{386F3935-93C4-4BCD-93E2-E3B085C9AB24}">
+                <p16:designElem xmlns:p16="http://schemas.microsoft.com/office/powerpoint/2015/main" val="1"/>
+              </p:ext>
+            </p:extLst>
+          </p:nvPr>
+        </p:nvSpPr>
+        <p:spPr>
+          <a:xfrm>
+            <a:off x="0" y="651752"/>
+            <a:ext cx="12192000" cy="736551"/>
+          </a:xfrm>
+          <a:prstGeom prst="rect">
+            <a:avLst/>
+          </a:prstGeom>
+          <a:solidFill>
+            <a:schemeClr val="tx1"/>
+          </a:solidFill>
+          <a:ln>
+            <a:noFill/>
+          </a:ln>
+        </p:spPr>
+        <p:style>
+          <a:lnRef idx="2">
+            <a:schemeClr val="accent1">
+              <a:shade val="50000"/>
+            </a:schemeClr>
+          </a:lnRef>
+          <a:fillRef idx="1">
+            <a:schemeClr val="accent1"/>
+          </a:fillRef>
+          <a:effectRef idx="0">
+            <a:schemeClr val="accent1"/>
+          </a:effectRef>
+          <a:fontRef idx="minor">
+            <a:schemeClr val="lt1"/>
+          </a:fontRef>
+        </p:style>
+        <p:txBody>
+          <a:bodyPr rtlCol="0" anchor="ctr"/>
+          <a:lstStyle/>
+          <a:p>
+            <a:pPr algn="ctr"/>
+            <a:endParaRPr lang="en-US"/>
+          </a:p>
+        </p:txBody>
+      </p:sp>
+      <p:sp>
+        <p:nvSpPr>
+          <p:cNvPr id="2" name="Title 1">
+            <a:extLst>
+              <a:ext uri="{FF2B5EF4-FFF2-40B4-BE49-F238E27FC236}">
+                <a16:creationId xmlns:a16="http://schemas.microsoft.com/office/drawing/2014/main" id="{B2B27441-F88D-44B6-A6AF-4C83801F21D1}"/>
+              </a:ext>
+            </a:extLst>
+          </p:cNvPr>
+          <p:cNvSpPr>
+            <a:spLocks noGrp="1"/>
+          </p:cNvSpPr>
+          <p:nvPr>
+            <p:ph type="title"/>
+          </p:nvPr>
+        </p:nvSpPr>
+        <p:spPr>
+          <a:xfrm>
+            <a:off x="556532" y="643467"/>
+            <a:ext cx="11210925" cy="744836"/>
+          </a:xfrm>
+        </p:spPr>
+        <p:txBody>
+          <a:bodyPr vert="horz" lIns="91440" tIns="45720" rIns="91440" bIns="45720" rtlCol="0" anchor="ctr">
+            <a:normAutofit/>
+          </a:bodyPr>
+          <a:lstStyle/>
+          <a:p>
+            <a:pPr algn="ctr"/>
+            <a:r>
+              <a:rPr lang="en-US" sz="3200" kern="1200">
+                <a:solidFill>
+                  <a:schemeClr val="bg1"/>
+                </a:solidFill>
+                <a:latin typeface="+mj-lt"/>
+                <a:ea typeface="+mj-ea"/>
+                <a:cs typeface="+mj-cs"/>
+              </a:rPr>
+              <a:t>#Example</a:t>
+            </a:r>
+          </a:p>
+        </p:txBody>
+      </p:sp>
+      <p:pic>
+        <p:nvPicPr>
+          <p:cNvPr id="4" name="Picture 3">
+            <a:hlinkClick r:id="rId2"/>
+            <a:extLst>
+              <a:ext uri="{FF2B5EF4-FFF2-40B4-BE49-F238E27FC236}">
+                <a16:creationId xmlns:a16="http://schemas.microsoft.com/office/drawing/2014/main" id="{3C4CA332-C3C4-4D8C-BFFE-CB51ADE91197}"/>
+              </a:ext>
+            </a:extLst>
+          </p:cNvPr>
+          <p:cNvPicPr>
+            <a:picLocks noChangeAspect="1"/>
+          </p:cNvPicPr>
+          <p:nvPr/>
+        </p:nvPicPr>
+        <p:blipFill rotWithShape="1">
+          <a:blip r:embed="rId3"/>
+          <a:srcRect l="28047" t="14306" r="28281" b="56666"/>
+          <a:stretch/>
+        </p:blipFill>
+        <p:spPr>
+          <a:xfrm>
+            <a:off x="643467" y="1833714"/>
+            <a:ext cx="10905066" cy="4077224"/>
+          </a:xfrm>
+          <a:prstGeom prst="rect">
+            <a:avLst/>
+          </a:prstGeom>
+        </p:spPr>
+      </p:pic>
+    </p:spTree>
+    <p:extLst>
+      <p:ext uri="{BB962C8B-B14F-4D97-AF65-F5344CB8AC3E}">
+        <p14:creationId xmlns:p14="http://schemas.microsoft.com/office/powerpoint/2010/main" val="3095302636"/>
       </p:ext>
     </p:extLst>
   </p:cSld>
@@ -3422,15 +4017,21 @@
             <p:ph type="title"/>
           </p:nvPr>
         </p:nvSpPr>
-        <p:spPr/>
+        <p:spPr>
+          <a:xfrm>
+            <a:off x="838200" y="365125"/>
+            <a:ext cx="10515600" cy="1325563"/>
+          </a:xfrm>
+        </p:spPr>
         <p:txBody>
           <a:bodyPr/>
           <a:lstStyle/>
           <a:p>
             <a:r>
-              <a:rPr lang="en-US" dirty="0"/>
+              <a:rPr lang="en-US"/>
               <a:t>Topic</a:t>
             </a:r>
+            <a:endParaRPr lang="en-US" dirty="0"/>
           </a:p>
         </p:txBody>
       </p:sp>
@@ -3450,7 +4051,12 @@
             <p:ph idx="1"/>
           </p:nvPr>
         </p:nvSpPr>
-        <p:spPr/>
+        <p:spPr>
+          <a:xfrm>
+            <a:off x="838200" y="1825625"/>
+            <a:ext cx="10515600" cy="4351338"/>
+          </a:xfrm>
+        </p:spPr>
         <p:txBody>
           <a:bodyPr/>
           <a:lstStyle/>
@@ -3464,7 +4070,41 @@
           <a:p>
             <a:r>
               <a:rPr lang="en-US" b="1" dirty="0"/>
-              <a:t>What is a headless CMS?</a:t>
+              <a:t>What is a CMS ?</a:t>
+            </a:r>
+          </a:p>
+          <a:p>
+            <a:r>
+              <a:rPr lang="en-US" b="1" dirty="0"/>
+              <a:t>What is a Headless CMS ?</a:t>
+            </a:r>
+          </a:p>
+          <a:p>
+            <a:r>
+              <a:rPr lang="en-US" b="1" dirty="0"/>
+              <a:t>What is a Decoupled CMS</a:t>
+            </a:r>
+            <a:r>
+              <a:rPr lang="en-US" dirty="0"/>
+              <a:t> ?</a:t>
+            </a:r>
+            <a:endParaRPr lang="th-TH" dirty="0"/>
+          </a:p>
+          <a:p>
+            <a:r>
+              <a:rPr lang="en-US" b="1" dirty="0"/>
+              <a:t>Compare CMS vs Headless CMS  vs Decoupled CMS</a:t>
+            </a:r>
+            <a:r>
+              <a:rPr lang="en-US" dirty="0"/>
+              <a:t> </a:t>
+            </a:r>
+            <a:endParaRPr lang="th-TH" b="1" dirty="0"/>
+          </a:p>
+          <a:p>
+            <a:r>
+              <a:rPr lang="en-US" b="1" dirty="0"/>
+              <a:t>Example</a:t>
             </a:r>
           </a:p>
           <a:p>
@@ -3488,6 +4128,14 @@
 <file path=ppt/slides/slide3.xml><?xml version="1.0" encoding="utf-8"?>
 <p:sld xmlns:a="http://schemas.openxmlformats.org/drawingml/2006/main" xmlns:r="http://schemas.openxmlformats.org/officeDocument/2006/relationships" xmlns:p="http://schemas.openxmlformats.org/presentationml/2006/main">
   <p:cSld>
+    <p:bg>
+      <p:bgPr>
+        <a:solidFill>
+          <a:schemeClr val="bg1"/>
+        </a:solidFill>
+        <a:effectLst/>
+      </p:bgPr>
+    </p:bg>
     <p:spTree>
       <p:nvGrpSpPr>
         <p:cNvPr id="1" name=""/>
@@ -3504,6 +4152,132 @@
       </p:grpSpPr>
       <p:sp>
         <p:nvSpPr>
+          <p:cNvPr id="19" name="Rectangle 14">
+            <a:extLst>
+              <a:ext uri="{FF2B5EF4-FFF2-40B4-BE49-F238E27FC236}">
+                <a16:creationId xmlns:a16="http://schemas.microsoft.com/office/drawing/2014/main" id="{6753252F-4873-4F63-801D-CC719279A7D5}"/>
+              </a:ext>
+              <a:ext uri="{C183D7F6-B498-43B3-948B-1728B52AA6E4}">
+                <adec:decorative xmlns:adec="http://schemas.microsoft.com/office/drawing/2017/decorative" val="1"/>
+              </a:ext>
+            </a:extLst>
+          </p:cNvPr>
+          <p:cNvSpPr>
+            <a:spLocks noGrp="1" noRot="1" noChangeAspect="1" noMove="1" noResize="1" noEditPoints="1" noAdjustHandles="1" noChangeArrowheads="1" noChangeShapeType="1" noTextEdit="1"/>
+          </p:cNvSpPr>
+          <p:nvPr>
+            <p:extLst>
+              <p:ext uri="{386F3935-93C4-4BCD-93E2-E3B085C9AB24}">
+                <p16:designElem xmlns:p16="http://schemas.microsoft.com/office/powerpoint/2015/main" val="1"/>
+              </p:ext>
+            </p:extLst>
+          </p:nvPr>
+        </p:nvSpPr>
+        <p:spPr>
+          <a:xfrm>
+            <a:off x="0" y="0"/>
+            <a:ext cx="12192000" cy="6858000"/>
+          </a:xfrm>
+          <a:prstGeom prst="rect">
+            <a:avLst/>
+          </a:prstGeom>
+          <a:solidFill>
+            <a:srgbClr val="FFFFFF"/>
+          </a:solidFill>
+          <a:ln>
+            <a:noFill/>
+          </a:ln>
+        </p:spPr>
+        <p:style>
+          <a:lnRef idx="2">
+            <a:schemeClr val="accent1">
+              <a:shade val="50000"/>
+            </a:schemeClr>
+          </a:lnRef>
+          <a:fillRef idx="1">
+            <a:schemeClr val="accent1"/>
+          </a:fillRef>
+          <a:effectRef idx="0">
+            <a:schemeClr val="accent1"/>
+          </a:effectRef>
+          <a:fontRef idx="minor">
+            <a:schemeClr val="lt1"/>
+          </a:fontRef>
+        </p:style>
+        <p:txBody>
+          <a:bodyPr rtlCol="0" anchor="ctr"/>
+          <a:lstStyle/>
+          <a:p>
+            <a:pPr algn="ctr"/>
+            <a:endParaRPr lang="en-US"/>
+          </a:p>
+        </p:txBody>
+      </p:sp>
+      <p:sp>
+        <p:nvSpPr>
+          <p:cNvPr id="20" name="Rectangle 16">
+            <a:extLst>
+              <a:ext uri="{FF2B5EF4-FFF2-40B4-BE49-F238E27FC236}">
+                <a16:creationId xmlns:a16="http://schemas.microsoft.com/office/drawing/2014/main" id="{047C8CCB-F95D-4249-92DD-651249D3535A}"/>
+              </a:ext>
+              <a:ext uri="{C183D7F6-B498-43B3-948B-1728B52AA6E4}">
+                <adec:decorative xmlns:adec="http://schemas.microsoft.com/office/drawing/2017/decorative" val="1"/>
+              </a:ext>
+            </a:extLst>
+          </p:cNvPr>
+          <p:cNvSpPr>
+            <a:spLocks noGrp="1" noRot="1" noChangeAspect="1" noMove="1" noResize="1" noEditPoints="1" noAdjustHandles="1" noChangeArrowheads="1" noChangeShapeType="1" noTextEdit="1"/>
+          </p:cNvSpPr>
+          <p:nvPr>
+            <p:extLst>
+              <p:ext uri="{386F3935-93C4-4BCD-93E2-E3B085C9AB24}">
+                <p16:designElem xmlns:p16="http://schemas.microsoft.com/office/powerpoint/2015/main" val="1"/>
+              </p:ext>
+            </p:extLst>
+          </p:nvPr>
+        </p:nvSpPr>
+        <p:spPr>
+          <a:xfrm>
+            <a:off x="0" y="0"/>
+            <a:ext cx="2013557" cy="6858000"/>
+          </a:xfrm>
+          <a:prstGeom prst="rect">
+            <a:avLst/>
+          </a:prstGeom>
+          <a:solidFill>
+            <a:srgbClr val="5A4E3A"/>
+          </a:solidFill>
+          <a:ln>
+            <a:noFill/>
+          </a:ln>
+        </p:spPr>
+        <p:style>
+          <a:lnRef idx="2">
+            <a:schemeClr val="accent1">
+              <a:shade val="50000"/>
+            </a:schemeClr>
+          </a:lnRef>
+          <a:fillRef idx="1">
+            <a:schemeClr val="accent1"/>
+          </a:fillRef>
+          <a:effectRef idx="0">
+            <a:schemeClr val="accent1"/>
+          </a:effectRef>
+          <a:fontRef idx="minor">
+            <a:schemeClr val="lt1"/>
+          </a:fontRef>
+        </p:style>
+        <p:txBody>
+          <a:bodyPr rtlCol="0" anchor="ctr"/>
+          <a:lstStyle/>
+          <a:p>
+            <a:pPr algn="ctr"/>
+            <a:endParaRPr lang="en-US"/>
+          </a:p>
+        </p:txBody>
+      </p:sp>
+      <p:sp>
+        <p:nvSpPr>
           <p:cNvPr id="2" name="Title 1">
             <a:extLst>
               <a:ext uri="{FF2B5EF4-FFF2-40B4-BE49-F238E27FC236}">
@@ -3518,44 +4292,2806 @@
             <p:ph type="title"/>
           </p:nvPr>
         </p:nvSpPr>
-        <p:spPr/>
-        <p:txBody>
-          <a:bodyPr/>
-          <a:lstStyle/>
-          <a:p>
-            <a:endParaRPr lang="en-US"/>
-          </a:p>
-        </p:txBody>
-      </p:sp>
-      <p:sp>
-        <p:nvSpPr>
-          <p:cNvPr id="3" name="Content Placeholder 2">
-            <a:extLst>
-              <a:ext uri="{FF2B5EF4-FFF2-40B4-BE49-F238E27FC236}">
-                <a16:creationId xmlns:a16="http://schemas.microsoft.com/office/drawing/2014/main" id="{D4C9112D-B98C-460C-89F4-3B12DC965657}"/>
-              </a:ext>
-            </a:extLst>
-          </p:cNvPr>
-          <p:cNvSpPr>
-            <a:spLocks noGrp="1"/>
-          </p:cNvSpPr>
-          <p:nvPr>
-            <p:ph idx="1"/>
-          </p:nvPr>
-        </p:nvSpPr>
-        <p:spPr/>
-        <p:txBody>
-          <a:bodyPr/>
-          <a:lstStyle/>
-          <a:p>
-            <a:endParaRPr lang="en-US"/>
-          </a:p>
-        </p:txBody>
-      </p:sp>
+        <p:spPr>
+          <a:xfrm>
+            <a:off x="640080" y="2074363"/>
+            <a:ext cx="2752354" cy="2709275"/>
+          </a:xfrm>
+          <a:prstGeom prst="ellipse">
+            <a:avLst/>
+          </a:prstGeom>
+          <a:solidFill>
+            <a:srgbClr val="262626"/>
+          </a:solidFill>
+          <a:ln w="174625" cmpd="thinThick">
+            <a:solidFill>
+              <a:srgbClr val="262626"/>
+            </a:solidFill>
+          </a:ln>
+        </p:spPr>
+        <p:txBody>
+          <a:bodyPr vert="horz" lIns="91440" tIns="45720" rIns="91440" bIns="45720" rtlCol="0" anchor="ctr">
+            <a:normAutofit/>
+          </a:bodyPr>
+          <a:lstStyle/>
+          <a:p>
+            <a:pPr algn="ctr"/>
+            <a:r>
+              <a:rPr lang="en-US" sz="2600" kern="1200">
+                <a:solidFill>
+                  <a:srgbClr val="FFFFFF"/>
+                </a:solidFill>
+                <a:latin typeface="+mj-lt"/>
+                <a:ea typeface="+mj-ea"/>
+                <a:cs typeface="+mj-cs"/>
+              </a:rPr>
+              <a:t>#Anatomy of a CMS</a:t>
+            </a:r>
+          </a:p>
+        </p:txBody>
+      </p:sp>
+      <p:pic>
+        <p:nvPicPr>
+          <p:cNvPr id="5" name="Picture 4">
+            <a:extLst>
+              <a:ext uri="{FF2B5EF4-FFF2-40B4-BE49-F238E27FC236}">
+                <a16:creationId xmlns:a16="http://schemas.microsoft.com/office/drawing/2014/main" id="{C8CFD1C6-ED0E-4B43-9693-76F02CAD18EB}"/>
+              </a:ext>
+            </a:extLst>
+          </p:cNvPr>
+          <p:cNvPicPr>
+            <a:picLocks noChangeAspect="1"/>
+          </p:cNvPicPr>
+          <p:nvPr/>
+        </p:nvPicPr>
+        <p:blipFill rotWithShape="1">
+          <a:blip r:embed="rId2"/>
+          <a:srcRect l="1194" t="2741" r="1194" b="1531"/>
+          <a:stretch/>
+        </p:blipFill>
+        <p:spPr>
+          <a:xfrm>
+            <a:off x="4038600" y="1109796"/>
+            <a:ext cx="7188199" cy="4635019"/>
+          </a:xfrm>
+          <a:prstGeom prst="rect">
+            <a:avLst/>
+          </a:prstGeom>
+        </p:spPr>
+      </p:pic>
     </p:spTree>
     <p:extLst>
       <p:ext uri="{BB962C8B-B14F-4D97-AF65-F5344CB8AC3E}">
         <p14:creationId xmlns:p14="http://schemas.microsoft.com/office/powerpoint/2010/main" val="1581508405"/>
+      </p:ext>
+    </p:extLst>
+  </p:cSld>
+  <p:clrMapOvr>
+    <a:masterClrMapping/>
+  </p:clrMapOvr>
+</p:sld>
+</file>
+
+<file path=ppt/slides/slide4.xml><?xml version="1.0" encoding="utf-8"?>
+<p:sld xmlns:a="http://schemas.openxmlformats.org/drawingml/2006/main" xmlns:r="http://schemas.openxmlformats.org/officeDocument/2006/relationships" xmlns:p="http://schemas.openxmlformats.org/presentationml/2006/main">
+  <p:cSld>
+    <p:bg>
+      <p:bgPr>
+        <a:solidFill>
+          <a:schemeClr val="bg1"/>
+        </a:solidFill>
+        <a:effectLst/>
+      </p:bgPr>
+    </p:bg>
+    <p:spTree>
+      <p:nvGrpSpPr>
+        <p:cNvPr id="1" name=""/>
+        <p:cNvGrpSpPr/>
+        <p:nvPr/>
+      </p:nvGrpSpPr>
+      <p:grpSpPr>
+        <a:xfrm>
+          <a:off x="0" y="0"/>
+          <a:ext cx="0" cy="0"/>
+          <a:chOff x="0" y="0"/>
+          <a:chExt cx="0" cy="0"/>
+        </a:xfrm>
+      </p:grpSpPr>
+      <p:sp>
+        <p:nvSpPr>
+          <p:cNvPr id="8" name="Rectangle 7">
+            <a:extLst>
+              <a:ext uri="{FF2B5EF4-FFF2-40B4-BE49-F238E27FC236}">
+                <a16:creationId xmlns:a16="http://schemas.microsoft.com/office/drawing/2014/main" id="{4351DFE5-F63D-4BE0-BDA9-E3EB88F01AA5}"/>
+              </a:ext>
+              <a:ext uri="{C183D7F6-B498-43B3-948B-1728B52AA6E4}">
+                <adec:decorative xmlns:adec="http://schemas.microsoft.com/office/drawing/2017/decorative" val="1"/>
+              </a:ext>
+            </a:extLst>
+          </p:cNvPr>
+          <p:cNvSpPr>
+            <a:spLocks noGrp="1" noRot="1" noChangeAspect="1" noMove="1" noResize="1" noEditPoints="1" noAdjustHandles="1" noChangeArrowheads="1" noChangeShapeType="1" noTextEdit="1"/>
+          </p:cNvSpPr>
+          <p:nvPr>
+            <p:extLst>
+              <p:ext uri="{386F3935-93C4-4BCD-93E2-E3B085C9AB24}">
+                <p16:designElem xmlns:p16="http://schemas.microsoft.com/office/powerpoint/2015/main" val="1"/>
+              </p:ext>
+            </p:extLst>
+          </p:nvPr>
+        </p:nvSpPr>
+        <p:spPr>
+          <a:xfrm>
+            <a:off x="355601" y="0"/>
+            <a:ext cx="11480494" cy="2753936"/>
+          </a:xfrm>
+          <a:prstGeom prst="rect">
+            <a:avLst/>
+          </a:prstGeom>
+          <a:gradFill>
+            <a:gsLst>
+              <a:gs pos="0">
+                <a:schemeClr val="accent1">
+                  <a:lumMod val="90000"/>
+                </a:schemeClr>
+              </a:gs>
+              <a:gs pos="25000">
+                <a:schemeClr val="accent1">
+                  <a:lumMod val="90000"/>
+                </a:schemeClr>
+              </a:gs>
+              <a:gs pos="94000">
+                <a:schemeClr val="bg2">
+                  <a:lumMod val="25000"/>
+                </a:schemeClr>
+              </a:gs>
+              <a:gs pos="100000">
+                <a:schemeClr val="bg2">
+                  <a:lumMod val="25000"/>
+                </a:schemeClr>
+              </a:gs>
+            </a:gsLst>
+            <a:lin ang="4200000" scaled="0"/>
+          </a:gradFill>
+          <a:ln>
+            <a:noFill/>
+          </a:ln>
+        </p:spPr>
+        <p:style>
+          <a:lnRef idx="2">
+            <a:schemeClr val="accent1">
+              <a:shade val="50000"/>
+            </a:schemeClr>
+          </a:lnRef>
+          <a:fillRef idx="1">
+            <a:schemeClr val="accent1"/>
+          </a:fillRef>
+          <a:effectRef idx="0">
+            <a:schemeClr val="accent1"/>
+          </a:effectRef>
+          <a:fontRef idx="minor">
+            <a:schemeClr val="lt1"/>
+          </a:fontRef>
+        </p:style>
+        <p:txBody>
+          <a:bodyPr rtlCol="0" anchor="ctr"/>
+          <a:lstStyle/>
+          <a:p>
+            <a:pPr algn="ctr"/>
+            <a:endParaRPr lang="en-US"/>
+          </a:p>
+        </p:txBody>
+      </p:sp>
+      <p:pic>
+        <p:nvPicPr>
+          <p:cNvPr id="10" name="Picture 9">
+            <a:extLst>
+              <a:ext uri="{FF2B5EF4-FFF2-40B4-BE49-F238E27FC236}">
+                <a16:creationId xmlns:a16="http://schemas.microsoft.com/office/drawing/2014/main" id="{3AA16612-ACD2-4A16-8F2B-4514FD6BF28F}"/>
+              </a:ext>
+              <a:ext uri="{C183D7F6-B498-43B3-948B-1728B52AA6E4}">
+                <adec:decorative xmlns:adec="http://schemas.microsoft.com/office/drawing/2017/decorative" val="1"/>
+              </a:ext>
+            </a:extLst>
+          </p:cNvPr>
+          <p:cNvPicPr>
+            <a:picLocks noGrp="1" noRot="1" noChangeAspect="1" noMove="1" noResize="1" noEditPoints="1" noAdjustHandles="1" noChangeArrowheads="1" noChangeShapeType="1" noCrop="1"/>
+          </p:cNvPicPr>
+          <p:nvPr>
+            <p:extLst>
+              <p:ext uri="{386F3935-93C4-4BCD-93E2-E3B085C9AB24}">
+                <p16:designElem xmlns:p16="http://schemas.microsoft.com/office/powerpoint/2015/main" val="1"/>
+              </p:ext>
+            </p:extLst>
+          </p:nvPr>
+        </p:nvPicPr>
+        <p:blipFill>
+          <a:blip r:embed="rId2">
+            <a:extLst>
+              <a:ext uri="{28A0092B-C50C-407E-A947-70E740481C1C}">
+                <a14:useLocalDpi xmlns:a14="http://schemas.microsoft.com/office/drawing/2010/main" val="0"/>
+              </a:ext>
+            </a:extLst>
+          </a:blip>
+          <a:stretch>
+            <a:fillRect/>
+          </a:stretch>
+        </p:blipFill>
+        <p:spPr>
+          <a:xfrm>
+            <a:off x="0" y="0"/>
+            <a:ext cx="12192000" cy="6858000"/>
+          </a:xfrm>
+          <a:prstGeom prst="rect">
+            <a:avLst/>
+          </a:prstGeom>
+        </p:spPr>
+      </p:pic>
+      <p:sp>
+        <p:nvSpPr>
+          <p:cNvPr id="2" name="Title 1">
+            <a:extLst>
+              <a:ext uri="{FF2B5EF4-FFF2-40B4-BE49-F238E27FC236}">
+                <a16:creationId xmlns:a16="http://schemas.microsoft.com/office/drawing/2014/main" id="{AF294D6F-92CA-4F20-A17B-02027F609775}"/>
+              </a:ext>
+            </a:extLst>
+          </p:cNvPr>
+          <p:cNvSpPr>
+            <a:spLocks noGrp="1"/>
+          </p:cNvSpPr>
+          <p:nvPr>
+            <p:ph type="title"/>
+          </p:nvPr>
+        </p:nvSpPr>
+        <p:spPr>
+          <a:xfrm>
+            <a:off x="1179226" y="826680"/>
+            <a:ext cx="9833548" cy="1325563"/>
+          </a:xfrm>
+        </p:spPr>
+        <p:txBody>
+          <a:bodyPr>
+            <a:normAutofit/>
+          </a:bodyPr>
+          <a:lstStyle/>
+          <a:p>
+            <a:pPr algn="ctr"/>
+            <a:r>
+              <a:rPr lang="en-US" sz="4000">
+                <a:solidFill>
+                  <a:srgbClr val="FFFFFF"/>
+                </a:solidFill>
+              </a:rPr>
+              <a:t>#Anatomy of a CMS</a:t>
+            </a:r>
+          </a:p>
+        </p:txBody>
+      </p:sp>
+      <p:sp>
+        <p:nvSpPr>
+          <p:cNvPr id="3" name="Content Placeholder 2">
+            <a:extLst>
+              <a:ext uri="{FF2B5EF4-FFF2-40B4-BE49-F238E27FC236}">
+                <a16:creationId xmlns:a16="http://schemas.microsoft.com/office/drawing/2014/main" id="{A7913BF3-3191-4D17-9457-C426D11B83AA}"/>
+              </a:ext>
+            </a:extLst>
+          </p:cNvPr>
+          <p:cNvSpPr>
+            <a:spLocks noGrp="1"/>
+          </p:cNvSpPr>
+          <p:nvPr>
+            <p:ph idx="1"/>
+          </p:nvPr>
+        </p:nvSpPr>
+        <p:spPr>
+          <a:xfrm>
+            <a:off x="1179226" y="3092970"/>
+            <a:ext cx="9833548" cy="2693976"/>
+          </a:xfrm>
+        </p:spPr>
+        <p:txBody>
+          <a:bodyPr>
+            <a:normAutofit/>
+          </a:bodyPr>
+          <a:lstStyle/>
+          <a:p>
+            <a:r>
+              <a:rPr lang="en-US" sz="2000">
+                <a:solidFill>
+                  <a:srgbClr val="000000"/>
+                </a:solidFill>
+              </a:rPr>
+              <a:t>The traditional CMS is a monolithic structure which provides out of the box solutions for templating and styling that are customizable via a WYSIWYG. As a result, designers and website builders can create professional-looking sites without needing to write a single line of code.</a:t>
+            </a:r>
+          </a:p>
+          <a:p>
+            <a:endParaRPr lang="en-US" sz="2000">
+              <a:solidFill>
+                <a:srgbClr val="000000"/>
+              </a:solidFill>
+            </a:endParaRPr>
+          </a:p>
+          <a:p>
+            <a:r>
+              <a:rPr lang="en-US" sz="2000">
+                <a:solidFill>
+                  <a:srgbClr val="000000"/>
+                </a:solidFill>
+              </a:rPr>
+              <a:t>As opposed to a traditional CMS, headless CMSes intentionally “chop off the head” thereby decoupling the front end from the back end. It therefore has no default frontend system and completely relinquishes the decision of presenting content to the developer.</a:t>
+            </a:r>
+          </a:p>
+        </p:txBody>
+      </p:sp>
+    </p:spTree>
+    <p:extLst>
+      <p:ext uri="{BB962C8B-B14F-4D97-AF65-F5344CB8AC3E}">
+        <p14:creationId xmlns:p14="http://schemas.microsoft.com/office/powerpoint/2010/main" val="2829274453"/>
+      </p:ext>
+    </p:extLst>
+  </p:cSld>
+  <p:clrMapOvr>
+    <a:masterClrMapping/>
+  </p:clrMapOvr>
+</p:sld>
+</file>
+
+<file path=ppt/slides/slide5.xml><?xml version="1.0" encoding="utf-8"?>
+<p:sld xmlns:a="http://schemas.openxmlformats.org/drawingml/2006/main" xmlns:r="http://schemas.openxmlformats.org/officeDocument/2006/relationships" xmlns:p="http://schemas.openxmlformats.org/presentationml/2006/main">
+  <p:cSld>
+    <p:bg>
+      <p:bgPr>
+        <a:solidFill>
+          <a:schemeClr val="bg1"/>
+        </a:solidFill>
+        <a:effectLst/>
+      </p:bgPr>
+    </p:bg>
+    <p:spTree>
+      <p:nvGrpSpPr>
+        <p:cNvPr id="1" name=""/>
+        <p:cNvGrpSpPr/>
+        <p:nvPr/>
+      </p:nvGrpSpPr>
+      <p:grpSpPr>
+        <a:xfrm>
+          <a:off x="0" y="0"/>
+          <a:ext cx="0" cy="0"/>
+          <a:chOff x="0" y="0"/>
+          <a:chExt cx="0" cy="0"/>
+        </a:xfrm>
+      </p:grpSpPr>
+      <p:sp>
+        <p:nvSpPr>
+          <p:cNvPr id="10" name="Rectangle 9">
+            <a:extLst>
+              <a:ext uri="{FF2B5EF4-FFF2-40B4-BE49-F238E27FC236}">
+                <a16:creationId xmlns:a16="http://schemas.microsoft.com/office/drawing/2014/main" id="{56C20283-73E0-40EC-8AD8-057F581F64C2}"/>
+              </a:ext>
+              <a:ext uri="{C183D7F6-B498-43B3-948B-1728B52AA6E4}">
+                <adec:decorative xmlns:adec="http://schemas.microsoft.com/office/drawing/2017/decorative" val="1"/>
+              </a:ext>
+            </a:extLst>
+          </p:cNvPr>
+          <p:cNvSpPr>
+            <a:spLocks noGrp="1" noRot="1" noChangeAspect="1" noMove="1" noResize="1" noEditPoints="1" noAdjustHandles="1" noChangeArrowheads="1" noChangeShapeType="1" noTextEdit="1"/>
+          </p:cNvSpPr>
+          <p:nvPr>
+            <p:extLst>
+              <p:ext uri="{386F3935-93C4-4BCD-93E2-E3B085C9AB24}">
+                <p16:designElem xmlns:p16="http://schemas.microsoft.com/office/powerpoint/2015/main" val="1"/>
+              </p:ext>
+            </p:extLst>
+          </p:nvPr>
+        </p:nvSpPr>
+        <p:spPr>
+          <a:xfrm>
+            <a:off x="1524" y="0"/>
+            <a:ext cx="12188952" cy="6858000"/>
+          </a:xfrm>
+          <a:prstGeom prst="rect">
+            <a:avLst/>
+          </a:prstGeom>
+          <a:solidFill>
+            <a:schemeClr val="tx1"/>
+          </a:solidFill>
+          <a:ln>
+            <a:noFill/>
+          </a:ln>
+        </p:spPr>
+        <p:style>
+          <a:lnRef idx="2">
+            <a:schemeClr val="accent1">
+              <a:shade val="50000"/>
+            </a:schemeClr>
+          </a:lnRef>
+          <a:fillRef idx="1">
+            <a:schemeClr val="accent1"/>
+          </a:fillRef>
+          <a:effectRef idx="0">
+            <a:schemeClr val="accent1"/>
+          </a:effectRef>
+          <a:fontRef idx="minor">
+            <a:schemeClr val="lt1"/>
+          </a:fontRef>
+        </p:style>
+        <p:txBody>
+          <a:bodyPr rtlCol="0" anchor="ctr"/>
+          <a:lstStyle/>
+          <a:p>
+            <a:pPr algn="ctr"/>
+            <a:endParaRPr lang="en-US"/>
+          </a:p>
+        </p:txBody>
+      </p:sp>
+      <p:sp>
+        <p:nvSpPr>
+          <p:cNvPr id="19" name="Freeform 28">
+            <a:extLst>
+              <a:ext uri="{FF2B5EF4-FFF2-40B4-BE49-F238E27FC236}">
+                <a16:creationId xmlns:a16="http://schemas.microsoft.com/office/drawing/2014/main" id="{3FCC729B-E528-40C3-82D3-BA4375575E87}"/>
+              </a:ext>
+              <a:ext uri="{C183D7F6-B498-43B3-948B-1728B52AA6E4}">
+                <adec:decorative xmlns:adec="http://schemas.microsoft.com/office/drawing/2017/decorative" val="1"/>
+              </a:ext>
+            </a:extLst>
+          </p:cNvPr>
+          <p:cNvSpPr>
+            <a:spLocks noGrp="1" noRot="1" noChangeAspect="1" noMove="1" noResize="1" noEditPoints="1" noAdjustHandles="1" noChangeArrowheads="1" noChangeShapeType="1" noTextEdit="1"/>
+          </p:cNvSpPr>
+          <p:nvPr>
+            <p:extLst>
+              <p:ext uri="{386F3935-93C4-4BCD-93E2-E3B085C9AB24}">
+                <p16:designElem xmlns:p16="http://schemas.microsoft.com/office/powerpoint/2015/main" val="1"/>
+              </p:ext>
+            </p:extLst>
+          </p:nvPr>
+        </p:nvSpPr>
+        <p:spPr>
+          <a:xfrm flipH="1" flipV="1">
+            <a:off x="960120" y="0"/>
+            <a:ext cx="11218661" cy="6858000"/>
+          </a:xfrm>
+          <a:custGeom>
+            <a:avLst/>
+            <a:gdLst>
+              <a:gd name="connsiteX0" fmla="*/ 0 w 11218661"/>
+              <a:gd name="connsiteY0" fmla="*/ 0 h 6858000"/>
+              <a:gd name="connsiteX1" fmla="*/ 8042507 w 11218661"/>
+              <a:gd name="connsiteY1" fmla="*/ 0 h 6858000"/>
+              <a:gd name="connsiteX2" fmla="*/ 11218661 w 11218661"/>
+              <a:gd name="connsiteY2" fmla="*/ 6858000 h 6858000"/>
+              <a:gd name="connsiteX3" fmla="*/ 0 w 11218661"/>
+              <a:gd name="connsiteY3" fmla="*/ 6858000 h 6858000"/>
+            </a:gdLst>
+            <a:ahLst/>
+            <a:cxnLst>
+              <a:cxn ang="0">
+                <a:pos x="connsiteX0" y="connsiteY0"/>
+              </a:cxn>
+              <a:cxn ang="0">
+                <a:pos x="connsiteX1" y="connsiteY1"/>
+              </a:cxn>
+              <a:cxn ang="0">
+                <a:pos x="connsiteX2" y="connsiteY2"/>
+              </a:cxn>
+              <a:cxn ang="0">
+                <a:pos x="connsiteX3" y="connsiteY3"/>
+              </a:cxn>
+            </a:cxnLst>
+            <a:rect l="l" t="t" r="r" b="b"/>
+            <a:pathLst>
+              <a:path w="11218661" h="6858000">
+                <a:moveTo>
+                  <a:pt x="0" y="0"/>
+                </a:moveTo>
+                <a:lnTo>
+                  <a:pt x="8042507" y="0"/>
+                </a:lnTo>
+                <a:lnTo>
+                  <a:pt x="11218661" y="6858000"/>
+                </a:lnTo>
+                <a:lnTo>
+                  <a:pt x="0" y="6858000"/>
+                </a:lnTo>
+                <a:close/>
+              </a:path>
+            </a:pathLst>
+          </a:custGeom>
+          <a:solidFill>
+            <a:schemeClr val="bg1">
+              <a:lumMod val="85000"/>
+              <a:lumOff val="15000"/>
+              <a:alpha val="70000"/>
+            </a:schemeClr>
+          </a:solidFill>
+          <a:ln>
+            <a:noFill/>
+          </a:ln>
+        </p:spPr>
+        <p:style>
+          <a:lnRef idx="2">
+            <a:schemeClr val="accent1">
+              <a:shade val="50000"/>
+            </a:schemeClr>
+          </a:lnRef>
+          <a:fillRef idx="1">
+            <a:schemeClr val="accent1"/>
+          </a:fillRef>
+          <a:effectRef idx="0">
+            <a:schemeClr val="accent1"/>
+          </a:effectRef>
+          <a:fontRef idx="minor">
+            <a:schemeClr val="lt1"/>
+          </a:fontRef>
+        </p:style>
+        <p:txBody>
+          <a:bodyPr wrap="square" rtlCol="0" anchor="ctr">
+            <a:noAutofit/>
+          </a:bodyPr>
+          <a:lstStyle/>
+          <a:p>
+            <a:pPr algn="ctr"/>
+            <a:endParaRPr lang="en-US"/>
+          </a:p>
+        </p:txBody>
+      </p:sp>
+      <p:sp>
+        <p:nvSpPr>
+          <p:cNvPr id="14" name="Freeform 26">
+            <a:extLst>
+              <a:ext uri="{FF2B5EF4-FFF2-40B4-BE49-F238E27FC236}">
+                <a16:creationId xmlns:a16="http://schemas.microsoft.com/office/drawing/2014/main" id="{58F1FB8D-1842-4A04-998D-6CF047AB2790}"/>
+              </a:ext>
+              <a:ext uri="{C183D7F6-B498-43B3-948B-1728B52AA6E4}">
+                <adec:decorative xmlns:adec="http://schemas.microsoft.com/office/drawing/2017/decorative" val="1"/>
+              </a:ext>
+            </a:extLst>
+          </p:cNvPr>
+          <p:cNvSpPr>
+            <a:spLocks noGrp="1" noRot="1" noChangeAspect="1" noMove="1" noResize="1" noEditPoints="1" noAdjustHandles="1" noChangeArrowheads="1" noChangeShapeType="1" noTextEdit="1"/>
+          </p:cNvSpPr>
+          <p:nvPr>
+            <p:extLst>
+              <p:ext uri="{386F3935-93C4-4BCD-93E2-E3B085C9AB24}">
+                <p16:designElem xmlns:p16="http://schemas.microsoft.com/office/powerpoint/2015/main" val="1"/>
+              </p:ext>
+            </p:extLst>
+          </p:nvPr>
+        </p:nvSpPr>
+        <p:spPr>
+          <a:xfrm flipH="1" flipV="1">
+            <a:off x="1420248" y="0"/>
+            <a:ext cx="10771752" cy="6858000"/>
+          </a:xfrm>
+          <a:custGeom>
+            <a:avLst/>
+            <a:gdLst>
+              <a:gd name="connsiteX0" fmla="*/ 0 w 10771752"/>
+              <a:gd name="connsiteY0" fmla="*/ 0 h 6858000"/>
+              <a:gd name="connsiteX1" fmla="*/ 7595598 w 10771752"/>
+              <a:gd name="connsiteY1" fmla="*/ 0 h 6858000"/>
+              <a:gd name="connsiteX2" fmla="*/ 10771752 w 10771752"/>
+              <a:gd name="connsiteY2" fmla="*/ 6858000 h 6858000"/>
+              <a:gd name="connsiteX3" fmla="*/ 0 w 10771752"/>
+              <a:gd name="connsiteY3" fmla="*/ 6858000 h 6858000"/>
+            </a:gdLst>
+            <a:ahLst/>
+            <a:cxnLst>
+              <a:cxn ang="0">
+                <a:pos x="connsiteX0" y="connsiteY0"/>
+              </a:cxn>
+              <a:cxn ang="0">
+                <a:pos x="connsiteX1" y="connsiteY1"/>
+              </a:cxn>
+              <a:cxn ang="0">
+                <a:pos x="connsiteX2" y="connsiteY2"/>
+              </a:cxn>
+              <a:cxn ang="0">
+                <a:pos x="connsiteX3" y="connsiteY3"/>
+              </a:cxn>
+            </a:cxnLst>
+            <a:rect l="l" t="t" r="r" b="b"/>
+            <a:pathLst>
+              <a:path w="10771752" h="6858000">
+                <a:moveTo>
+                  <a:pt x="0" y="0"/>
+                </a:moveTo>
+                <a:lnTo>
+                  <a:pt x="7595598" y="0"/>
+                </a:lnTo>
+                <a:lnTo>
+                  <a:pt x="10771752" y="6858000"/>
+                </a:lnTo>
+                <a:lnTo>
+                  <a:pt x="0" y="6858000"/>
+                </a:lnTo>
+                <a:close/>
+              </a:path>
+            </a:pathLst>
+          </a:custGeom>
+          <a:solidFill>
+            <a:schemeClr val="bg1">
+              <a:lumMod val="85000"/>
+              <a:lumOff val="15000"/>
+            </a:schemeClr>
+          </a:solidFill>
+          <a:ln>
+            <a:noFill/>
+          </a:ln>
+        </p:spPr>
+        <p:style>
+          <a:lnRef idx="2">
+            <a:schemeClr val="accent1">
+              <a:shade val="50000"/>
+            </a:schemeClr>
+          </a:lnRef>
+          <a:fillRef idx="1">
+            <a:schemeClr val="accent1"/>
+          </a:fillRef>
+          <a:effectRef idx="0">
+            <a:schemeClr val="accent1"/>
+          </a:effectRef>
+          <a:fontRef idx="minor">
+            <a:schemeClr val="lt1"/>
+          </a:fontRef>
+        </p:style>
+        <p:txBody>
+          <a:bodyPr wrap="square" rtlCol="0" anchor="ctr">
+            <a:noAutofit/>
+          </a:bodyPr>
+          <a:lstStyle/>
+          <a:p>
+            <a:pPr algn="ctr"/>
+            <a:endParaRPr lang="en-US"/>
+          </a:p>
+        </p:txBody>
+      </p:sp>
+      <p:sp>
+        <p:nvSpPr>
+          <p:cNvPr id="2" name="Title 1">
+            <a:extLst>
+              <a:ext uri="{FF2B5EF4-FFF2-40B4-BE49-F238E27FC236}">
+                <a16:creationId xmlns:a16="http://schemas.microsoft.com/office/drawing/2014/main" id="{196888B1-2F72-49A0-A23E-9D657F9AEF82}"/>
+              </a:ext>
+            </a:extLst>
+          </p:cNvPr>
+          <p:cNvSpPr>
+            <a:spLocks noGrp="1"/>
+          </p:cNvSpPr>
+          <p:nvPr>
+            <p:ph type="title"/>
+          </p:nvPr>
+        </p:nvSpPr>
+        <p:spPr>
+          <a:xfrm>
+            <a:off x="4384039" y="365125"/>
+            <a:ext cx="7164493" cy="1325563"/>
+          </a:xfrm>
+        </p:spPr>
+        <p:txBody>
+          <a:bodyPr>
+            <a:normAutofit/>
+          </a:bodyPr>
+          <a:lstStyle/>
+          <a:p>
+            <a:r>
+              <a:rPr lang="en-US" b="1"/>
+              <a:t>#What is a</a:t>
+            </a:r>
+            <a:r>
+              <a:rPr lang="th-TH" b="1"/>
+              <a:t> </a:t>
+            </a:r>
+            <a:r>
+              <a:rPr lang="en-US" b="1"/>
+              <a:t>CMS?</a:t>
+            </a:r>
+            <a:endParaRPr lang="en-US" dirty="0"/>
+          </a:p>
+        </p:txBody>
+      </p:sp>
+      <p:pic>
+        <p:nvPicPr>
+          <p:cNvPr id="5" name="Picture 4">
+            <a:extLst>
+              <a:ext uri="{FF2B5EF4-FFF2-40B4-BE49-F238E27FC236}">
+                <a16:creationId xmlns:a16="http://schemas.microsoft.com/office/drawing/2014/main" id="{E9E50774-EBDF-4DF9-86D1-F72899C78697}"/>
+              </a:ext>
+            </a:extLst>
+          </p:cNvPr>
+          <p:cNvPicPr>
+            <a:picLocks noChangeAspect="1"/>
+          </p:cNvPicPr>
+          <p:nvPr/>
+        </p:nvPicPr>
+        <p:blipFill>
+          <a:blip r:embed="rId2">
+            <a:extLst>
+              <a:ext uri="{28A0092B-C50C-407E-A947-70E740481C1C}">
+                <a14:useLocalDpi xmlns:a14="http://schemas.microsoft.com/office/drawing/2010/main" val="0"/>
+              </a:ext>
+            </a:extLst>
+          </a:blip>
+          <a:stretch>
+            <a:fillRect/>
+          </a:stretch>
+        </p:blipFill>
+        <p:spPr>
+          <a:xfrm>
+            <a:off x="480060" y="2902018"/>
+            <a:ext cx="3425957" cy="1053482"/>
+          </a:xfrm>
+          <a:prstGeom prst="rect">
+            <a:avLst/>
+          </a:prstGeom>
+        </p:spPr>
+      </p:pic>
+      <p:sp>
+        <p:nvSpPr>
+          <p:cNvPr id="3" name="Content Placeholder 2">
+            <a:extLst>
+              <a:ext uri="{FF2B5EF4-FFF2-40B4-BE49-F238E27FC236}">
+                <a16:creationId xmlns:a16="http://schemas.microsoft.com/office/drawing/2014/main" id="{C6D85D2C-6FBB-466C-AA59-A1B33B17E1B0}"/>
+              </a:ext>
+            </a:extLst>
+          </p:cNvPr>
+          <p:cNvSpPr>
+            <a:spLocks noGrp="1"/>
+          </p:cNvSpPr>
+          <p:nvPr>
+            <p:ph idx="1"/>
+          </p:nvPr>
+        </p:nvSpPr>
+        <p:spPr>
+          <a:xfrm>
+            <a:off x="4387515" y="2022601"/>
+            <a:ext cx="7161017" cy="4154361"/>
+          </a:xfrm>
+        </p:spPr>
+        <p:txBody>
+          <a:bodyPr>
+            <a:normAutofit/>
+          </a:bodyPr>
+          <a:lstStyle/>
+          <a:p>
+            <a:r>
+              <a:rPr lang="en-US" sz="1700"/>
+              <a:t>A content management system (CMS) is a software application or set of related programs that are used to create and manage digital content</a:t>
+            </a:r>
+          </a:p>
+          <a:p>
+            <a:r>
+              <a:rPr lang="en-US" sz="1700"/>
+              <a:t>content management systems have two components: </a:t>
+            </a:r>
+          </a:p>
+          <a:p>
+            <a:pPr marL="0" indent="0">
+              <a:buNone/>
+            </a:pPr>
+            <a:r>
+              <a:rPr lang="en-US" sz="1700"/>
+              <a:t>a content management application (CMA) and a content delivery application (CDA). </a:t>
+            </a:r>
+            <a:br>
+              <a:rPr lang="en-US" sz="1700"/>
+            </a:br>
+            <a:endParaRPr lang="en-US" sz="1700"/>
+          </a:p>
+          <a:p>
+            <a:pPr lvl="1"/>
+            <a:r>
+              <a:rPr lang="en-US" sz="1700"/>
+              <a:t>The CMA is a graphical user interface (GUI) that allows the user to control the creation, modification and removal of content from a website without needing to know anything about HTML.  </a:t>
+            </a:r>
+            <a:br>
+              <a:rPr lang="en-US" sz="1700"/>
+            </a:br>
+            <a:endParaRPr lang="en-US" sz="1700"/>
+          </a:p>
+          <a:p>
+            <a:pPr lvl="1"/>
+            <a:r>
+              <a:rPr lang="en-US" sz="1700"/>
+              <a:t>The CDA component provides the back-end services that support management and delivery of the content once it has been created in the CMA.</a:t>
+            </a:r>
+          </a:p>
+          <a:p>
+            <a:endParaRPr lang="en-US" sz="1700"/>
+          </a:p>
+        </p:txBody>
+      </p:sp>
+    </p:spTree>
+    <p:extLst>
+      <p:ext uri="{BB962C8B-B14F-4D97-AF65-F5344CB8AC3E}">
+        <p14:creationId xmlns:p14="http://schemas.microsoft.com/office/powerpoint/2010/main" val="1166862380"/>
+      </p:ext>
+    </p:extLst>
+  </p:cSld>
+  <p:clrMapOvr>
+    <a:overrideClrMapping bg1="dk1" tx1="lt1" bg2="dk2" tx2="lt2" accent1="accent1" accent2="accent2" accent3="accent3" accent4="accent4" accent5="accent5" accent6="accent6" hlink="hlink" folHlink="folHlink"/>
+  </p:clrMapOvr>
+</p:sld>
+</file>
+
+<file path=ppt/slides/slide6.xml><?xml version="1.0" encoding="utf-8"?>
+<p:sld xmlns:a="http://schemas.openxmlformats.org/drawingml/2006/main" xmlns:r="http://schemas.openxmlformats.org/officeDocument/2006/relationships" xmlns:p="http://schemas.openxmlformats.org/presentationml/2006/main">
+  <p:cSld>
+    <p:bg>
+      <p:bgPr>
+        <a:solidFill>
+          <a:schemeClr val="bg1"/>
+        </a:solidFill>
+        <a:effectLst/>
+      </p:bgPr>
+    </p:bg>
+    <p:spTree>
+      <p:nvGrpSpPr>
+        <p:cNvPr id="1" name=""/>
+        <p:cNvGrpSpPr/>
+        <p:nvPr/>
+      </p:nvGrpSpPr>
+      <p:grpSpPr>
+        <a:xfrm>
+          <a:off x="0" y="0"/>
+          <a:ext cx="0" cy="0"/>
+          <a:chOff x="0" y="0"/>
+          <a:chExt cx="0" cy="0"/>
+        </a:xfrm>
+      </p:grpSpPr>
+      <p:sp>
+        <p:nvSpPr>
+          <p:cNvPr id="10" name="Rectangle 9">
+            <a:extLst>
+              <a:ext uri="{FF2B5EF4-FFF2-40B4-BE49-F238E27FC236}">
+                <a16:creationId xmlns:a16="http://schemas.microsoft.com/office/drawing/2014/main" id="{56C20283-73E0-40EC-8AD8-057F581F64C2}"/>
+              </a:ext>
+              <a:ext uri="{C183D7F6-B498-43B3-948B-1728B52AA6E4}">
+                <adec:decorative xmlns:adec="http://schemas.microsoft.com/office/drawing/2017/decorative" val="1"/>
+              </a:ext>
+            </a:extLst>
+          </p:cNvPr>
+          <p:cNvSpPr>
+            <a:spLocks noGrp="1" noRot="1" noChangeAspect="1" noMove="1" noResize="1" noEditPoints="1" noAdjustHandles="1" noChangeArrowheads="1" noChangeShapeType="1" noTextEdit="1"/>
+          </p:cNvSpPr>
+          <p:nvPr>
+            <p:extLst>
+              <p:ext uri="{386F3935-93C4-4BCD-93E2-E3B085C9AB24}">
+                <p16:designElem xmlns:p16="http://schemas.microsoft.com/office/powerpoint/2015/main" val="1"/>
+              </p:ext>
+            </p:extLst>
+          </p:nvPr>
+        </p:nvSpPr>
+        <p:spPr>
+          <a:xfrm>
+            <a:off x="1524" y="0"/>
+            <a:ext cx="12188952" cy="6858000"/>
+          </a:xfrm>
+          <a:prstGeom prst="rect">
+            <a:avLst/>
+          </a:prstGeom>
+          <a:solidFill>
+            <a:schemeClr val="tx1"/>
+          </a:solidFill>
+          <a:ln>
+            <a:noFill/>
+          </a:ln>
+        </p:spPr>
+        <p:style>
+          <a:lnRef idx="2">
+            <a:schemeClr val="accent1">
+              <a:shade val="50000"/>
+            </a:schemeClr>
+          </a:lnRef>
+          <a:fillRef idx="1">
+            <a:schemeClr val="accent1"/>
+          </a:fillRef>
+          <a:effectRef idx="0">
+            <a:schemeClr val="accent1"/>
+          </a:effectRef>
+          <a:fontRef idx="minor">
+            <a:schemeClr val="lt1"/>
+          </a:fontRef>
+        </p:style>
+        <p:txBody>
+          <a:bodyPr rtlCol="0" anchor="ctr"/>
+          <a:lstStyle/>
+          <a:p>
+            <a:pPr algn="ctr"/>
+            <a:endParaRPr lang="en-US"/>
+          </a:p>
+        </p:txBody>
+      </p:sp>
+      <p:sp>
+        <p:nvSpPr>
+          <p:cNvPr id="12" name="Freeform 28">
+            <a:extLst>
+              <a:ext uri="{FF2B5EF4-FFF2-40B4-BE49-F238E27FC236}">
+                <a16:creationId xmlns:a16="http://schemas.microsoft.com/office/drawing/2014/main" id="{3FCC729B-E528-40C3-82D3-BA4375575E87}"/>
+              </a:ext>
+              <a:ext uri="{C183D7F6-B498-43B3-948B-1728B52AA6E4}">
+                <adec:decorative xmlns:adec="http://schemas.microsoft.com/office/drawing/2017/decorative" val="1"/>
+              </a:ext>
+            </a:extLst>
+          </p:cNvPr>
+          <p:cNvSpPr>
+            <a:spLocks noGrp="1" noRot="1" noChangeAspect="1" noMove="1" noResize="1" noEditPoints="1" noAdjustHandles="1" noChangeArrowheads="1" noChangeShapeType="1" noTextEdit="1"/>
+          </p:cNvSpPr>
+          <p:nvPr>
+            <p:extLst>
+              <p:ext uri="{386F3935-93C4-4BCD-93E2-E3B085C9AB24}">
+                <p16:designElem xmlns:p16="http://schemas.microsoft.com/office/powerpoint/2015/main" val="1"/>
+              </p:ext>
+            </p:extLst>
+          </p:nvPr>
+        </p:nvSpPr>
+        <p:spPr>
+          <a:xfrm flipH="1" flipV="1">
+            <a:off x="960120" y="0"/>
+            <a:ext cx="11218661" cy="6858000"/>
+          </a:xfrm>
+          <a:custGeom>
+            <a:avLst/>
+            <a:gdLst>
+              <a:gd name="connsiteX0" fmla="*/ 0 w 11218661"/>
+              <a:gd name="connsiteY0" fmla="*/ 0 h 6858000"/>
+              <a:gd name="connsiteX1" fmla="*/ 8042507 w 11218661"/>
+              <a:gd name="connsiteY1" fmla="*/ 0 h 6858000"/>
+              <a:gd name="connsiteX2" fmla="*/ 11218661 w 11218661"/>
+              <a:gd name="connsiteY2" fmla="*/ 6858000 h 6858000"/>
+              <a:gd name="connsiteX3" fmla="*/ 0 w 11218661"/>
+              <a:gd name="connsiteY3" fmla="*/ 6858000 h 6858000"/>
+            </a:gdLst>
+            <a:ahLst/>
+            <a:cxnLst>
+              <a:cxn ang="0">
+                <a:pos x="connsiteX0" y="connsiteY0"/>
+              </a:cxn>
+              <a:cxn ang="0">
+                <a:pos x="connsiteX1" y="connsiteY1"/>
+              </a:cxn>
+              <a:cxn ang="0">
+                <a:pos x="connsiteX2" y="connsiteY2"/>
+              </a:cxn>
+              <a:cxn ang="0">
+                <a:pos x="connsiteX3" y="connsiteY3"/>
+              </a:cxn>
+            </a:cxnLst>
+            <a:rect l="l" t="t" r="r" b="b"/>
+            <a:pathLst>
+              <a:path w="11218661" h="6858000">
+                <a:moveTo>
+                  <a:pt x="0" y="0"/>
+                </a:moveTo>
+                <a:lnTo>
+                  <a:pt x="8042507" y="0"/>
+                </a:lnTo>
+                <a:lnTo>
+                  <a:pt x="11218661" y="6858000"/>
+                </a:lnTo>
+                <a:lnTo>
+                  <a:pt x="0" y="6858000"/>
+                </a:lnTo>
+                <a:close/>
+              </a:path>
+            </a:pathLst>
+          </a:custGeom>
+          <a:solidFill>
+            <a:schemeClr val="bg1">
+              <a:lumMod val="85000"/>
+              <a:lumOff val="15000"/>
+              <a:alpha val="70000"/>
+            </a:schemeClr>
+          </a:solidFill>
+          <a:ln>
+            <a:noFill/>
+          </a:ln>
+        </p:spPr>
+        <p:style>
+          <a:lnRef idx="2">
+            <a:schemeClr val="accent1">
+              <a:shade val="50000"/>
+            </a:schemeClr>
+          </a:lnRef>
+          <a:fillRef idx="1">
+            <a:schemeClr val="accent1"/>
+          </a:fillRef>
+          <a:effectRef idx="0">
+            <a:schemeClr val="accent1"/>
+          </a:effectRef>
+          <a:fontRef idx="minor">
+            <a:schemeClr val="lt1"/>
+          </a:fontRef>
+        </p:style>
+        <p:txBody>
+          <a:bodyPr wrap="square" rtlCol="0" anchor="ctr">
+            <a:noAutofit/>
+          </a:bodyPr>
+          <a:lstStyle/>
+          <a:p>
+            <a:pPr algn="ctr"/>
+            <a:endParaRPr lang="en-US"/>
+          </a:p>
+        </p:txBody>
+      </p:sp>
+      <p:sp>
+        <p:nvSpPr>
+          <p:cNvPr id="14" name="Freeform 26">
+            <a:extLst>
+              <a:ext uri="{FF2B5EF4-FFF2-40B4-BE49-F238E27FC236}">
+                <a16:creationId xmlns:a16="http://schemas.microsoft.com/office/drawing/2014/main" id="{58F1FB8D-1842-4A04-998D-6CF047AB2790}"/>
+              </a:ext>
+              <a:ext uri="{C183D7F6-B498-43B3-948B-1728B52AA6E4}">
+                <adec:decorative xmlns:adec="http://schemas.microsoft.com/office/drawing/2017/decorative" val="1"/>
+              </a:ext>
+            </a:extLst>
+          </p:cNvPr>
+          <p:cNvSpPr>
+            <a:spLocks noGrp="1" noRot="1" noChangeAspect="1" noMove="1" noResize="1" noEditPoints="1" noAdjustHandles="1" noChangeArrowheads="1" noChangeShapeType="1" noTextEdit="1"/>
+          </p:cNvSpPr>
+          <p:nvPr>
+            <p:extLst>
+              <p:ext uri="{386F3935-93C4-4BCD-93E2-E3B085C9AB24}">
+                <p16:designElem xmlns:p16="http://schemas.microsoft.com/office/powerpoint/2015/main" val="1"/>
+              </p:ext>
+            </p:extLst>
+          </p:nvPr>
+        </p:nvSpPr>
+        <p:spPr>
+          <a:xfrm flipH="1" flipV="1">
+            <a:off x="1420248" y="0"/>
+            <a:ext cx="10771752" cy="6858000"/>
+          </a:xfrm>
+          <a:custGeom>
+            <a:avLst/>
+            <a:gdLst>
+              <a:gd name="connsiteX0" fmla="*/ 0 w 10771752"/>
+              <a:gd name="connsiteY0" fmla="*/ 0 h 6858000"/>
+              <a:gd name="connsiteX1" fmla="*/ 7595598 w 10771752"/>
+              <a:gd name="connsiteY1" fmla="*/ 0 h 6858000"/>
+              <a:gd name="connsiteX2" fmla="*/ 10771752 w 10771752"/>
+              <a:gd name="connsiteY2" fmla="*/ 6858000 h 6858000"/>
+              <a:gd name="connsiteX3" fmla="*/ 0 w 10771752"/>
+              <a:gd name="connsiteY3" fmla="*/ 6858000 h 6858000"/>
+            </a:gdLst>
+            <a:ahLst/>
+            <a:cxnLst>
+              <a:cxn ang="0">
+                <a:pos x="connsiteX0" y="connsiteY0"/>
+              </a:cxn>
+              <a:cxn ang="0">
+                <a:pos x="connsiteX1" y="connsiteY1"/>
+              </a:cxn>
+              <a:cxn ang="0">
+                <a:pos x="connsiteX2" y="connsiteY2"/>
+              </a:cxn>
+              <a:cxn ang="0">
+                <a:pos x="connsiteX3" y="connsiteY3"/>
+              </a:cxn>
+            </a:cxnLst>
+            <a:rect l="l" t="t" r="r" b="b"/>
+            <a:pathLst>
+              <a:path w="10771752" h="6858000">
+                <a:moveTo>
+                  <a:pt x="0" y="0"/>
+                </a:moveTo>
+                <a:lnTo>
+                  <a:pt x="7595598" y="0"/>
+                </a:lnTo>
+                <a:lnTo>
+                  <a:pt x="10771752" y="6858000"/>
+                </a:lnTo>
+                <a:lnTo>
+                  <a:pt x="0" y="6858000"/>
+                </a:lnTo>
+                <a:close/>
+              </a:path>
+            </a:pathLst>
+          </a:custGeom>
+          <a:solidFill>
+            <a:schemeClr val="bg1">
+              <a:lumMod val="85000"/>
+              <a:lumOff val="15000"/>
+            </a:schemeClr>
+          </a:solidFill>
+          <a:ln>
+            <a:noFill/>
+          </a:ln>
+        </p:spPr>
+        <p:style>
+          <a:lnRef idx="2">
+            <a:schemeClr val="accent1">
+              <a:shade val="50000"/>
+            </a:schemeClr>
+          </a:lnRef>
+          <a:fillRef idx="1">
+            <a:schemeClr val="accent1"/>
+          </a:fillRef>
+          <a:effectRef idx="0">
+            <a:schemeClr val="accent1"/>
+          </a:effectRef>
+          <a:fontRef idx="minor">
+            <a:schemeClr val="lt1"/>
+          </a:fontRef>
+        </p:style>
+        <p:txBody>
+          <a:bodyPr wrap="square" rtlCol="0" anchor="ctr">
+            <a:noAutofit/>
+          </a:bodyPr>
+          <a:lstStyle/>
+          <a:p>
+            <a:pPr algn="ctr"/>
+            <a:endParaRPr lang="en-US"/>
+          </a:p>
+        </p:txBody>
+      </p:sp>
+      <p:sp>
+        <p:nvSpPr>
+          <p:cNvPr id="2" name="Title 1">
+            <a:extLst>
+              <a:ext uri="{FF2B5EF4-FFF2-40B4-BE49-F238E27FC236}">
+                <a16:creationId xmlns:a16="http://schemas.microsoft.com/office/drawing/2014/main" id="{502EE7D5-4877-41C3-8C28-81387C8E8C85}"/>
+              </a:ext>
+            </a:extLst>
+          </p:cNvPr>
+          <p:cNvSpPr>
+            <a:spLocks noGrp="1"/>
+          </p:cNvSpPr>
+          <p:nvPr>
+            <p:ph type="title"/>
+          </p:nvPr>
+        </p:nvSpPr>
+        <p:spPr>
+          <a:xfrm>
+            <a:off x="4384039" y="365125"/>
+            <a:ext cx="7164493" cy="1325563"/>
+          </a:xfrm>
+        </p:spPr>
+        <p:txBody>
+          <a:bodyPr>
+            <a:normAutofit/>
+          </a:bodyPr>
+          <a:lstStyle/>
+          <a:p>
+            <a:r>
+              <a:rPr lang="en-US" b="1"/>
+              <a:t>#What is a headless CMS?</a:t>
+            </a:r>
+            <a:endParaRPr lang="en-US"/>
+          </a:p>
+        </p:txBody>
+      </p:sp>
+      <p:pic>
+        <p:nvPicPr>
+          <p:cNvPr id="5" name="Picture 4">
+            <a:extLst>
+              <a:ext uri="{FF2B5EF4-FFF2-40B4-BE49-F238E27FC236}">
+                <a16:creationId xmlns:a16="http://schemas.microsoft.com/office/drawing/2014/main" id="{AFFF9D4D-490C-41EB-A31B-09468A53AAFE}"/>
+              </a:ext>
+            </a:extLst>
+          </p:cNvPr>
+          <p:cNvPicPr>
+            <a:picLocks noChangeAspect="1"/>
+          </p:cNvPicPr>
+          <p:nvPr/>
+        </p:nvPicPr>
+        <p:blipFill rotWithShape="1">
+          <a:blip r:embed="rId2">
+            <a:extLst>
+              <a:ext uri="{28A0092B-C50C-407E-A947-70E740481C1C}">
+                <a14:useLocalDpi xmlns:a14="http://schemas.microsoft.com/office/drawing/2010/main" val="0"/>
+              </a:ext>
+            </a:extLst>
+          </a:blip>
+          <a:srcRect t="21974" b="23920"/>
+          <a:stretch/>
+        </p:blipFill>
+        <p:spPr>
+          <a:xfrm>
+            <a:off x="480060" y="2907421"/>
+            <a:ext cx="3425957" cy="1042676"/>
+          </a:xfrm>
+          <a:prstGeom prst="rect">
+            <a:avLst/>
+          </a:prstGeom>
+        </p:spPr>
+      </p:pic>
+      <p:sp>
+        <p:nvSpPr>
+          <p:cNvPr id="3" name="Content Placeholder 2">
+            <a:extLst>
+              <a:ext uri="{FF2B5EF4-FFF2-40B4-BE49-F238E27FC236}">
+                <a16:creationId xmlns:a16="http://schemas.microsoft.com/office/drawing/2014/main" id="{906A9B6D-C083-4593-A838-9DEB445BD5B0}"/>
+              </a:ext>
+            </a:extLst>
+          </p:cNvPr>
+          <p:cNvSpPr>
+            <a:spLocks noGrp="1"/>
+          </p:cNvSpPr>
+          <p:nvPr>
+            <p:ph idx="1"/>
+          </p:nvPr>
+        </p:nvSpPr>
+        <p:spPr>
+          <a:xfrm>
+            <a:off x="4387515" y="2022601"/>
+            <a:ext cx="7161017" cy="4154361"/>
+          </a:xfrm>
+        </p:spPr>
+        <p:txBody>
+          <a:bodyPr>
+            <a:normAutofit/>
+          </a:bodyPr>
+          <a:lstStyle/>
+          <a:p>
+            <a:r>
+              <a:rPr lang="en-US" sz="2000" b="1"/>
+              <a:t>Headless CMS</a:t>
+            </a:r>
+            <a:r>
+              <a:rPr lang="en-US" sz="2000"/>
+              <a:t> - a content management system that contains only the back-end developer environment, with no default templating system or frameworks. These are a subset of decoupled CMSs.</a:t>
+            </a:r>
+            <a:endParaRPr lang="th-TH" sz="2000"/>
+          </a:p>
+          <a:p>
+            <a:endParaRPr lang="th-TH" sz="2000"/>
+          </a:p>
+          <a:p>
+            <a:r>
+              <a:rPr lang="en-US" sz="2000"/>
+              <a:t>Headless CMS architecture separates back-end content functions (like creation, management, and storage) from front-end functions (like presentation and delivery).</a:t>
+            </a:r>
+          </a:p>
+        </p:txBody>
+      </p:sp>
+    </p:spTree>
+    <p:extLst>
+      <p:ext uri="{BB962C8B-B14F-4D97-AF65-F5344CB8AC3E}">
+        <p14:creationId xmlns:p14="http://schemas.microsoft.com/office/powerpoint/2010/main" val="999035316"/>
+      </p:ext>
+    </p:extLst>
+  </p:cSld>
+  <p:clrMapOvr>
+    <a:overrideClrMapping bg1="dk1" tx1="lt1" bg2="dk2" tx2="lt2" accent1="accent1" accent2="accent2" accent3="accent3" accent4="accent4" accent5="accent5" accent6="accent6" hlink="hlink" folHlink="folHlink"/>
+  </p:clrMapOvr>
+</p:sld>
+</file>
+
+<file path=ppt/slides/slide7.xml><?xml version="1.0" encoding="utf-8"?>
+<p:sld xmlns:a="http://schemas.openxmlformats.org/drawingml/2006/main" xmlns:r="http://schemas.openxmlformats.org/officeDocument/2006/relationships" xmlns:p="http://schemas.openxmlformats.org/presentationml/2006/main">
+  <p:cSld>
+    <p:bg>
+      <p:bgPr>
+        <a:solidFill>
+          <a:schemeClr val="bg1"/>
+        </a:solidFill>
+        <a:effectLst/>
+      </p:bgPr>
+    </p:bg>
+    <p:spTree>
+      <p:nvGrpSpPr>
+        <p:cNvPr id="1" name=""/>
+        <p:cNvGrpSpPr/>
+        <p:nvPr/>
+      </p:nvGrpSpPr>
+      <p:grpSpPr>
+        <a:xfrm>
+          <a:off x="0" y="0"/>
+          <a:ext cx="0" cy="0"/>
+          <a:chOff x="0" y="0"/>
+          <a:chExt cx="0" cy="0"/>
+        </a:xfrm>
+      </p:grpSpPr>
+      <p:sp>
+        <p:nvSpPr>
+          <p:cNvPr id="14" name="Rectangle 13">
+            <a:extLst>
+              <a:ext uri="{FF2B5EF4-FFF2-40B4-BE49-F238E27FC236}">
+                <a16:creationId xmlns:a16="http://schemas.microsoft.com/office/drawing/2014/main" id="{56C20283-73E0-40EC-8AD8-057F581F64C2}"/>
+              </a:ext>
+              <a:ext uri="{C183D7F6-B498-43B3-948B-1728B52AA6E4}">
+                <adec:decorative xmlns:adec="http://schemas.microsoft.com/office/drawing/2017/decorative" val="1"/>
+              </a:ext>
+            </a:extLst>
+          </p:cNvPr>
+          <p:cNvSpPr>
+            <a:spLocks noGrp="1" noRot="1" noChangeAspect="1" noMove="1" noResize="1" noEditPoints="1" noAdjustHandles="1" noChangeArrowheads="1" noChangeShapeType="1" noTextEdit="1"/>
+          </p:cNvSpPr>
+          <p:nvPr>
+            <p:extLst>
+              <p:ext uri="{386F3935-93C4-4BCD-93E2-E3B085C9AB24}">
+                <p16:designElem xmlns:p16="http://schemas.microsoft.com/office/powerpoint/2015/main" val="1"/>
+              </p:ext>
+            </p:extLst>
+          </p:nvPr>
+        </p:nvSpPr>
+        <p:spPr>
+          <a:xfrm>
+            <a:off x="1524" y="0"/>
+            <a:ext cx="12188952" cy="6858000"/>
+          </a:xfrm>
+          <a:prstGeom prst="rect">
+            <a:avLst/>
+          </a:prstGeom>
+          <a:solidFill>
+            <a:schemeClr val="tx1"/>
+          </a:solidFill>
+          <a:ln>
+            <a:noFill/>
+          </a:ln>
+        </p:spPr>
+        <p:style>
+          <a:lnRef idx="2">
+            <a:schemeClr val="accent1">
+              <a:shade val="50000"/>
+            </a:schemeClr>
+          </a:lnRef>
+          <a:fillRef idx="1">
+            <a:schemeClr val="accent1"/>
+          </a:fillRef>
+          <a:effectRef idx="0">
+            <a:schemeClr val="accent1"/>
+          </a:effectRef>
+          <a:fontRef idx="minor">
+            <a:schemeClr val="lt1"/>
+          </a:fontRef>
+        </p:style>
+        <p:txBody>
+          <a:bodyPr rtlCol="0" anchor="ctr"/>
+          <a:lstStyle/>
+          <a:p>
+            <a:pPr algn="ctr"/>
+            <a:endParaRPr lang="en-US"/>
+          </a:p>
+        </p:txBody>
+      </p:sp>
+      <p:sp>
+        <p:nvSpPr>
+          <p:cNvPr id="16" name="Freeform 28">
+            <a:extLst>
+              <a:ext uri="{FF2B5EF4-FFF2-40B4-BE49-F238E27FC236}">
+                <a16:creationId xmlns:a16="http://schemas.microsoft.com/office/drawing/2014/main" id="{3FCC729B-E528-40C3-82D3-BA4375575E87}"/>
+              </a:ext>
+              <a:ext uri="{C183D7F6-B498-43B3-948B-1728B52AA6E4}">
+                <adec:decorative xmlns:adec="http://schemas.microsoft.com/office/drawing/2017/decorative" val="1"/>
+              </a:ext>
+            </a:extLst>
+          </p:cNvPr>
+          <p:cNvSpPr>
+            <a:spLocks noGrp="1" noRot="1" noChangeAspect="1" noMove="1" noResize="1" noEditPoints="1" noAdjustHandles="1" noChangeArrowheads="1" noChangeShapeType="1" noTextEdit="1"/>
+          </p:cNvSpPr>
+          <p:nvPr>
+            <p:extLst>
+              <p:ext uri="{386F3935-93C4-4BCD-93E2-E3B085C9AB24}">
+                <p16:designElem xmlns:p16="http://schemas.microsoft.com/office/powerpoint/2015/main" val="1"/>
+              </p:ext>
+            </p:extLst>
+          </p:nvPr>
+        </p:nvSpPr>
+        <p:spPr>
+          <a:xfrm flipH="1" flipV="1">
+            <a:off x="960120" y="0"/>
+            <a:ext cx="11218661" cy="6858000"/>
+          </a:xfrm>
+          <a:custGeom>
+            <a:avLst/>
+            <a:gdLst>
+              <a:gd name="connsiteX0" fmla="*/ 0 w 11218661"/>
+              <a:gd name="connsiteY0" fmla="*/ 0 h 6858000"/>
+              <a:gd name="connsiteX1" fmla="*/ 8042507 w 11218661"/>
+              <a:gd name="connsiteY1" fmla="*/ 0 h 6858000"/>
+              <a:gd name="connsiteX2" fmla="*/ 11218661 w 11218661"/>
+              <a:gd name="connsiteY2" fmla="*/ 6858000 h 6858000"/>
+              <a:gd name="connsiteX3" fmla="*/ 0 w 11218661"/>
+              <a:gd name="connsiteY3" fmla="*/ 6858000 h 6858000"/>
+            </a:gdLst>
+            <a:ahLst/>
+            <a:cxnLst>
+              <a:cxn ang="0">
+                <a:pos x="connsiteX0" y="connsiteY0"/>
+              </a:cxn>
+              <a:cxn ang="0">
+                <a:pos x="connsiteX1" y="connsiteY1"/>
+              </a:cxn>
+              <a:cxn ang="0">
+                <a:pos x="connsiteX2" y="connsiteY2"/>
+              </a:cxn>
+              <a:cxn ang="0">
+                <a:pos x="connsiteX3" y="connsiteY3"/>
+              </a:cxn>
+            </a:cxnLst>
+            <a:rect l="l" t="t" r="r" b="b"/>
+            <a:pathLst>
+              <a:path w="11218661" h="6858000">
+                <a:moveTo>
+                  <a:pt x="0" y="0"/>
+                </a:moveTo>
+                <a:lnTo>
+                  <a:pt x="8042507" y="0"/>
+                </a:lnTo>
+                <a:lnTo>
+                  <a:pt x="11218661" y="6858000"/>
+                </a:lnTo>
+                <a:lnTo>
+                  <a:pt x="0" y="6858000"/>
+                </a:lnTo>
+                <a:close/>
+              </a:path>
+            </a:pathLst>
+          </a:custGeom>
+          <a:solidFill>
+            <a:schemeClr val="bg1">
+              <a:lumMod val="85000"/>
+              <a:lumOff val="15000"/>
+              <a:alpha val="70000"/>
+            </a:schemeClr>
+          </a:solidFill>
+          <a:ln>
+            <a:noFill/>
+          </a:ln>
+        </p:spPr>
+        <p:style>
+          <a:lnRef idx="2">
+            <a:schemeClr val="accent1">
+              <a:shade val="50000"/>
+            </a:schemeClr>
+          </a:lnRef>
+          <a:fillRef idx="1">
+            <a:schemeClr val="accent1"/>
+          </a:fillRef>
+          <a:effectRef idx="0">
+            <a:schemeClr val="accent1"/>
+          </a:effectRef>
+          <a:fontRef idx="minor">
+            <a:schemeClr val="lt1"/>
+          </a:fontRef>
+        </p:style>
+        <p:txBody>
+          <a:bodyPr wrap="square" rtlCol="0" anchor="ctr">
+            <a:noAutofit/>
+          </a:bodyPr>
+          <a:lstStyle/>
+          <a:p>
+            <a:pPr algn="ctr"/>
+            <a:endParaRPr lang="en-US"/>
+          </a:p>
+        </p:txBody>
+      </p:sp>
+      <p:sp>
+        <p:nvSpPr>
+          <p:cNvPr id="18" name="Freeform 26">
+            <a:extLst>
+              <a:ext uri="{FF2B5EF4-FFF2-40B4-BE49-F238E27FC236}">
+                <a16:creationId xmlns:a16="http://schemas.microsoft.com/office/drawing/2014/main" id="{58F1FB8D-1842-4A04-998D-6CF047AB2790}"/>
+              </a:ext>
+              <a:ext uri="{C183D7F6-B498-43B3-948B-1728B52AA6E4}">
+                <adec:decorative xmlns:adec="http://schemas.microsoft.com/office/drawing/2017/decorative" val="1"/>
+              </a:ext>
+            </a:extLst>
+          </p:cNvPr>
+          <p:cNvSpPr>
+            <a:spLocks noGrp="1" noRot="1" noChangeAspect="1" noMove="1" noResize="1" noEditPoints="1" noAdjustHandles="1" noChangeArrowheads="1" noChangeShapeType="1" noTextEdit="1"/>
+          </p:cNvSpPr>
+          <p:nvPr>
+            <p:extLst>
+              <p:ext uri="{386F3935-93C4-4BCD-93E2-E3B085C9AB24}">
+                <p16:designElem xmlns:p16="http://schemas.microsoft.com/office/powerpoint/2015/main" val="1"/>
+              </p:ext>
+            </p:extLst>
+          </p:nvPr>
+        </p:nvSpPr>
+        <p:spPr>
+          <a:xfrm flipH="1" flipV="1">
+            <a:off x="1420248" y="0"/>
+            <a:ext cx="10771752" cy="6858000"/>
+          </a:xfrm>
+          <a:custGeom>
+            <a:avLst/>
+            <a:gdLst>
+              <a:gd name="connsiteX0" fmla="*/ 0 w 10771752"/>
+              <a:gd name="connsiteY0" fmla="*/ 0 h 6858000"/>
+              <a:gd name="connsiteX1" fmla="*/ 7595598 w 10771752"/>
+              <a:gd name="connsiteY1" fmla="*/ 0 h 6858000"/>
+              <a:gd name="connsiteX2" fmla="*/ 10771752 w 10771752"/>
+              <a:gd name="connsiteY2" fmla="*/ 6858000 h 6858000"/>
+              <a:gd name="connsiteX3" fmla="*/ 0 w 10771752"/>
+              <a:gd name="connsiteY3" fmla="*/ 6858000 h 6858000"/>
+            </a:gdLst>
+            <a:ahLst/>
+            <a:cxnLst>
+              <a:cxn ang="0">
+                <a:pos x="connsiteX0" y="connsiteY0"/>
+              </a:cxn>
+              <a:cxn ang="0">
+                <a:pos x="connsiteX1" y="connsiteY1"/>
+              </a:cxn>
+              <a:cxn ang="0">
+                <a:pos x="connsiteX2" y="connsiteY2"/>
+              </a:cxn>
+              <a:cxn ang="0">
+                <a:pos x="connsiteX3" y="connsiteY3"/>
+              </a:cxn>
+            </a:cxnLst>
+            <a:rect l="l" t="t" r="r" b="b"/>
+            <a:pathLst>
+              <a:path w="10771752" h="6858000">
+                <a:moveTo>
+                  <a:pt x="0" y="0"/>
+                </a:moveTo>
+                <a:lnTo>
+                  <a:pt x="7595598" y="0"/>
+                </a:lnTo>
+                <a:lnTo>
+                  <a:pt x="10771752" y="6858000"/>
+                </a:lnTo>
+                <a:lnTo>
+                  <a:pt x="0" y="6858000"/>
+                </a:lnTo>
+                <a:close/>
+              </a:path>
+            </a:pathLst>
+          </a:custGeom>
+          <a:solidFill>
+            <a:schemeClr val="bg1">
+              <a:lumMod val="85000"/>
+              <a:lumOff val="15000"/>
+            </a:schemeClr>
+          </a:solidFill>
+          <a:ln>
+            <a:noFill/>
+          </a:ln>
+        </p:spPr>
+        <p:style>
+          <a:lnRef idx="2">
+            <a:schemeClr val="accent1">
+              <a:shade val="50000"/>
+            </a:schemeClr>
+          </a:lnRef>
+          <a:fillRef idx="1">
+            <a:schemeClr val="accent1"/>
+          </a:fillRef>
+          <a:effectRef idx="0">
+            <a:schemeClr val="accent1"/>
+          </a:effectRef>
+          <a:fontRef idx="minor">
+            <a:schemeClr val="lt1"/>
+          </a:fontRef>
+        </p:style>
+        <p:txBody>
+          <a:bodyPr wrap="square" rtlCol="0" anchor="ctr">
+            <a:noAutofit/>
+          </a:bodyPr>
+          <a:lstStyle/>
+          <a:p>
+            <a:pPr algn="ctr"/>
+            <a:endParaRPr lang="en-US"/>
+          </a:p>
+        </p:txBody>
+      </p:sp>
+      <p:sp>
+        <p:nvSpPr>
+          <p:cNvPr id="2" name="Title 1">
+            <a:extLst>
+              <a:ext uri="{FF2B5EF4-FFF2-40B4-BE49-F238E27FC236}">
+                <a16:creationId xmlns:a16="http://schemas.microsoft.com/office/drawing/2014/main" id="{196888B1-2F72-49A0-A23E-9D657F9AEF82}"/>
+              </a:ext>
+            </a:extLst>
+          </p:cNvPr>
+          <p:cNvSpPr>
+            <a:spLocks noGrp="1"/>
+          </p:cNvSpPr>
+          <p:nvPr>
+            <p:ph type="title"/>
+          </p:nvPr>
+        </p:nvSpPr>
+        <p:spPr>
+          <a:xfrm>
+            <a:off x="4384039" y="365125"/>
+            <a:ext cx="7164493" cy="1325563"/>
+          </a:xfrm>
+        </p:spPr>
+        <p:txBody>
+          <a:bodyPr>
+            <a:normAutofit/>
+          </a:bodyPr>
+          <a:lstStyle/>
+          <a:p>
+            <a:r>
+              <a:rPr lang="en-US" b="1" dirty="0"/>
+              <a:t>#What is a Decoupled CMS</a:t>
+            </a:r>
+            <a:r>
+              <a:rPr lang="en-US" dirty="0"/>
+              <a:t> ?</a:t>
+            </a:r>
+          </a:p>
+        </p:txBody>
+      </p:sp>
+      <p:sp>
+        <p:nvSpPr>
+          <p:cNvPr id="3" name="Content Placeholder 2">
+            <a:extLst>
+              <a:ext uri="{FF2B5EF4-FFF2-40B4-BE49-F238E27FC236}">
+                <a16:creationId xmlns:a16="http://schemas.microsoft.com/office/drawing/2014/main" id="{C6D85D2C-6FBB-466C-AA59-A1B33B17E1B0}"/>
+              </a:ext>
+            </a:extLst>
+          </p:cNvPr>
+          <p:cNvSpPr>
+            <a:spLocks noGrp="1"/>
+          </p:cNvSpPr>
+          <p:nvPr>
+            <p:ph idx="1"/>
+          </p:nvPr>
+        </p:nvSpPr>
+        <p:spPr>
+          <a:xfrm>
+            <a:off x="4387515" y="2022601"/>
+            <a:ext cx="7161017" cy="4154361"/>
+          </a:xfrm>
+        </p:spPr>
+        <p:txBody>
+          <a:bodyPr>
+            <a:normAutofit/>
+          </a:bodyPr>
+          <a:lstStyle/>
+          <a:p>
+            <a:r>
+              <a:rPr lang="en-US" sz="2000" dirty="0"/>
+              <a:t>Decoupled CMS – also known as a hybrid headless CMS - your content is managed separately and is front-end agnostic, just like a headless CMS. Yet, it has front-end delivery tools in the box, like templates, if you want to use them.</a:t>
+            </a:r>
+          </a:p>
+        </p:txBody>
+      </p:sp>
+      <p:pic>
+        <p:nvPicPr>
+          <p:cNvPr id="9" name="Picture 8">
+            <a:extLst>
+              <a:ext uri="{FF2B5EF4-FFF2-40B4-BE49-F238E27FC236}">
+                <a16:creationId xmlns:a16="http://schemas.microsoft.com/office/drawing/2014/main" id="{1C42B524-FF0A-4B1D-970B-2C96DC3D46F3}"/>
+              </a:ext>
+            </a:extLst>
+          </p:cNvPr>
+          <p:cNvPicPr>
+            <a:picLocks noChangeAspect="1"/>
+          </p:cNvPicPr>
+          <p:nvPr/>
+        </p:nvPicPr>
+        <p:blipFill rotWithShape="1">
+          <a:blip r:embed="rId2">
+            <a:extLst>
+              <a:ext uri="{28A0092B-C50C-407E-A947-70E740481C1C}">
+                <a14:useLocalDpi xmlns:a14="http://schemas.microsoft.com/office/drawing/2010/main" val="0"/>
+              </a:ext>
+            </a:extLst>
+          </a:blip>
+          <a:srcRect r="61353"/>
+          <a:stretch/>
+        </p:blipFill>
+        <p:spPr>
+          <a:xfrm>
+            <a:off x="1260389" y="2346741"/>
+            <a:ext cx="2024827" cy="1558679"/>
+          </a:xfrm>
+          <a:prstGeom prst="rect">
+            <a:avLst/>
+          </a:prstGeom>
+        </p:spPr>
+      </p:pic>
+    </p:spTree>
+    <p:extLst>
+      <p:ext uri="{BB962C8B-B14F-4D97-AF65-F5344CB8AC3E}">
+        <p14:creationId xmlns:p14="http://schemas.microsoft.com/office/powerpoint/2010/main" val="2719868724"/>
+      </p:ext>
+    </p:extLst>
+  </p:cSld>
+  <p:clrMapOvr>
+    <a:overrideClrMapping bg1="dk1" tx1="lt1" bg2="dk2" tx2="lt2" accent1="accent1" accent2="accent2" accent3="accent3" accent4="accent4" accent5="accent5" accent6="accent6" hlink="hlink" folHlink="folHlink"/>
+  </p:clrMapOvr>
+</p:sld>
+</file>
+
+<file path=ppt/slides/slide8.xml><?xml version="1.0" encoding="utf-8"?>
+<p:sld xmlns:a="http://schemas.openxmlformats.org/drawingml/2006/main" xmlns:r="http://schemas.openxmlformats.org/officeDocument/2006/relationships" xmlns:p="http://schemas.openxmlformats.org/presentationml/2006/main">
+  <p:cSld>
+    <p:bg>
+      <p:bgPr>
+        <a:solidFill>
+          <a:schemeClr val="bg1"/>
+        </a:solidFill>
+        <a:effectLst/>
+      </p:bgPr>
+    </p:bg>
+    <p:spTree>
+      <p:nvGrpSpPr>
+        <p:cNvPr id="1" name=""/>
+        <p:cNvGrpSpPr/>
+        <p:nvPr/>
+      </p:nvGrpSpPr>
+      <p:grpSpPr>
+        <a:xfrm>
+          <a:off x="0" y="0"/>
+          <a:ext cx="0" cy="0"/>
+          <a:chOff x="0" y="0"/>
+          <a:chExt cx="0" cy="0"/>
+        </a:xfrm>
+      </p:grpSpPr>
+      <p:sp>
+        <p:nvSpPr>
+          <p:cNvPr id="22" name="Rectangle 21">
+            <a:extLst>
+              <a:ext uri="{FF2B5EF4-FFF2-40B4-BE49-F238E27FC236}">
+                <a16:creationId xmlns:a16="http://schemas.microsoft.com/office/drawing/2014/main" id="{32BC26D8-82FB-445E-AA49-62A77D7C1EE0}"/>
+              </a:ext>
+              <a:ext uri="{C183D7F6-B498-43B3-948B-1728B52AA6E4}">
+                <adec:decorative xmlns:adec="http://schemas.microsoft.com/office/drawing/2017/decorative" val="1"/>
+              </a:ext>
+            </a:extLst>
+          </p:cNvPr>
+          <p:cNvSpPr>
+            <a:spLocks noGrp="1" noRot="1" noChangeAspect="1" noMove="1" noResize="1" noEditPoints="1" noAdjustHandles="1" noChangeArrowheads="1" noChangeShapeType="1" noTextEdit="1"/>
+          </p:cNvSpPr>
+          <p:nvPr>
+            <p:extLst>
+              <p:ext uri="{386F3935-93C4-4BCD-93E2-E3B085C9AB24}">
+                <p16:designElem xmlns:p16="http://schemas.microsoft.com/office/powerpoint/2015/main" val="1"/>
+              </p:ext>
+            </p:extLst>
+          </p:nvPr>
+        </p:nvSpPr>
+        <p:spPr>
+          <a:xfrm>
+            <a:off x="0" y="0"/>
+            <a:ext cx="12192000" cy="6858000"/>
+          </a:xfrm>
+          <a:prstGeom prst="rect">
+            <a:avLst/>
+          </a:prstGeom>
+          <a:solidFill>
+            <a:schemeClr val="tx1">
+              <a:lumMod val="65000"/>
+              <a:lumOff val="35000"/>
+            </a:schemeClr>
+          </a:solidFill>
+          <a:ln>
+            <a:noFill/>
+          </a:ln>
+        </p:spPr>
+        <p:style>
+          <a:lnRef idx="2">
+            <a:schemeClr val="accent1">
+              <a:shade val="50000"/>
+            </a:schemeClr>
+          </a:lnRef>
+          <a:fillRef idx="1">
+            <a:schemeClr val="accent1"/>
+          </a:fillRef>
+          <a:effectRef idx="0">
+            <a:schemeClr val="accent1"/>
+          </a:effectRef>
+          <a:fontRef idx="minor">
+            <a:schemeClr val="lt1"/>
+          </a:fontRef>
+        </p:style>
+        <p:txBody>
+          <a:bodyPr rtlCol="0" anchor="ctr"/>
+          <a:lstStyle/>
+          <a:p>
+            <a:pPr algn="ctr"/>
+            <a:endParaRPr lang="en-US"/>
+          </a:p>
+        </p:txBody>
+      </p:sp>
+      <p:sp>
+        <p:nvSpPr>
+          <p:cNvPr id="24" name="Rectangle 23">
+            <a:extLst>
+              <a:ext uri="{FF2B5EF4-FFF2-40B4-BE49-F238E27FC236}">
+                <a16:creationId xmlns:a16="http://schemas.microsoft.com/office/drawing/2014/main" id="{CB44330D-EA18-4254-AA95-EB49948539B8}"/>
+              </a:ext>
+              <a:ext uri="{C183D7F6-B498-43B3-948B-1728B52AA6E4}">
+                <adec:decorative xmlns:adec="http://schemas.microsoft.com/office/drawing/2017/decorative" val="1"/>
+              </a:ext>
+            </a:extLst>
+          </p:cNvPr>
+          <p:cNvSpPr>
+            <a:spLocks noGrp="1" noRot="1" noChangeAspect="1" noMove="1" noResize="1" noEditPoints="1" noAdjustHandles="1" noChangeArrowheads="1" noChangeShapeType="1" noTextEdit="1"/>
+          </p:cNvSpPr>
+          <p:nvPr>
+            <p:extLst>
+              <p:ext uri="{386F3935-93C4-4BCD-93E2-E3B085C9AB24}">
+                <p16:designElem xmlns:p16="http://schemas.microsoft.com/office/powerpoint/2015/main" val="1"/>
+              </p:ext>
+            </p:extLst>
+          </p:nvPr>
+        </p:nvSpPr>
+        <p:spPr>
+          <a:xfrm>
+            <a:off x="477012" y="480060"/>
+            <a:ext cx="11237976" cy="5897880"/>
+          </a:xfrm>
+          <a:prstGeom prst="rect">
+            <a:avLst/>
+          </a:prstGeom>
+          <a:solidFill>
+            <a:srgbClr val="FFFFFF"/>
+          </a:solidFill>
+          <a:ln>
+            <a:noFill/>
+          </a:ln>
+        </p:spPr>
+        <p:style>
+          <a:lnRef idx="2">
+            <a:schemeClr val="accent1">
+              <a:shade val="50000"/>
+            </a:schemeClr>
+          </a:lnRef>
+          <a:fillRef idx="1">
+            <a:schemeClr val="accent1"/>
+          </a:fillRef>
+          <a:effectRef idx="0">
+            <a:schemeClr val="accent1"/>
+          </a:effectRef>
+          <a:fontRef idx="minor">
+            <a:schemeClr val="lt1"/>
+          </a:fontRef>
+        </p:style>
+        <p:txBody>
+          <a:bodyPr rtlCol="0" anchor="ctr"/>
+          <a:lstStyle/>
+          <a:p>
+            <a:pPr algn="ctr"/>
+            <a:endParaRPr lang="en-US"/>
+          </a:p>
+        </p:txBody>
+      </p:sp>
+      <p:pic>
+        <p:nvPicPr>
+          <p:cNvPr id="17" name="Content Placeholder 4">
+            <a:extLst>
+              <a:ext uri="{FF2B5EF4-FFF2-40B4-BE49-F238E27FC236}">
+                <a16:creationId xmlns:a16="http://schemas.microsoft.com/office/drawing/2014/main" id="{E8C7CF32-96F7-4DFD-AC42-C5A4B16B03CA}"/>
+              </a:ext>
+            </a:extLst>
+          </p:cNvPr>
+          <p:cNvPicPr>
+            <a:picLocks noGrp="1" noChangeAspect="1"/>
+          </p:cNvPicPr>
+          <p:nvPr>
+            <p:ph idx="1"/>
+          </p:nvPr>
+        </p:nvPicPr>
+        <p:blipFill>
+          <a:blip r:embed="rId2">
+            <a:extLst>
+              <a:ext uri="{28A0092B-C50C-407E-A947-70E740481C1C}">
+                <a14:useLocalDpi xmlns:a14="http://schemas.microsoft.com/office/drawing/2010/main" val="0"/>
+              </a:ext>
+            </a:extLst>
+          </a:blip>
+          <a:stretch>
+            <a:fillRect/>
+          </a:stretch>
+        </p:blipFill>
+        <p:spPr>
+          <a:xfrm>
+            <a:off x="3310467" y="643467"/>
+            <a:ext cx="5571066" cy="5571066"/>
+          </a:xfrm>
+          <a:prstGeom prst="rect">
+            <a:avLst/>
+          </a:prstGeom>
+        </p:spPr>
+      </p:pic>
+    </p:spTree>
+    <p:extLst>
+      <p:ext uri="{BB962C8B-B14F-4D97-AF65-F5344CB8AC3E}">
+        <p14:creationId xmlns:p14="http://schemas.microsoft.com/office/powerpoint/2010/main" val="2567064848"/>
+      </p:ext>
+    </p:extLst>
+  </p:cSld>
+  <p:clrMapOvr>
+    <a:masterClrMapping/>
+  </p:clrMapOvr>
+</p:sld>
+</file>
+
+<file path=ppt/slides/slide9.xml><?xml version="1.0" encoding="utf-8"?>
+<p:sld xmlns:a="http://schemas.openxmlformats.org/drawingml/2006/main" xmlns:r="http://schemas.openxmlformats.org/officeDocument/2006/relationships" xmlns:p="http://schemas.openxmlformats.org/presentationml/2006/main">
+  <p:cSld>
+    <p:bg>
+      <p:bgPr>
+        <a:solidFill>
+          <a:schemeClr val="bg1"/>
+        </a:solidFill>
+        <a:effectLst/>
+      </p:bgPr>
+    </p:bg>
+    <p:spTree>
+      <p:nvGrpSpPr>
+        <p:cNvPr id="1" name=""/>
+        <p:cNvGrpSpPr/>
+        <p:nvPr/>
+      </p:nvGrpSpPr>
+      <p:grpSpPr>
+        <a:xfrm>
+          <a:off x="0" y="0"/>
+          <a:ext cx="0" cy="0"/>
+          <a:chOff x="0" y="0"/>
+          <a:chExt cx="0" cy="0"/>
+        </a:xfrm>
+      </p:grpSpPr>
+      <p:sp>
+        <p:nvSpPr>
+          <p:cNvPr id="51" name="Rectangle 50">
+            <a:extLst>
+              <a:ext uri="{FF2B5EF4-FFF2-40B4-BE49-F238E27FC236}">
+                <a16:creationId xmlns:a16="http://schemas.microsoft.com/office/drawing/2014/main" id="{C6B8CC7F-3622-46E3-9272-E1956397D21B}"/>
+              </a:ext>
+              <a:ext uri="{C183D7F6-B498-43B3-948B-1728B52AA6E4}">
+                <adec:decorative xmlns:adec="http://schemas.microsoft.com/office/drawing/2017/decorative" val="1"/>
+              </a:ext>
+            </a:extLst>
+          </p:cNvPr>
+          <p:cNvSpPr>
+            <a:spLocks noGrp="1" noRot="1" noChangeAspect="1" noMove="1" noResize="1" noEditPoints="1" noAdjustHandles="1" noChangeArrowheads="1" noChangeShapeType="1" noTextEdit="1"/>
+          </p:cNvSpPr>
+          <p:nvPr>
+            <p:extLst>
+              <p:ext uri="{386F3935-93C4-4BCD-93E2-E3B085C9AB24}">
+                <p16:designElem xmlns:p16="http://schemas.microsoft.com/office/powerpoint/2015/main" val="1"/>
+              </p:ext>
+            </p:extLst>
+          </p:nvPr>
+        </p:nvSpPr>
+        <p:spPr>
+          <a:xfrm>
+            <a:off x="1" y="0"/>
+            <a:ext cx="4234905" cy="4562780"/>
+          </a:xfrm>
+          <a:prstGeom prst="rect">
+            <a:avLst/>
+          </a:prstGeom>
+          <a:gradFill>
+            <a:gsLst>
+              <a:gs pos="0">
+                <a:schemeClr val="accent1">
+                  <a:lumMod val="100000"/>
+                  <a:alpha val="82000"/>
+                </a:schemeClr>
+              </a:gs>
+              <a:gs pos="25000">
+                <a:schemeClr val="accent1">
+                  <a:alpha val="60000"/>
+                </a:schemeClr>
+              </a:gs>
+              <a:gs pos="94000">
+                <a:schemeClr val="bg2">
+                  <a:lumMod val="75000"/>
+                </a:schemeClr>
+              </a:gs>
+              <a:gs pos="100000">
+                <a:schemeClr val="bg2">
+                  <a:lumMod val="75000"/>
+                </a:schemeClr>
+              </a:gs>
+            </a:gsLst>
+            <a:lin ang="4200000" scaled="0"/>
+          </a:gradFill>
+          <a:ln>
+            <a:noFill/>
+          </a:ln>
+        </p:spPr>
+        <p:style>
+          <a:lnRef idx="2">
+            <a:schemeClr val="accent1">
+              <a:shade val="50000"/>
+            </a:schemeClr>
+          </a:lnRef>
+          <a:fillRef idx="1">
+            <a:schemeClr val="accent1"/>
+          </a:fillRef>
+          <a:effectRef idx="0">
+            <a:schemeClr val="accent1"/>
+          </a:effectRef>
+          <a:fontRef idx="minor">
+            <a:schemeClr val="lt1"/>
+          </a:fontRef>
+        </p:style>
+        <p:txBody>
+          <a:bodyPr rtlCol="0" anchor="ctr"/>
+          <a:lstStyle/>
+          <a:p>
+            <a:pPr algn="ctr"/>
+            <a:endParaRPr lang="en-US"/>
+          </a:p>
+        </p:txBody>
+      </p:sp>
+      <p:sp>
+        <p:nvSpPr>
+          <p:cNvPr id="53" name="Rectangle 52">
+            <a:extLst>
+              <a:ext uri="{FF2B5EF4-FFF2-40B4-BE49-F238E27FC236}">
+                <a16:creationId xmlns:a16="http://schemas.microsoft.com/office/drawing/2014/main" id="{F3FE55B4-2EE5-4A4A-AD80-1A14F660FEF5}"/>
+              </a:ext>
+              <a:ext uri="{C183D7F6-B498-43B3-948B-1728B52AA6E4}">
+                <adec:decorative xmlns:adec="http://schemas.microsoft.com/office/drawing/2017/decorative" val="1"/>
+              </a:ext>
+            </a:extLst>
+          </p:cNvPr>
+          <p:cNvSpPr>
+            <a:spLocks noGrp="1" noRot="1" noChangeAspect="1" noMove="1" noResize="1" noEditPoints="1" noAdjustHandles="1" noChangeArrowheads="1" noChangeShapeType="1" noTextEdit="1"/>
+          </p:cNvSpPr>
+          <p:nvPr>
+            <p:extLst>
+              <p:ext uri="{386F3935-93C4-4BCD-93E2-E3B085C9AB24}">
+                <p16:designElem xmlns:p16="http://schemas.microsoft.com/office/powerpoint/2015/main" val="1"/>
+              </p:ext>
+            </p:extLst>
+          </p:nvPr>
+        </p:nvSpPr>
+        <p:spPr>
+          <a:xfrm>
+            <a:off x="4234906" y="0"/>
+            <a:ext cx="7956409" cy="6858000"/>
+          </a:xfrm>
+          <a:prstGeom prst="rect">
+            <a:avLst/>
+          </a:prstGeom>
+          <a:gradFill>
+            <a:gsLst>
+              <a:gs pos="0">
+                <a:schemeClr val="accent1">
+                  <a:lumMod val="100000"/>
+                  <a:alpha val="82000"/>
+                </a:schemeClr>
+              </a:gs>
+              <a:gs pos="25000">
+                <a:schemeClr val="accent1">
+                  <a:alpha val="60000"/>
+                </a:schemeClr>
+              </a:gs>
+              <a:gs pos="94000">
+                <a:schemeClr val="bg2">
+                  <a:lumMod val="75000"/>
+                </a:schemeClr>
+              </a:gs>
+              <a:gs pos="100000">
+                <a:schemeClr val="bg2">
+                  <a:lumMod val="75000"/>
+                </a:schemeClr>
+              </a:gs>
+            </a:gsLst>
+            <a:lin ang="4200000" scaled="0"/>
+          </a:gradFill>
+          <a:ln>
+            <a:noFill/>
+          </a:ln>
+        </p:spPr>
+        <p:style>
+          <a:lnRef idx="2">
+            <a:schemeClr val="accent1">
+              <a:shade val="50000"/>
+            </a:schemeClr>
+          </a:lnRef>
+          <a:fillRef idx="1">
+            <a:schemeClr val="accent1"/>
+          </a:fillRef>
+          <a:effectRef idx="0">
+            <a:schemeClr val="accent1"/>
+          </a:effectRef>
+          <a:fontRef idx="minor">
+            <a:schemeClr val="lt1"/>
+          </a:fontRef>
+        </p:style>
+        <p:txBody>
+          <a:bodyPr rtlCol="0" anchor="ctr"/>
+          <a:lstStyle/>
+          <a:p>
+            <a:pPr algn="ctr"/>
+            <a:endParaRPr lang="en-US"/>
+          </a:p>
+        </p:txBody>
+      </p:sp>
+      <p:pic>
+        <p:nvPicPr>
+          <p:cNvPr id="55" name="Picture 54">
+            <a:extLst>
+              <a:ext uri="{FF2B5EF4-FFF2-40B4-BE49-F238E27FC236}">
+                <a16:creationId xmlns:a16="http://schemas.microsoft.com/office/drawing/2014/main" id="{7267E9C1-58F1-46EE-9BBE-108764BF9E2F}"/>
+              </a:ext>
+              <a:ext uri="{C183D7F6-B498-43B3-948B-1728B52AA6E4}">
+                <adec:decorative xmlns:adec="http://schemas.microsoft.com/office/drawing/2017/decorative" val="1"/>
+              </a:ext>
+            </a:extLst>
+          </p:cNvPr>
+          <p:cNvPicPr>
+            <a:picLocks noGrp="1" noRot="1" noChangeAspect="1" noMove="1" noResize="1" noEditPoints="1" noAdjustHandles="1" noChangeArrowheads="1" noChangeShapeType="1" noCrop="1"/>
+          </p:cNvPicPr>
+          <p:nvPr>
+            <p:extLst>
+              <p:ext uri="{386F3935-93C4-4BCD-93E2-E3B085C9AB24}">
+                <p16:designElem xmlns:p16="http://schemas.microsoft.com/office/powerpoint/2015/main" val="1"/>
+              </p:ext>
+            </p:extLst>
+          </p:nvPr>
+        </p:nvPicPr>
+        <p:blipFill>
+          <a:blip r:embed="rId2">
+            <a:extLst>
+              <a:ext uri="{28A0092B-C50C-407E-A947-70E740481C1C}">
+                <a14:useLocalDpi xmlns:a14="http://schemas.microsoft.com/office/drawing/2010/main" val="0"/>
+              </a:ext>
+            </a:extLst>
+          </a:blip>
+          <a:stretch>
+            <a:fillRect/>
+          </a:stretch>
+        </p:blipFill>
+        <p:spPr>
+          <a:xfrm flipH="1">
+            <a:off x="0" y="0"/>
+            <a:ext cx="12192000" cy="6858000"/>
+          </a:xfrm>
+          <a:prstGeom prst="rect">
+            <a:avLst/>
+          </a:prstGeom>
+        </p:spPr>
+      </p:pic>
+      <p:sp>
+        <p:nvSpPr>
+          <p:cNvPr id="2" name="Title 1">
+            <a:extLst>
+              <a:ext uri="{FF2B5EF4-FFF2-40B4-BE49-F238E27FC236}">
+                <a16:creationId xmlns:a16="http://schemas.microsoft.com/office/drawing/2014/main" id="{4838B693-B5F1-423A-B389-D2A0AE8BC315}"/>
+              </a:ext>
+            </a:extLst>
+          </p:cNvPr>
+          <p:cNvSpPr>
+            <a:spLocks noGrp="1"/>
+          </p:cNvSpPr>
+          <p:nvPr>
+            <p:ph type="title"/>
+          </p:nvPr>
+        </p:nvSpPr>
+        <p:spPr>
+          <a:xfrm>
+            <a:off x="804620" y="5073812"/>
+            <a:ext cx="6331904" cy="1146013"/>
+          </a:xfrm>
+        </p:spPr>
+        <p:txBody>
+          <a:bodyPr vert="horz" lIns="91440" tIns="45720" rIns="91440" bIns="45720" rtlCol="0" anchor="t">
+            <a:normAutofit/>
+          </a:bodyPr>
+          <a:lstStyle/>
+          <a:p>
+            <a:r>
+              <a:rPr lang="en-US" sz="3600" b="1" dirty="0">
+                <a:solidFill>
+                  <a:srgbClr val="000000"/>
+                </a:solidFill>
+              </a:rPr>
+              <a:t>#Compare CMS vs Headless CMS  vs Decoupled CMS </a:t>
+            </a:r>
+          </a:p>
+        </p:txBody>
+      </p:sp>
+      <p:sp>
+        <p:nvSpPr>
+          <p:cNvPr id="57" name="Freeform: Shape 56">
+            <a:extLst>
+              <a:ext uri="{FF2B5EF4-FFF2-40B4-BE49-F238E27FC236}">
+                <a16:creationId xmlns:a16="http://schemas.microsoft.com/office/drawing/2014/main" id="{F62B8A8C-A996-46DA-AB61-1A4DD707348F}"/>
+              </a:ext>
+              <a:ext uri="{C183D7F6-B498-43B3-948B-1728B52AA6E4}">
+                <adec:decorative xmlns:adec="http://schemas.microsoft.com/office/drawing/2017/decorative" val="1"/>
+              </a:ext>
+            </a:extLst>
+          </p:cNvPr>
+          <p:cNvSpPr>
+            <a:spLocks noGrp="1" noRot="1" noChangeAspect="1" noMove="1" noResize="1" noEditPoints="1" noAdjustHandles="1" noChangeArrowheads="1" noChangeShapeType="1" noTextEdit="1"/>
+          </p:cNvSpPr>
+          <p:nvPr>
+            <p:extLst>
+              <p:ext uri="{386F3935-93C4-4BCD-93E2-E3B085C9AB24}">
+                <p16:designElem xmlns:p16="http://schemas.microsoft.com/office/powerpoint/2015/main" val="1"/>
+              </p:ext>
+            </p:extLst>
+          </p:nvPr>
+        </p:nvSpPr>
+        <p:spPr>
+          <a:xfrm>
+            <a:off x="-684" y="2"/>
+            <a:ext cx="3799103" cy="3822917"/>
+          </a:xfrm>
+          <a:custGeom>
+            <a:avLst/>
+            <a:gdLst>
+              <a:gd name="connsiteX0" fmla="*/ 370922 w 3799103"/>
+              <a:gd name="connsiteY0" fmla="*/ 0 h 3822917"/>
+              <a:gd name="connsiteX1" fmla="*/ 2961741 w 3799103"/>
+              <a:gd name="connsiteY1" fmla="*/ 0 h 3822917"/>
+              <a:gd name="connsiteX2" fmla="*/ 3023310 w 3799103"/>
+              <a:gd name="connsiteY2" fmla="*/ 46041 h 3822917"/>
+              <a:gd name="connsiteX3" fmla="*/ 3799103 w 3799103"/>
+              <a:gd name="connsiteY3" fmla="*/ 1691074 h 3822917"/>
+              <a:gd name="connsiteX4" fmla="*/ 1667260 w 3799103"/>
+              <a:gd name="connsiteY4" fmla="*/ 3822917 h 3822917"/>
+              <a:gd name="connsiteX5" fmla="*/ 22227 w 3799103"/>
+              <a:gd name="connsiteY5" fmla="*/ 3047124 h 3822917"/>
+              <a:gd name="connsiteX6" fmla="*/ 0 w 3799103"/>
+              <a:gd name="connsiteY6" fmla="*/ 3017401 h 3822917"/>
+              <a:gd name="connsiteX7" fmla="*/ 0 w 3799103"/>
+              <a:gd name="connsiteY7" fmla="*/ 364747 h 3822917"/>
+              <a:gd name="connsiteX8" fmla="*/ 22227 w 3799103"/>
+              <a:gd name="connsiteY8" fmla="*/ 335024 h 3822917"/>
+              <a:gd name="connsiteX9" fmla="*/ 351088 w 3799103"/>
+              <a:gd name="connsiteY9" fmla="*/ 13924 h 3822917"/>
+            </a:gdLst>
+            <a:ahLst/>
+            <a:cxnLst>
+              <a:cxn ang="0">
+                <a:pos x="connsiteX0" y="connsiteY0"/>
+              </a:cxn>
+              <a:cxn ang="0">
+                <a:pos x="connsiteX1" y="connsiteY1"/>
+              </a:cxn>
+              <a:cxn ang="0">
+                <a:pos x="connsiteX2" y="connsiteY2"/>
+              </a:cxn>
+              <a:cxn ang="0">
+                <a:pos x="connsiteX3" y="connsiteY3"/>
+              </a:cxn>
+              <a:cxn ang="0">
+                <a:pos x="connsiteX4" y="connsiteY4"/>
+              </a:cxn>
+              <a:cxn ang="0">
+                <a:pos x="connsiteX5" y="connsiteY5"/>
+              </a:cxn>
+              <a:cxn ang="0">
+                <a:pos x="connsiteX6" y="connsiteY6"/>
+              </a:cxn>
+              <a:cxn ang="0">
+                <a:pos x="connsiteX7" y="connsiteY7"/>
+              </a:cxn>
+              <a:cxn ang="0">
+                <a:pos x="connsiteX8" y="connsiteY8"/>
+              </a:cxn>
+              <a:cxn ang="0">
+                <a:pos x="connsiteX9" y="connsiteY9"/>
+              </a:cxn>
+            </a:cxnLst>
+            <a:rect l="l" t="t" r="r" b="b"/>
+            <a:pathLst>
+              <a:path w="3799103" h="3822917">
+                <a:moveTo>
+                  <a:pt x="370922" y="0"/>
+                </a:moveTo>
+                <a:lnTo>
+                  <a:pt x="2961741" y="0"/>
+                </a:lnTo>
+                <a:lnTo>
+                  <a:pt x="3023310" y="46041"/>
+                </a:lnTo>
+                <a:cubicBezTo>
+                  <a:pt x="3497106" y="437052"/>
+                  <a:pt x="3799103" y="1028796"/>
+                  <a:pt x="3799103" y="1691074"/>
+                </a:cubicBezTo>
+                <a:cubicBezTo>
+                  <a:pt x="3799103" y="2868458"/>
+                  <a:pt x="2844644" y="3822917"/>
+                  <a:pt x="1667260" y="3822917"/>
+                </a:cubicBezTo>
+                <a:cubicBezTo>
+                  <a:pt x="1004982" y="3822917"/>
+                  <a:pt x="413238" y="3520920"/>
+                  <a:pt x="22227" y="3047124"/>
+                </a:cubicBezTo>
+                <a:lnTo>
+                  <a:pt x="0" y="3017401"/>
+                </a:lnTo>
+                <a:lnTo>
+                  <a:pt x="0" y="364747"/>
+                </a:lnTo>
+                <a:lnTo>
+                  <a:pt x="22227" y="335024"/>
+                </a:lnTo>
+                <a:cubicBezTo>
+                  <a:pt x="119980" y="216575"/>
+                  <a:pt x="230278" y="108864"/>
+                  <a:pt x="351088" y="13924"/>
+                </a:cubicBezTo>
+                <a:close/>
+              </a:path>
+            </a:pathLst>
+          </a:custGeom>
+          <a:solidFill>
+            <a:srgbClr val="FFFFFF"/>
+          </a:solidFill>
+          <a:ln>
+            <a:noFill/>
+          </a:ln>
+        </p:spPr>
+        <p:style>
+          <a:lnRef idx="2">
+            <a:schemeClr val="accent1">
+              <a:shade val="50000"/>
+            </a:schemeClr>
+          </a:lnRef>
+          <a:fillRef idx="1">
+            <a:schemeClr val="accent1"/>
+          </a:fillRef>
+          <a:effectRef idx="0">
+            <a:schemeClr val="accent1"/>
+          </a:effectRef>
+          <a:fontRef idx="minor">
+            <a:schemeClr val="lt1"/>
+          </a:fontRef>
+        </p:style>
+        <p:txBody>
+          <a:bodyPr wrap="square" rtlCol="0" anchor="ctr">
+            <a:noAutofit/>
+          </a:bodyPr>
+          <a:lstStyle/>
+          <a:p>
+            <a:pPr algn="ctr"/>
+            <a:endParaRPr lang="en-US"/>
+          </a:p>
+        </p:txBody>
+      </p:sp>
+      <p:pic>
+        <p:nvPicPr>
+          <p:cNvPr id="7" name="Picture 6">
+            <a:extLst>
+              <a:ext uri="{FF2B5EF4-FFF2-40B4-BE49-F238E27FC236}">
+                <a16:creationId xmlns:a16="http://schemas.microsoft.com/office/drawing/2014/main" id="{FCA38304-B4B8-49C9-AAB8-2772F4556AD8}"/>
+              </a:ext>
+            </a:extLst>
+          </p:cNvPr>
+          <p:cNvPicPr>
+            <a:picLocks noChangeAspect="1"/>
+          </p:cNvPicPr>
+          <p:nvPr/>
+        </p:nvPicPr>
+        <p:blipFill>
+          <a:blip r:embed="rId3">
+            <a:extLst>
+              <a:ext uri="{28A0092B-C50C-407E-A947-70E740481C1C}">
+                <a14:useLocalDpi xmlns:a14="http://schemas.microsoft.com/office/drawing/2010/main" val="0"/>
+              </a:ext>
+            </a:extLst>
+          </a:blip>
+          <a:stretch>
+            <a:fillRect/>
+          </a:stretch>
+        </p:blipFill>
+        <p:spPr>
+          <a:xfrm>
+            <a:off x="366100" y="1046977"/>
+            <a:ext cx="2629584" cy="1314792"/>
+          </a:xfrm>
+          <a:prstGeom prst="rect">
+            <a:avLst/>
+          </a:prstGeom>
+        </p:spPr>
+      </p:pic>
+      <p:sp>
+        <p:nvSpPr>
+          <p:cNvPr id="59" name="Freeform 63">
+            <a:extLst>
+              <a:ext uri="{FF2B5EF4-FFF2-40B4-BE49-F238E27FC236}">
+                <a16:creationId xmlns:a16="http://schemas.microsoft.com/office/drawing/2014/main" id="{F429BE5F-6DE0-4144-A557-3BE62DC2D816}"/>
+              </a:ext>
+              <a:ext uri="{C183D7F6-B498-43B3-948B-1728B52AA6E4}">
+                <adec:decorative xmlns:adec="http://schemas.microsoft.com/office/drawing/2017/decorative" val="1"/>
+              </a:ext>
+            </a:extLst>
+          </p:cNvPr>
+          <p:cNvSpPr>
+            <a:spLocks noGrp="1" noRot="1" noChangeAspect="1" noMove="1" noResize="1" noEditPoints="1" noAdjustHandles="1" noChangeArrowheads="1" noChangeShapeType="1" noTextEdit="1"/>
+          </p:cNvSpPr>
+          <p:nvPr>
+            <p:extLst>
+              <p:ext uri="{386F3935-93C4-4BCD-93E2-E3B085C9AB24}">
+                <p16:designElem xmlns:p16="http://schemas.microsoft.com/office/powerpoint/2015/main" val="1"/>
+              </p:ext>
+            </p:extLst>
+          </p:nvPr>
+        </p:nvSpPr>
+        <p:spPr>
+          <a:xfrm>
+            <a:off x="7881589" y="2057400"/>
+            <a:ext cx="4310411" cy="4800600"/>
+          </a:xfrm>
+          <a:custGeom>
+            <a:avLst/>
+            <a:gdLst>
+              <a:gd name="connsiteX0" fmla="*/ 2631284 w 4180773"/>
+              <a:gd name="connsiteY0" fmla="*/ 0 h 4656219"/>
+              <a:gd name="connsiteX1" fmla="*/ 4102460 w 4180773"/>
+              <a:gd name="connsiteY1" fmla="*/ 449382 h 4656219"/>
+              <a:gd name="connsiteX2" fmla="*/ 4180773 w 4180773"/>
+              <a:gd name="connsiteY2" fmla="*/ 507944 h 4656219"/>
+              <a:gd name="connsiteX3" fmla="*/ 4180773 w 4180773"/>
+              <a:gd name="connsiteY3" fmla="*/ 4656219 h 4656219"/>
+              <a:gd name="connsiteX4" fmla="*/ 951501 w 4180773"/>
+              <a:gd name="connsiteY4" fmla="*/ 4656219 h 4656219"/>
+              <a:gd name="connsiteX5" fmla="*/ 770685 w 4180773"/>
+              <a:gd name="connsiteY5" fmla="*/ 4491883 h 4656219"/>
+              <a:gd name="connsiteX6" fmla="*/ 0 w 4180773"/>
+              <a:gd name="connsiteY6" fmla="*/ 2631284 h 4656219"/>
+              <a:gd name="connsiteX7" fmla="*/ 2631284 w 4180773"/>
+              <a:gd name="connsiteY7" fmla="*/ 0 h 4656219"/>
+            </a:gdLst>
+            <a:ahLst/>
+            <a:cxnLst>
+              <a:cxn ang="0">
+                <a:pos x="connsiteX0" y="connsiteY0"/>
+              </a:cxn>
+              <a:cxn ang="0">
+                <a:pos x="connsiteX1" y="connsiteY1"/>
+              </a:cxn>
+              <a:cxn ang="0">
+                <a:pos x="connsiteX2" y="connsiteY2"/>
+              </a:cxn>
+              <a:cxn ang="0">
+                <a:pos x="connsiteX3" y="connsiteY3"/>
+              </a:cxn>
+              <a:cxn ang="0">
+                <a:pos x="connsiteX4" y="connsiteY4"/>
+              </a:cxn>
+              <a:cxn ang="0">
+                <a:pos x="connsiteX5" y="connsiteY5"/>
+              </a:cxn>
+              <a:cxn ang="0">
+                <a:pos x="connsiteX6" y="connsiteY6"/>
+              </a:cxn>
+              <a:cxn ang="0">
+                <a:pos x="connsiteX7" y="connsiteY7"/>
+              </a:cxn>
+            </a:cxnLst>
+            <a:rect l="l" t="t" r="r" b="b"/>
+            <a:pathLst>
+              <a:path w="4180773" h="4656219">
+                <a:moveTo>
+                  <a:pt x="2631284" y="0"/>
+                </a:moveTo>
+                <a:cubicBezTo>
+                  <a:pt x="3176241" y="0"/>
+                  <a:pt x="3682504" y="165666"/>
+                  <a:pt x="4102460" y="449382"/>
+                </a:cubicBezTo>
+                <a:lnTo>
+                  <a:pt x="4180773" y="507944"/>
+                </a:lnTo>
+                <a:lnTo>
+                  <a:pt x="4180773" y="4656219"/>
+                </a:lnTo>
+                <a:lnTo>
+                  <a:pt x="951501" y="4656219"/>
+                </a:lnTo>
+                <a:lnTo>
+                  <a:pt x="770685" y="4491883"/>
+                </a:lnTo>
+                <a:cubicBezTo>
+                  <a:pt x="294517" y="4015714"/>
+                  <a:pt x="0" y="3357893"/>
+                  <a:pt x="0" y="2631284"/>
+                </a:cubicBezTo>
+                <a:cubicBezTo>
+                  <a:pt x="0" y="1178066"/>
+                  <a:pt x="1178066" y="0"/>
+                  <a:pt x="2631284" y="0"/>
+                </a:cubicBezTo>
+                <a:close/>
+              </a:path>
+            </a:pathLst>
+          </a:custGeom>
+          <a:solidFill>
+            <a:srgbClr val="FFFFFF"/>
+          </a:solidFill>
+          <a:ln>
+            <a:gradFill>
+              <a:gsLst>
+                <a:gs pos="0">
+                  <a:schemeClr val="accent1">
+                    <a:lumMod val="40000"/>
+                    <a:lumOff val="60000"/>
+                  </a:schemeClr>
+                </a:gs>
+                <a:gs pos="23000">
+                  <a:schemeClr val="accent1">
+                    <a:lumMod val="45000"/>
+                    <a:lumOff val="55000"/>
+                  </a:schemeClr>
+                </a:gs>
+                <a:gs pos="83000">
+                  <a:schemeClr val="bg2">
+                    <a:lumMod val="75000"/>
+                  </a:schemeClr>
+                </a:gs>
+                <a:gs pos="100000">
+                  <a:schemeClr val="bg2">
+                    <a:lumMod val="75000"/>
+                  </a:schemeClr>
+                </a:gs>
+              </a:gsLst>
+              <a:lin ang="5400000" scaled="1"/>
+            </a:gradFill>
+          </a:ln>
+        </p:spPr>
+        <p:style>
+          <a:lnRef idx="2">
+            <a:schemeClr val="accent1">
+              <a:shade val="50000"/>
+            </a:schemeClr>
+          </a:lnRef>
+          <a:fillRef idx="1">
+            <a:schemeClr val="accent1"/>
+          </a:fillRef>
+          <a:effectRef idx="0">
+            <a:schemeClr val="accent1"/>
+          </a:effectRef>
+          <a:fontRef idx="minor">
+            <a:schemeClr val="lt1"/>
+          </a:fontRef>
+        </p:style>
+        <p:txBody>
+          <a:bodyPr wrap="square" rtlCol="0" anchor="ctr">
+            <a:noAutofit/>
+          </a:bodyPr>
+          <a:lstStyle/>
+          <a:p>
+            <a:pPr algn="ctr"/>
+            <a:endParaRPr lang="en-US"/>
+          </a:p>
+        </p:txBody>
+      </p:sp>
+      <p:sp>
+        <p:nvSpPr>
+          <p:cNvPr id="61" name="Freeform: Shape 60">
+            <a:extLst>
+              <a:ext uri="{FF2B5EF4-FFF2-40B4-BE49-F238E27FC236}">
+                <a16:creationId xmlns:a16="http://schemas.microsoft.com/office/drawing/2014/main" id="{CE1EFC02-FB03-4241-83C8-4FBA4CAD6570}"/>
+              </a:ext>
+              <a:ext uri="{C183D7F6-B498-43B3-948B-1728B52AA6E4}">
+                <adec:decorative xmlns:adec="http://schemas.microsoft.com/office/drawing/2017/decorative" val="1"/>
+              </a:ext>
+            </a:extLst>
+          </p:cNvPr>
+          <p:cNvSpPr>
+            <a:spLocks noGrp="1" noRot="1" noChangeAspect="1" noMove="1" noResize="1" noEditPoints="1" noAdjustHandles="1" noChangeArrowheads="1" noChangeShapeType="1" noTextEdit="1"/>
+          </p:cNvSpPr>
+          <p:nvPr>
+            <p:extLst>
+              <p:ext uri="{386F3935-93C4-4BCD-93E2-E3B085C9AB24}">
+                <p16:designElem xmlns:p16="http://schemas.microsoft.com/office/powerpoint/2015/main" val="1"/>
+              </p:ext>
+            </p:extLst>
+          </p:nvPr>
+        </p:nvSpPr>
+        <p:spPr>
+          <a:xfrm>
+            <a:off x="4497624" y="0"/>
+            <a:ext cx="3383280" cy="2942512"/>
+          </a:xfrm>
+          <a:custGeom>
+            <a:avLst/>
+            <a:gdLst>
+              <a:gd name="connsiteX0" fmla="*/ 555657 w 3383280"/>
+              <a:gd name="connsiteY0" fmla="*/ 0 h 2942512"/>
+              <a:gd name="connsiteX1" fmla="*/ 2827623 w 3383280"/>
+              <a:gd name="connsiteY1" fmla="*/ 0 h 2942512"/>
+              <a:gd name="connsiteX2" fmla="*/ 2887810 w 3383280"/>
+              <a:gd name="connsiteY2" fmla="*/ 54702 h 2942512"/>
+              <a:gd name="connsiteX3" fmla="*/ 3383280 w 3383280"/>
+              <a:gd name="connsiteY3" fmla="*/ 1250872 h 2942512"/>
+              <a:gd name="connsiteX4" fmla="*/ 1691640 w 3383280"/>
+              <a:gd name="connsiteY4" fmla="*/ 2942512 h 2942512"/>
+              <a:gd name="connsiteX5" fmla="*/ 0 w 3383280"/>
+              <a:gd name="connsiteY5" fmla="*/ 1250872 h 2942512"/>
+              <a:gd name="connsiteX6" fmla="*/ 495470 w 3383280"/>
+              <a:gd name="connsiteY6" fmla="*/ 54702 h 2942512"/>
+            </a:gdLst>
+            <a:ahLst/>
+            <a:cxnLst>
+              <a:cxn ang="0">
+                <a:pos x="connsiteX0" y="connsiteY0"/>
+              </a:cxn>
+              <a:cxn ang="0">
+                <a:pos x="connsiteX1" y="connsiteY1"/>
+              </a:cxn>
+              <a:cxn ang="0">
+                <a:pos x="connsiteX2" y="connsiteY2"/>
+              </a:cxn>
+              <a:cxn ang="0">
+                <a:pos x="connsiteX3" y="connsiteY3"/>
+              </a:cxn>
+              <a:cxn ang="0">
+                <a:pos x="connsiteX4" y="connsiteY4"/>
+              </a:cxn>
+              <a:cxn ang="0">
+                <a:pos x="connsiteX5" y="connsiteY5"/>
+              </a:cxn>
+              <a:cxn ang="0">
+                <a:pos x="connsiteX6" y="connsiteY6"/>
+              </a:cxn>
+            </a:cxnLst>
+            <a:rect l="l" t="t" r="r" b="b"/>
+            <a:pathLst>
+              <a:path w="3383280" h="2942512">
+                <a:moveTo>
+                  <a:pt x="555657" y="0"/>
+                </a:moveTo>
+                <a:lnTo>
+                  <a:pt x="2827623" y="0"/>
+                </a:lnTo>
+                <a:lnTo>
+                  <a:pt x="2887810" y="54702"/>
+                </a:lnTo>
+                <a:cubicBezTo>
+                  <a:pt x="3193937" y="360829"/>
+                  <a:pt x="3383280" y="783739"/>
+                  <a:pt x="3383280" y="1250872"/>
+                </a:cubicBezTo>
+                <a:cubicBezTo>
+                  <a:pt x="3383280" y="2185139"/>
+                  <a:pt x="2625907" y="2942512"/>
+                  <a:pt x="1691640" y="2942512"/>
+                </a:cubicBezTo>
+                <a:cubicBezTo>
+                  <a:pt x="757373" y="2942512"/>
+                  <a:pt x="0" y="2185139"/>
+                  <a:pt x="0" y="1250872"/>
+                </a:cubicBezTo>
+                <a:cubicBezTo>
+                  <a:pt x="0" y="783739"/>
+                  <a:pt x="189344" y="360829"/>
+                  <a:pt x="495470" y="54702"/>
+                </a:cubicBezTo>
+                <a:close/>
+              </a:path>
+            </a:pathLst>
+          </a:custGeom>
+          <a:solidFill>
+            <a:srgbClr val="FFFFFF"/>
+          </a:solidFill>
+          <a:ln>
+            <a:gradFill>
+              <a:gsLst>
+                <a:gs pos="0">
+                  <a:schemeClr val="accent1">
+                    <a:lumMod val="40000"/>
+                    <a:lumOff val="60000"/>
+                  </a:schemeClr>
+                </a:gs>
+                <a:gs pos="23000">
+                  <a:schemeClr val="accent1">
+                    <a:lumMod val="45000"/>
+                    <a:lumOff val="55000"/>
+                  </a:schemeClr>
+                </a:gs>
+                <a:gs pos="83000">
+                  <a:schemeClr val="bg2">
+                    <a:lumMod val="75000"/>
+                  </a:schemeClr>
+                </a:gs>
+                <a:gs pos="100000">
+                  <a:schemeClr val="bg2">
+                    <a:lumMod val="75000"/>
+                  </a:schemeClr>
+                </a:gs>
+              </a:gsLst>
+              <a:lin ang="5400000" scaled="1"/>
+            </a:gradFill>
+          </a:ln>
+        </p:spPr>
+        <p:style>
+          <a:lnRef idx="2">
+            <a:schemeClr val="accent1">
+              <a:shade val="50000"/>
+            </a:schemeClr>
+          </a:lnRef>
+          <a:fillRef idx="1">
+            <a:schemeClr val="accent1"/>
+          </a:fillRef>
+          <a:effectRef idx="0">
+            <a:schemeClr val="accent1"/>
+          </a:effectRef>
+          <a:fontRef idx="minor">
+            <a:schemeClr val="lt1"/>
+          </a:fontRef>
+        </p:style>
+        <p:txBody>
+          <a:bodyPr wrap="square" rtlCol="0" anchor="ctr">
+            <a:noAutofit/>
+          </a:bodyPr>
+          <a:lstStyle/>
+          <a:p>
+            <a:pPr algn="ctr"/>
+            <a:endParaRPr lang="en-US"/>
+          </a:p>
+        </p:txBody>
+      </p:sp>
+      <p:pic>
+        <p:nvPicPr>
+          <p:cNvPr id="9" name="Picture 8">
+            <a:extLst>
+              <a:ext uri="{FF2B5EF4-FFF2-40B4-BE49-F238E27FC236}">
+                <a16:creationId xmlns:a16="http://schemas.microsoft.com/office/drawing/2014/main" id="{D387453C-8F92-46EF-830B-800306AAD0DF}"/>
+              </a:ext>
+            </a:extLst>
+          </p:cNvPr>
+          <p:cNvPicPr>
+            <a:picLocks noChangeAspect="1"/>
+          </p:cNvPicPr>
+          <p:nvPr/>
+        </p:nvPicPr>
+        <p:blipFill>
+          <a:blip r:embed="rId4">
+            <a:extLst>
+              <a:ext uri="{28A0092B-C50C-407E-A947-70E740481C1C}">
+                <a14:useLocalDpi xmlns:a14="http://schemas.microsoft.com/office/drawing/2010/main" val="0"/>
+              </a:ext>
+            </a:extLst>
+          </a:blip>
+          <a:stretch>
+            <a:fillRect/>
+          </a:stretch>
+        </p:blipFill>
+        <p:spPr>
+          <a:xfrm>
+            <a:off x="5006561" y="743501"/>
+            <a:ext cx="2365405" cy="1182702"/>
+          </a:xfrm>
+          <a:prstGeom prst="rect">
+            <a:avLst/>
+          </a:prstGeom>
+        </p:spPr>
+      </p:pic>
+      <p:pic>
+        <p:nvPicPr>
+          <p:cNvPr id="4" name="Picture 3">
+            <a:extLst>
+              <a:ext uri="{FF2B5EF4-FFF2-40B4-BE49-F238E27FC236}">
+                <a16:creationId xmlns:a16="http://schemas.microsoft.com/office/drawing/2014/main" id="{004F75F6-34AE-42A8-A825-89EF58ECB9F5}"/>
+              </a:ext>
+            </a:extLst>
+          </p:cNvPr>
+          <p:cNvPicPr>
+            <a:picLocks noChangeAspect="1"/>
+          </p:cNvPicPr>
+          <p:nvPr/>
+        </p:nvPicPr>
+        <p:blipFill>
+          <a:blip r:embed="rId5">
+            <a:extLst>
+              <a:ext uri="{28A0092B-C50C-407E-A947-70E740481C1C}">
+                <a14:useLocalDpi xmlns:a14="http://schemas.microsoft.com/office/drawing/2010/main" val="0"/>
+              </a:ext>
+            </a:extLst>
+          </a:blip>
+          <a:stretch>
+            <a:fillRect/>
+          </a:stretch>
+        </p:blipFill>
+        <p:spPr>
+          <a:xfrm>
+            <a:off x="8704899" y="4019261"/>
+            <a:ext cx="3217333" cy="1608666"/>
+          </a:xfrm>
+          <a:prstGeom prst="rect">
+            <a:avLst/>
+          </a:prstGeom>
+        </p:spPr>
+      </p:pic>
+    </p:spTree>
+    <p:extLst>
+      <p:ext uri="{BB962C8B-B14F-4D97-AF65-F5344CB8AC3E}">
+        <p14:creationId xmlns:p14="http://schemas.microsoft.com/office/powerpoint/2010/main" val="50263436"/>
       </p:ext>
     </p:extLst>
   </p:cSld>

--- a/Headless CMS.pptx
+++ b/Headless CMS.pptx
@@ -15,7 +15,11 @@
     <p:sldId id="262" r:id="rId9"/>
     <p:sldId id="267" r:id="rId10"/>
     <p:sldId id="263" r:id="rId11"/>
-    <p:sldId id="266" r:id="rId12"/>
+    <p:sldId id="271" r:id="rId12"/>
+    <p:sldId id="266" r:id="rId13"/>
+    <p:sldId id="268" r:id="rId14"/>
+    <p:sldId id="269" r:id="rId15"/>
+    <p:sldId id="270" r:id="rId16"/>
   </p:sldIdLst>
   <p:sldSz cx="12192000" cy="6858000"/>
   <p:notesSz cx="6858000" cy="9144000"/>
@@ -269,7 +273,7 @@
           <a:p>
             <a:fld id="{F0081D98-6B2F-49A8-A8BE-49D33276DCBF}" type="datetimeFigureOut">
               <a:rPr lang="en-US" smtClean="0"/>
-              <a:t>7/11/2019</a:t>
+              <a:t>7/15/2019</a:t>
             </a:fld>
             <a:endParaRPr lang="en-US"/>
           </a:p>
@@ -467,7 +471,7 @@
           <a:p>
             <a:fld id="{F0081D98-6B2F-49A8-A8BE-49D33276DCBF}" type="datetimeFigureOut">
               <a:rPr lang="en-US" smtClean="0"/>
-              <a:t>7/11/2019</a:t>
+              <a:t>7/15/2019</a:t>
             </a:fld>
             <a:endParaRPr lang="en-US"/>
           </a:p>
@@ -675,7 +679,7 @@
           <a:p>
             <a:fld id="{F0081D98-6B2F-49A8-A8BE-49D33276DCBF}" type="datetimeFigureOut">
               <a:rPr lang="en-US" smtClean="0"/>
-              <a:t>7/11/2019</a:t>
+              <a:t>7/15/2019</a:t>
             </a:fld>
             <a:endParaRPr lang="en-US"/>
           </a:p>
@@ -873,7 +877,7 @@
           <a:p>
             <a:fld id="{F0081D98-6B2F-49A8-A8BE-49D33276DCBF}" type="datetimeFigureOut">
               <a:rPr lang="en-US" smtClean="0"/>
-              <a:t>7/11/2019</a:t>
+              <a:t>7/15/2019</a:t>
             </a:fld>
             <a:endParaRPr lang="en-US"/>
           </a:p>
@@ -1148,7 +1152,7 @@
           <a:p>
             <a:fld id="{F0081D98-6B2F-49A8-A8BE-49D33276DCBF}" type="datetimeFigureOut">
               <a:rPr lang="en-US" smtClean="0"/>
-              <a:t>7/11/2019</a:t>
+              <a:t>7/15/2019</a:t>
             </a:fld>
             <a:endParaRPr lang="en-US"/>
           </a:p>
@@ -1413,7 +1417,7 @@
           <a:p>
             <a:fld id="{F0081D98-6B2F-49A8-A8BE-49D33276DCBF}" type="datetimeFigureOut">
               <a:rPr lang="en-US" smtClean="0"/>
-              <a:t>7/11/2019</a:t>
+              <a:t>7/15/2019</a:t>
             </a:fld>
             <a:endParaRPr lang="en-US"/>
           </a:p>
@@ -1825,7 +1829,7 @@
           <a:p>
             <a:fld id="{F0081D98-6B2F-49A8-A8BE-49D33276DCBF}" type="datetimeFigureOut">
               <a:rPr lang="en-US" smtClean="0"/>
-              <a:t>7/11/2019</a:t>
+              <a:t>7/15/2019</a:t>
             </a:fld>
             <a:endParaRPr lang="en-US"/>
           </a:p>
@@ -1966,7 +1970,7 @@
           <a:p>
             <a:fld id="{F0081D98-6B2F-49A8-A8BE-49D33276DCBF}" type="datetimeFigureOut">
               <a:rPr lang="en-US" smtClean="0"/>
-              <a:t>7/11/2019</a:t>
+              <a:t>7/15/2019</a:t>
             </a:fld>
             <a:endParaRPr lang="en-US"/>
           </a:p>
@@ -2079,7 +2083,7 @@
           <a:p>
             <a:fld id="{F0081D98-6B2F-49A8-A8BE-49D33276DCBF}" type="datetimeFigureOut">
               <a:rPr lang="en-US" smtClean="0"/>
-              <a:t>7/11/2019</a:t>
+              <a:t>7/15/2019</a:t>
             </a:fld>
             <a:endParaRPr lang="en-US"/>
           </a:p>
@@ -2390,7 +2394,7 @@
           <a:p>
             <a:fld id="{F0081D98-6B2F-49A8-A8BE-49D33276DCBF}" type="datetimeFigureOut">
               <a:rPr lang="en-US" smtClean="0"/>
-              <a:t>7/11/2019</a:t>
+              <a:t>7/15/2019</a:t>
             </a:fld>
             <a:endParaRPr lang="en-US"/>
           </a:p>
@@ -2678,7 +2682,7 @@
           <a:p>
             <a:fld id="{F0081D98-6B2F-49A8-A8BE-49D33276DCBF}" type="datetimeFigureOut">
               <a:rPr lang="en-US" smtClean="0"/>
-              <a:t>7/11/2019</a:t>
+              <a:t>7/15/2019</a:t>
             </a:fld>
             <a:endParaRPr lang="en-US"/>
           </a:p>
@@ -2919,7 +2923,7 @@
           <a:p>
             <a:fld id="{F0081D98-6B2F-49A8-A8BE-49D33276DCBF}" type="datetimeFigureOut">
               <a:rPr lang="en-US" smtClean="0"/>
-              <a:t>7/11/2019</a:t>
+              <a:t>7/15/2019</a:t>
             </a:fld>
             <a:endParaRPr lang="en-US"/>
           </a:p>
@@ -3837,10 +3841,10 @@
       </p:grpSpPr>
       <p:sp>
         <p:nvSpPr>
-          <p:cNvPr id="9" name="Rectangle 8">
-            <a:extLst>
-              <a:ext uri="{FF2B5EF4-FFF2-40B4-BE49-F238E27FC236}">
-                <a16:creationId xmlns:a16="http://schemas.microsoft.com/office/drawing/2014/main" id="{A4AC5506-6312-4701-8D3C-40187889A947}"/>
+          <p:cNvPr id="10" name="Rectangle 9">
+            <a:extLst>
+              <a:ext uri="{FF2B5EF4-FFF2-40B4-BE49-F238E27FC236}">
+                <a16:creationId xmlns:a16="http://schemas.microsoft.com/office/drawing/2014/main" id="{823AC064-BC96-4F32-8AE1-B2FD38754823}"/>
               </a:ext>
               <a:ext uri="{C183D7F6-B498-43B3-948B-1728B52AA6E4}">
                 <adec:decorative xmlns:adec="http://schemas.microsoft.com/office/drawing/2017/decorative" val="1"/>
@@ -3858,19 +3862,21 @@
             </p:extLst>
           </p:nvPr>
         </p:nvSpPr>
-        <p:spPr>
+        <p:spPr bwMode="ltGray">
           <a:xfrm>
-            <a:off x="0" y="651752"/>
-            <a:ext cx="12192000" cy="736551"/>
+            <a:off x="396882" y="280374"/>
+            <a:ext cx="11438793" cy="1844256"/>
           </a:xfrm>
           <a:prstGeom prst="rect">
             <a:avLst/>
           </a:prstGeom>
           <a:solidFill>
-            <a:schemeClr val="tx1"/>
+            <a:srgbClr val="404040"/>
           </a:solidFill>
-          <a:ln>
-            <a:noFill/>
+          <a:ln w="127000" cap="sq" cmpd="thinThick">
+            <a:solidFill>
+              <a:srgbClr val="404040"/>
+            </a:solidFill>
           </a:ln>
         </p:spPr>
         <p:style>
@@ -3903,6 +3909,347 @@
           <p:cNvPr id="2" name="Title 1">
             <a:extLst>
               <a:ext uri="{FF2B5EF4-FFF2-40B4-BE49-F238E27FC236}">
+                <a16:creationId xmlns:a16="http://schemas.microsoft.com/office/drawing/2014/main" id="{B70BF6A7-17BF-4013-8738-1167089DA573}"/>
+              </a:ext>
+            </a:extLst>
+          </p:cNvPr>
+          <p:cNvSpPr>
+            <a:spLocks noGrp="1"/>
+          </p:cNvSpPr>
+          <p:nvPr>
+            <p:ph type="title"/>
+          </p:nvPr>
+        </p:nvSpPr>
+        <p:spPr>
+          <a:xfrm>
+            <a:off x="546351" y="433545"/>
+            <a:ext cx="11139854" cy="930447"/>
+          </a:xfrm>
+        </p:spPr>
+        <p:txBody>
+          <a:bodyPr vert="horz" lIns="91440" tIns="45720" rIns="91440" bIns="45720" rtlCol="0" anchor="b">
+            <a:normAutofit/>
+          </a:bodyPr>
+          <a:lstStyle/>
+          <a:p>
+            <a:pPr algn="ctr"/>
+            <a:r>
+              <a:rPr lang="en-US" sz="5400" b="1">
+                <a:solidFill>
+                  <a:srgbClr val="FFFFFF"/>
+                </a:solidFill>
+              </a:rPr>
+              <a:t>#Pros and Cons</a:t>
+            </a:r>
+          </a:p>
+        </p:txBody>
+      </p:sp>
+      <p:cxnSp>
+        <p:nvCxnSpPr>
+          <p:cNvPr id="15" name="Straight Connector 11">
+            <a:extLst>
+              <a:ext uri="{FF2B5EF4-FFF2-40B4-BE49-F238E27FC236}">
+                <a16:creationId xmlns:a16="http://schemas.microsoft.com/office/drawing/2014/main" id="{7E7C77BC-7138-40B1-A15B-20F57A494629}"/>
+              </a:ext>
+              <a:ext uri="{C183D7F6-B498-43B3-948B-1728B52AA6E4}">
+                <adec:decorative xmlns:adec="http://schemas.microsoft.com/office/drawing/2017/decorative" val="1"/>
+              </a:ext>
+            </a:extLst>
+          </p:cNvPr>
+          <p:cNvCxnSpPr>
+            <a:cxnSpLocks noGrp="1" noRot="1" noChangeAspect="1" noMove="1" noResize="1" noEditPoints="1" noAdjustHandles="1" noChangeArrowheads="1" noChangeShapeType="1"/>
+          </p:cNvCxnSpPr>
+          <p:nvPr>
+            <p:extLst>
+              <p:ext uri="{386F3935-93C4-4BCD-93E2-E3B085C9AB24}">
+                <p16:designElem xmlns:p16="http://schemas.microsoft.com/office/powerpoint/2015/main" val="1"/>
+              </p:ext>
+            </p:extLst>
+          </p:nvPr>
+        </p:nvCxnSpPr>
+        <p:spPr>
+          <a:xfrm>
+            <a:off x="2230078" y="1522292"/>
+            <a:ext cx="7772400" cy="0"/>
+          </a:xfrm>
+          <a:prstGeom prst="line">
+            <a:avLst/>
+          </a:prstGeom>
+          <a:ln w="22225">
+            <a:solidFill>
+              <a:srgbClr val="D9D9D9"/>
+            </a:solidFill>
+          </a:ln>
+        </p:spPr>
+        <p:style>
+          <a:lnRef idx="1">
+            <a:schemeClr val="accent1"/>
+          </a:lnRef>
+          <a:fillRef idx="0">
+            <a:schemeClr val="accent1"/>
+          </a:fillRef>
+          <a:effectRef idx="0">
+            <a:schemeClr val="accent1"/>
+          </a:effectRef>
+          <a:fontRef idx="minor">
+            <a:schemeClr val="tx1"/>
+          </a:fontRef>
+        </p:style>
+      </p:cxnSp>
+      <p:pic>
+        <p:nvPicPr>
+          <p:cNvPr id="5" name="Picture 4">
+            <a:extLst>
+              <a:ext uri="{FF2B5EF4-FFF2-40B4-BE49-F238E27FC236}">
+                <a16:creationId xmlns:a16="http://schemas.microsoft.com/office/drawing/2014/main" id="{044D50B6-0F15-42BB-AE14-AB298B8C6A80}"/>
+              </a:ext>
+            </a:extLst>
+          </p:cNvPr>
+          <p:cNvPicPr>
+            <a:picLocks noChangeAspect="1"/>
+          </p:cNvPicPr>
+          <p:nvPr/>
+        </p:nvPicPr>
+        <p:blipFill rotWithShape="1">
+          <a:blip r:embed="rId2"/>
+          <a:srcRect l="12838" t="17417" r="39865" b="25792"/>
+          <a:stretch/>
+        </p:blipFill>
+        <p:spPr>
+          <a:xfrm>
+            <a:off x="6271982" y="2596835"/>
+            <a:ext cx="5744520" cy="3879915"/>
+          </a:xfrm>
+          <a:prstGeom prst="rect">
+            <a:avLst/>
+          </a:prstGeom>
+        </p:spPr>
+      </p:pic>
+      <p:cxnSp>
+        <p:nvCxnSpPr>
+          <p:cNvPr id="14" name="Straight Connector 13">
+            <a:extLst>
+              <a:ext uri="{FF2B5EF4-FFF2-40B4-BE49-F238E27FC236}">
+                <a16:creationId xmlns:a16="http://schemas.microsoft.com/office/drawing/2014/main" id="{DB146403-F3D6-484B-B2ED-97F9565D0370}"/>
+              </a:ext>
+              <a:ext uri="{C183D7F6-B498-43B3-948B-1728B52AA6E4}">
+                <adec:decorative xmlns:adec="http://schemas.microsoft.com/office/drawing/2017/decorative" val="1"/>
+              </a:ext>
+            </a:extLst>
+          </p:cNvPr>
+          <p:cNvCxnSpPr>
+            <a:cxnSpLocks noGrp="1" noRot="1" noChangeAspect="1" noMove="1" noResize="1" noEditPoints="1" noAdjustHandles="1" noChangeArrowheads="1" noChangeShapeType="1"/>
+          </p:cNvCxnSpPr>
+          <p:nvPr>
+            <p:extLst>
+              <p:ext uri="{386F3935-93C4-4BCD-93E2-E3B085C9AB24}">
+                <p16:designElem xmlns:p16="http://schemas.microsoft.com/office/powerpoint/2015/main" val="1"/>
+              </p:ext>
+            </p:extLst>
+          </p:nvPr>
+        </p:nvCxnSpPr>
+        <p:spPr>
+          <a:xfrm>
+            <a:off x="6116278" y="2596836"/>
+            <a:ext cx="0" cy="3657600"/>
+          </a:xfrm>
+          <a:prstGeom prst="line">
+            <a:avLst/>
+          </a:prstGeom>
+          <a:ln w="101600" cmpd="dbl">
+            <a:solidFill>
+              <a:srgbClr val="595959"/>
+            </a:solidFill>
+          </a:ln>
+        </p:spPr>
+        <p:style>
+          <a:lnRef idx="1">
+            <a:schemeClr val="accent1"/>
+          </a:lnRef>
+          <a:fillRef idx="0">
+            <a:schemeClr val="accent1"/>
+          </a:fillRef>
+          <a:effectRef idx="0">
+            <a:schemeClr val="accent1"/>
+          </a:effectRef>
+          <a:fontRef idx="minor">
+            <a:schemeClr val="tx1"/>
+          </a:fontRef>
+        </p:style>
+      </p:cxnSp>
+      <p:pic>
+        <p:nvPicPr>
+          <p:cNvPr id="4" name="Picture 3">
+            <a:extLst>
+              <a:ext uri="{FF2B5EF4-FFF2-40B4-BE49-F238E27FC236}">
+                <a16:creationId xmlns:a16="http://schemas.microsoft.com/office/drawing/2014/main" id="{A43827D7-CF93-4673-AA1F-84DE80B7462E}"/>
+              </a:ext>
+            </a:extLst>
+          </p:cNvPr>
+          <p:cNvPicPr>
+            <a:picLocks noChangeAspect="1"/>
+          </p:cNvPicPr>
+          <p:nvPr/>
+        </p:nvPicPr>
+        <p:blipFill rotWithShape="1">
+          <a:blip r:embed="rId3"/>
+          <a:srcRect l="13108" t="29204" r="39189" b="14613"/>
+          <a:stretch/>
+        </p:blipFill>
+        <p:spPr>
+          <a:xfrm>
+            <a:off x="247473" y="2655499"/>
+            <a:ext cx="5672539" cy="3758021"/>
+          </a:xfrm>
+          <a:prstGeom prst="rect">
+            <a:avLst/>
+          </a:prstGeom>
+        </p:spPr>
+      </p:pic>
+      <p:sp>
+        <p:nvSpPr>
+          <p:cNvPr id="6" name="TextBox 5">
+            <a:extLst>
+              <a:ext uri="{FF2B5EF4-FFF2-40B4-BE49-F238E27FC236}">
+                <a16:creationId xmlns:a16="http://schemas.microsoft.com/office/drawing/2014/main" id="{FD12D78A-474D-4BA8-8B29-2519ACE67926}"/>
+              </a:ext>
+            </a:extLst>
+          </p:cNvPr>
+          <p:cNvSpPr txBox="1"/>
+          <p:nvPr/>
+        </p:nvSpPr>
+        <p:spPr>
+          <a:xfrm>
+            <a:off x="8321260" y="6522506"/>
+            <a:ext cx="3695242" cy="261610"/>
+          </a:xfrm>
+          <a:prstGeom prst="rect">
+            <a:avLst/>
+          </a:prstGeom>
+          <a:noFill/>
+        </p:spPr>
+        <p:txBody>
+          <a:bodyPr wrap="none" rtlCol="0">
+            <a:spAutoFit/>
+          </a:bodyPr>
+          <a:lstStyle/>
+          <a:p>
+            <a:r>
+              <a:rPr lang="en-US" sz="1100" dirty="0">
+                <a:hlinkClick r:id="rId4"/>
+              </a:rPr>
+              <a:t>https://www.coredna.com/blogs/headless-vs-decoupled-cms</a:t>
+            </a:r>
+            <a:endParaRPr lang="en-US" sz="1100" dirty="0"/>
+          </a:p>
+        </p:txBody>
+      </p:sp>
+    </p:spTree>
+    <p:extLst>
+      <p:ext uri="{BB962C8B-B14F-4D97-AF65-F5344CB8AC3E}">
+        <p14:creationId xmlns:p14="http://schemas.microsoft.com/office/powerpoint/2010/main" val="2850846159"/>
+      </p:ext>
+    </p:extLst>
+  </p:cSld>
+  <p:clrMapOvr>
+    <a:masterClrMapping/>
+  </p:clrMapOvr>
+</p:sld>
+</file>
+
+<file path=ppt/slides/slide12.xml><?xml version="1.0" encoding="utf-8"?>
+<p:sld xmlns:a="http://schemas.openxmlformats.org/drawingml/2006/main" xmlns:r="http://schemas.openxmlformats.org/officeDocument/2006/relationships" xmlns:p="http://schemas.openxmlformats.org/presentationml/2006/main">
+  <p:cSld>
+    <p:bg>
+      <p:bgPr>
+        <a:solidFill>
+          <a:schemeClr val="bg1"/>
+        </a:solidFill>
+        <a:effectLst/>
+      </p:bgPr>
+    </p:bg>
+    <p:spTree>
+      <p:nvGrpSpPr>
+        <p:cNvPr id="1" name=""/>
+        <p:cNvGrpSpPr/>
+        <p:nvPr/>
+      </p:nvGrpSpPr>
+      <p:grpSpPr>
+        <a:xfrm>
+          <a:off x="0" y="0"/>
+          <a:ext cx="0" cy="0"/>
+          <a:chOff x="0" y="0"/>
+          <a:chExt cx="0" cy="0"/>
+        </a:xfrm>
+      </p:grpSpPr>
+      <p:sp>
+        <p:nvSpPr>
+          <p:cNvPr id="9" name="Rectangle 8">
+            <a:extLst>
+              <a:ext uri="{FF2B5EF4-FFF2-40B4-BE49-F238E27FC236}">
+                <a16:creationId xmlns:a16="http://schemas.microsoft.com/office/drawing/2014/main" id="{A4AC5506-6312-4701-8D3C-40187889A947}"/>
+              </a:ext>
+              <a:ext uri="{C183D7F6-B498-43B3-948B-1728B52AA6E4}">
+                <adec:decorative xmlns:adec="http://schemas.microsoft.com/office/drawing/2017/decorative" val="1"/>
+              </a:ext>
+            </a:extLst>
+          </p:cNvPr>
+          <p:cNvSpPr>
+            <a:spLocks noGrp="1" noRot="1" noChangeAspect="1" noMove="1" noResize="1" noEditPoints="1" noAdjustHandles="1" noChangeArrowheads="1" noChangeShapeType="1" noTextEdit="1"/>
+          </p:cNvSpPr>
+          <p:nvPr>
+            <p:extLst>
+              <p:ext uri="{386F3935-93C4-4BCD-93E2-E3B085C9AB24}">
+                <p16:designElem xmlns:p16="http://schemas.microsoft.com/office/powerpoint/2015/main" val="1"/>
+              </p:ext>
+            </p:extLst>
+          </p:nvPr>
+        </p:nvSpPr>
+        <p:spPr>
+          <a:xfrm>
+            <a:off x="0" y="651752"/>
+            <a:ext cx="12192000" cy="736551"/>
+          </a:xfrm>
+          <a:prstGeom prst="rect">
+            <a:avLst/>
+          </a:prstGeom>
+          <a:solidFill>
+            <a:schemeClr val="tx1"/>
+          </a:solidFill>
+          <a:ln>
+            <a:noFill/>
+          </a:ln>
+        </p:spPr>
+        <p:style>
+          <a:lnRef idx="2">
+            <a:schemeClr val="accent1">
+              <a:shade val="50000"/>
+            </a:schemeClr>
+          </a:lnRef>
+          <a:fillRef idx="1">
+            <a:schemeClr val="accent1"/>
+          </a:fillRef>
+          <a:effectRef idx="0">
+            <a:schemeClr val="accent1"/>
+          </a:effectRef>
+          <a:fontRef idx="minor">
+            <a:schemeClr val="lt1"/>
+          </a:fontRef>
+        </p:style>
+        <p:txBody>
+          <a:bodyPr rtlCol="0" anchor="ctr"/>
+          <a:lstStyle/>
+          <a:p>
+            <a:pPr algn="ctr"/>
+            <a:endParaRPr lang="en-US"/>
+          </a:p>
+        </p:txBody>
+      </p:sp>
+      <p:sp>
+        <p:nvSpPr>
+          <p:cNvPr id="2" name="Title 1">
+            <a:extLst>
+              <a:ext uri="{FF2B5EF4-FFF2-40B4-BE49-F238E27FC236}">
                 <a16:creationId xmlns:a16="http://schemas.microsoft.com/office/drawing/2014/main" id="{B2B27441-F88D-44B6-A6AF-4C83801F21D1}"/>
               </a:ext>
             </a:extLst>
@@ -3975,6 +4322,294 @@
     <p:extLst>
       <p:ext uri="{BB962C8B-B14F-4D97-AF65-F5344CB8AC3E}">
         <p14:creationId xmlns:p14="http://schemas.microsoft.com/office/powerpoint/2010/main" val="3095302636"/>
+      </p:ext>
+    </p:extLst>
+  </p:cSld>
+  <p:clrMapOvr>
+    <a:masterClrMapping/>
+  </p:clrMapOvr>
+</p:sld>
+</file>
+
+<file path=ppt/slides/slide13.xml><?xml version="1.0" encoding="utf-8"?>
+<p:sld xmlns:a="http://schemas.openxmlformats.org/drawingml/2006/main" xmlns:r="http://schemas.openxmlformats.org/officeDocument/2006/relationships" xmlns:p="http://schemas.openxmlformats.org/presentationml/2006/main">
+  <p:cSld>
+    <p:spTree>
+      <p:nvGrpSpPr>
+        <p:cNvPr id="1" name=""/>
+        <p:cNvGrpSpPr/>
+        <p:nvPr/>
+      </p:nvGrpSpPr>
+      <p:grpSpPr>
+        <a:xfrm>
+          <a:off x="0" y="0"/>
+          <a:ext cx="0" cy="0"/>
+          <a:chOff x="0" y="0"/>
+          <a:chExt cx="0" cy="0"/>
+        </a:xfrm>
+      </p:grpSpPr>
+      <p:pic>
+        <p:nvPicPr>
+          <p:cNvPr id="5" name="Picture 4">
+            <a:hlinkClick r:id="rId2"/>
+            <a:extLst>
+              <a:ext uri="{FF2B5EF4-FFF2-40B4-BE49-F238E27FC236}">
+                <a16:creationId xmlns:a16="http://schemas.microsoft.com/office/drawing/2014/main" id="{97E0AF72-4A3A-466D-8884-BAA6597375DE}"/>
+              </a:ext>
+            </a:extLst>
+          </p:cNvPr>
+          <p:cNvPicPr>
+            <a:picLocks noChangeAspect="1"/>
+          </p:cNvPicPr>
+          <p:nvPr/>
+        </p:nvPicPr>
+        <p:blipFill>
+          <a:blip r:embed="rId3">
+            <a:extLst>
+              <a:ext uri="{28A0092B-C50C-407E-A947-70E740481C1C}">
+                <a14:useLocalDpi xmlns:a14="http://schemas.microsoft.com/office/drawing/2010/main" val="0"/>
+              </a:ext>
+            </a:extLst>
+          </a:blip>
+          <a:stretch>
+            <a:fillRect/>
+          </a:stretch>
+        </p:blipFill>
+        <p:spPr>
+          <a:xfrm>
+            <a:off x="838200" y="500339"/>
+            <a:ext cx="4038600" cy="1117600"/>
+          </a:xfrm>
+          <a:prstGeom prst="rect">
+            <a:avLst/>
+          </a:prstGeom>
+        </p:spPr>
+      </p:pic>
+      <p:pic>
+        <p:nvPicPr>
+          <p:cNvPr id="8" name="Picture 7">
+            <a:extLst>
+              <a:ext uri="{FF2B5EF4-FFF2-40B4-BE49-F238E27FC236}">
+                <a16:creationId xmlns:a16="http://schemas.microsoft.com/office/drawing/2014/main" id="{1386023C-9D1E-48A9-ACBA-295CABC4F84F}"/>
+              </a:ext>
+            </a:extLst>
+          </p:cNvPr>
+          <p:cNvPicPr>
+            <a:picLocks noChangeAspect="1"/>
+          </p:cNvPicPr>
+          <p:nvPr/>
+        </p:nvPicPr>
+        <p:blipFill rotWithShape="1">
+          <a:blip r:embed="rId4"/>
+          <a:srcRect l="35946" t="15135" r="20405" b="37105"/>
+          <a:stretch/>
+        </p:blipFill>
+        <p:spPr>
+          <a:xfrm>
+            <a:off x="1911178" y="2026508"/>
+            <a:ext cx="7257535" cy="4466935"/>
+          </a:xfrm>
+          <a:prstGeom prst="rect">
+            <a:avLst/>
+          </a:prstGeom>
+        </p:spPr>
+      </p:pic>
+    </p:spTree>
+    <p:extLst>
+      <p:ext uri="{BB962C8B-B14F-4D97-AF65-F5344CB8AC3E}">
+        <p14:creationId xmlns:p14="http://schemas.microsoft.com/office/powerpoint/2010/main" val="563868783"/>
+      </p:ext>
+    </p:extLst>
+  </p:cSld>
+  <p:clrMapOvr>
+    <a:masterClrMapping/>
+  </p:clrMapOvr>
+</p:sld>
+</file>
+
+<file path=ppt/slides/slide14.xml><?xml version="1.0" encoding="utf-8"?>
+<p:sld xmlns:a="http://schemas.openxmlformats.org/drawingml/2006/main" xmlns:r="http://schemas.openxmlformats.org/officeDocument/2006/relationships" xmlns:p="http://schemas.openxmlformats.org/presentationml/2006/main">
+  <p:cSld>
+    <p:spTree>
+      <p:nvGrpSpPr>
+        <p:cNvPr id="1" name=""/>
+        <p:cNvGrpSpPr/>
+        <p:nvPr/>
+      </p:nvGrpSpPr>
+      <p:grpSpPr>
+        <a:xfrm>
+          <a:off x="0" y="0"/>
+          <a:ext cx="0" cy="0"/>
+          <a:chOff x="0" y="0"/>
+          <a:chExt cx="0" cy="0"/>
+        </a:xfrm>
+      </p:grpSpPr>
+      <p:pic>
+        <p:nvPicPr>
+          <p:cNvPr id="5" name="Picture 4">
+            <a:hlinkClick r:id="rId2"/>
+            <a:extLst>
+              <a:ext uri="{FF2B5EF4-FFF2-40B4-BE49-F238E27FC236}">
+                <a16:creationId xmlns:a16="http://schemas.microsoft.com/office/drawing/2014/main" id="{97E0AF72-4A3A-466D-8884-BAA6597375DE}"/>
+              </a:ext>
+            </a:extLst>
+          </p:cNvPr>
+          <p:cNvPicPr>
+            <a:picLocks noChangeAspect="1"/>
+          </p:cNvPicPr>
+          <p:nvPr/>
+        </p:nvPicPr>
+        <p:blipFill>
+          <a:blip r:embed="rId3">
+            <a:extLst>
+              <a:ext uri="{28A0092B-C50C-407E-A947-70E740481C1C}">
+                <a14:useLocalDpi xmlns:a14="http://schemas.microsoft.com/office/drawing/2010/main" val="0"/>
+              </a:ext>
+            </a:extLst>
+          </a:blip>
+          <a:stretch>
+            <a:fillRect/>
+          </a:stretch>
+        </p:blipFill>
+        <p:spPr>
+          <a:xfrm>
+            <a:off x="838200" y="500339"/>
+            <a:ext cx="4038600" cy="1117600"/>
+          </a:xfrm>
+          <a:prstGeom prst="rect">
+            <a:avLst/>
+          </a:prstGeom>
+        </p:spPr>
+      </p:pic>
+      <p:pic>
+        <p:nvPicPr>
+          <p:cNvPr id="2" name="Picture 1">
+            <a:extLst>
+              <a:ext uri="{FF2B5EF4-FFF2-40B4-BE49-F238E27FC236}">
+                <a16:creationId xmlns:a16="http://schemas.microsoft.com/office/drawing/2014/main" id="{44FDB917-56A4-407D-9119-B4C6182BC38E}"/>
+              </a:ext>
+            </a:extLst>
+          </p:cNvPr>
+          <p:cNvPicPr>
+            <a:picLocks noChangeAspect="1"/>
+          </p:cNvPicPr>
+          <p:nvPr/>
+        </p:nvPicPr>
+        <p:blipFill rotWithShape="1">
+          <a:blip r:embed="rId4"/>
+          <a:srcRect l="35406" t="14655" r="17297" b="16741"/>
+          <a:stretch/>
+        </p:blipFill>
+        <p:spPr>
+          <a:xfrm>
+            <a:off x="2133598" y="1761807"/>
+            <a:ext cx="6079525" cy="4960269"/>
+          </a:xfrm>
+          <a:prstGeom prst="rect">
+            <a:avLst/>
+          </a:prstGeom>
+        </p:spPr>
+      </p:pic>
+    </p:spTree>
+    <p:extLst>
+      <p:ext uri="{BB962C8B-B14F-4D97-AF65-F5344CB8AC3E}">
+        <p14:creationId xmlns:p14="http://schemas.microsoft.com/office/powerpoint/2010/main" val="4221759090"/>
+      </p:ext>
+    </p:extLst>
+  </p:cSld>
+  <p:clrMapOvr>
+    <a:masterClrMapping/>
+  </p:clrMapOvr>
+</p:sld>
+</file>
+
+<file path=ppt/slides/slide15.xml><?xml version="1.0" encoding="utf-8"?>
+<p:sld xmlns:a="http://schemas.openxmlformats.org/drawingml/2006/main" xmlns:r="http://schemas.openxmlformats.org/officeDocument/2006/relationships" xmlns:p="http://schemas.openxmlformats.org/presentationml/2006/main">
+  <p:cSld>
+    <p:spTree>
+      <p:nvGrpSpPr>
+        <p:cNvPr id="1" name=""/>
+        <p:cNvGrpSpPr/>
+        <p:nvPr/>
+      </p:nvGrpSpPr>
+      <p:grpSpPr>
+        <a:xfrm>
+          <a:off x="0" y="0"/>
+          <a:ext cx="0" cy="0"/>
+          <a:chOff x="0" y="0"/>
+          <a:chExt cx="0" cy="0"/>
+        </a:xfrm>
+      </p:grpSpPr>
+      <p:pic>
+        <p:nvPicPr>
+          <p:cNvPr id="5" name="Picture 4">
+            <a:hlinkClick r:id="rId2"/>
+            <a:extLst>
+              <a:ext uri="{FF2B5EF4-FFF2-40B4-BE49-F238E27FC236}">
+                <a16:creationId xmlns:a16="http://schemas.microsoft.com/office/drawing/2014/main" id="{97E0AF72-4A3A-466D-8884-BAA6597375DE}"/>
+              </a:ext>
+            </a:extLst>
+          </p:cNvPr>
+          <p:cNvPicPr>
+            <a:picLocks noChangeAspect="1"/>
+          </p:cNvPicPr>
+          <p:nvPr/>
+        </p:nvPicPr>
+        <p:blipFill>
+          <a:blip r:embed="rId3">
+            <a:extLst>
+              <a:ext uri="{28A0092B-C50C-407E-A947-70E740481C1C}">
+                <a14:useLocalDpi xmlns:a14="http://schemas.microsoft.com/office/drawing/2010/main" val="0"/>
+              </a:ext>
+            </a:extLst>
+          </a:blip>
+          <a:stretch>
+            <a:fillRect/>
+          </a:stretch>
+        </p:blipFill>
+        <p:spPr>
+          <a:xfrm>
+            <a:off x="838200" y="500339"/>
+            <a:ext cx="4038600" cy="1117600"/>
+          </a:xfrm>
+          <a:prstGeom prst="rect">
+            <a:avLst/>
+          </a:prstGeom>
+        </p:spPr>
+      </p:pic>
+      <p:pic>
+        <p:nvPicPr>
+          <p:cNvPr id="3" name="Picture 2">
+            <a:extLst>
+              <a:ext uri="{FF2B5EF4-FFF2-40B4-BE49-F238E27FC236}">
+                <a16:creationId xmlns:a16="http://schemas.microsoft.com/office/drawing/2014/main" id="{3559434E-6199-492C-8E8B-1648639D770D}"/>
+              </a:ext>
+            </a:extLst>
+          </p:cNvPr>
+          <p:cNvPicPr>
+            <a:picLocks noChangeAspect="1"/>
+          </p:cNvPicPr>
+          <p:nvPr/>
+        </p:nvPicPr>
+        <p:blipFill rotWithShape="1">
+          <a:blip r:embed="rId4"/>
+          <a:srcRect l="35540" t="16096" r="20068" b="23502"/>
+          <a:stretch/>
+        </p:blipFill>
+        <p:spPr>
+          <a:xfrm>
+            <a:off x="2430162" y="1754660"/>
+            <a:ext cx="6384323" cy="4886373"/>
+          </a:xfrm>
+          <a:prstGeom prst="rect">
+            <a:avLst/>
+          </a:prstGeom>
+        </p:spPr>
+      </p:pic>
+    </p:spTree>
+    <p:extLst>
+      <p:ext uri="{BB962C8B-B14F-4D97-AF65-F5344CB8AC3E}">
+        <p14:creationId xmlns:p14="http://schemas.microsoft.com/office/powerpoint/2010/main" val="2124699736"/>
       </p:ext>
     </p:extLst>
   </p:cSld>
@@ -4028,10 +4663,9 @@
           <a:lstStyle/>
           <a:p>
             <a:r>
-              <a:rPr lang="en-US"/>
+              <a:rPr lang="en-US" b="1" dirty="0"/>
               <a:t>Topic</a:t>
             </a:r>
-            <a:endParaRPr lang="en-US" dirty="0"/>
           </a:p>
         </p:txBody>
       </p:sp>
@@ -4098,6 +4732,12 @@
             <a:r>
               <a:rPr lang="en-US" dirty="0"/>
               <a:t> </a:t>
+            </a:r>
+          </a:p>
+          <a:p>
+            <a:r>
+              <a:rPr lang="en-US" b="1" dirty="0"/>
+              <a:t>Pros and Cons</a:t>
             </a:r>
             <a:endParaRPr lang="th-TH" b="1" dirty="0"/>
           </a:p>

--- a/Headless CMS.pptx
+++ b/Headless CMS.pptx
@@ -4,10 +4,13 @@
   <p:sldMasterIdLst>
     <p:sldMasterId id="2147483648" r:id="rId1"/>
   </p:sldMasterIdLst>
+  <p:notesMasterIdLst>
+    <p:notesMasterId r:id="rId21"/>
+  </p:notesMasterIdLst>
   <p:sldIdLst>
     <p:sldId id="256" r:id="rId2"/>
     <p:sldId id="257" r:id="rId3"/>
-    <p:sldId id="258" r:id="rId4"/>
+    <p:sldId id="272" r:id="rId4"/>
     <p:sldId id="259" r:id="rId5"/>
     <p:sldId id="264" r:id="rId6"/>
     <p:sldId id="261" r:id="rId7"/>
@@ -19,7 +22,11 @@
     <p:sldId id="266" r:id="rId13"/>
     <p:sldId id="268" r:id="rId14"/>
     <p:sldId id="269" r:id="rId15"/>
-    <p:sldId id="270" r:id="rId16"/>
+    <p:sldId id="274" r:id="rId16"/>
+    <p:sldId id="270" r:id="rId17"/>
+    <p:sldId id="275" r:id="rId18"/>
+    <p:sldId id="277" r:id="rId19"/>
+    <p:sldId id="273" r:id="rId20"/>
   </p:sldIdLst>
   <p:sldSz cx="12192000" cy="6858000"/>
   <p:notesSz cx="6858000" cy="9144000"/>
@@ -126,6 +133,1207 @@
 </p:presentation>
 </file>
 
+<file path=ppt/notesMasters/notesMaster1.xml><?xml version="1.0" encoding="utf-8"?>
+<p:notesMaster xmlns:a="http://schemas.openxmlformats.org/drawingml/2006/main" xmlns:r="http://schemas.openxmlformats.org/officeDocument/2006/relationships" xmlns:p="http://schemas.openxmlformats.org/presentationml/2006/main">
+  <p:cSld>
+    <p:bg>
+      <p:bgRef idx="1001">
+        <a:schemeClr val="bg1"/>
+      </p:bgRef>
+    </p:bg>
+    <p:spTree>
+      <p:nvGrpSpPr>
+        <p:cNvPr id="1" name=""/>
+        <p:cNvGrpSpPr/>
+        <p:nvPr/>
+      </p:nvGrpSpPr>
+      <p:grpSpPr>
+        <a:xfrm>
+          <a:off x="0" y="0"/>
+          <a:ext cx="0" cy="0"/>
+          <a:chOff x="0" y="0"/>
+          <a:chExt cx="0" cy="0"/>
+        </a:xfrm>
+      </p:grpSpPr>
+      <p:sp>
+        <p:nvSpPr>
+          <p:cNvPr id="2" name="Header Placeholder 1"/>
+          <p:cNvSpPr>
+            <a:spLocks noGrp="1"/>
+          </p:cNvSpPr>
+          <p:nvPr>
+            <p:ph type="hdr" sz="quarter"/>
+          </p:nvPr>
+        </p:nvSpPr>
+        <p:spPr>
+          <a:xfrm>
+            <a:off x="0" y="0"/>
+            <a:ext cx="2971800" cy="458788"/>
+          </a:xfrm>
+          <a:prstGeom prst="rect">
+            <a:avLst/>
+          </a:prstGeom>
+        </p:spPr>
+        <p:txBody>
+          <a:bodyPr vert="horz" lIns="91440" tIns="45720" rIns="91440" bIns="45720" rtlCol="0"/>
+          <a:lstStyle>
+            <a:lvl1pPr algn="l">
+              <a:defRPr sz="1200"/>
+            </a:lvl1pPr>
+          </a:lstStyle>
+          <a:p>
+            <a:endParaRPr lang="en-US"/>
+          </a:p>
+        </p:txBody>
+      </p:sp>
+      <p:sp>
+        <p:nvSpPr>
+          <p:cNvPr id="3" name="Date Placeholder 2"/>
+          <p:cNvSpPr>
+            <a:spLocks noGrp="1"/>
+          </p:cNvSpPr>
+          <p:nvPr>
+            <p:ph type="dt" idx="1"/>
+          </p:nvPr>
+        </p:nvSpPr>
+        <p:spPr>
+          <a:xfrm>
+            <a:off x="3884613" y="0"/>
+            <a:ext cx="2971800" cy="458788"/>
+          </a:xfrm>
+          <a:prstGeom prst="rect">
+            <a:avLst/>
+          </a:prstGeom>
+        </p:spPr>
+        <p:txBody>
+          <a:bodyPr vert="horz" lIns="91440" tIns="45720" rIns="91440" bIns="45720" rtlCol="0"/>
+          <a:lstStyle>
+            <a:lvl1pPr algn="r">
+              <a:defRPr sz="1200"/>
+            </a:lvl1pPr>
+          </a:lstStyle>
+          <a:p>
+            <a:fld id="{797AC646-1C50-4A2A-834E-D32693ED7B30}" type="datetimeFigureOut">
+              <a:rPr lang="en-US" smtClean="0"/>
+              <a:t>7/18/2019</a:t>
+            </a:fld>
+            <a:endParaRPr lang="en-US"/>
+          </a:p>
+        </p:txBody>
+      </p:sp>
+      <p:sp>
+        <p:nvSpPr>
+          <p:cNvPr id="4" name="Slide Image Placeholder 3"/>
+          <p:cNvSpPr>
+            <a:spLocks noGrp="1" noRot="1" noChangeAspect="1"/>
+          </p:cNvSpPr>
+          <p:nvPr>
+            <p:ph type="sldImg" idx="2"/>
+          </p:nvPr>
+        </p:nvSpPr>
+        <p:spPr>
+          <a:xfrm>
+            <a:off x="685800" y="1143000"/>
+            <a:ext cx="5486400" cy="3086100"/>
+          </a:xfrm>
+          <a:prstGeom prst="rect">
+            <a:avLst/>
+          </a:prstGeom>
+          <a:noFill/>
+          <a:ln w="12700">
+            <a:solidFill>
+              <a:prstClr val="black"/>
+            </a:solidFill>
+          </a:ln>
+        </p:spPr>
+        <p:txBody>
+          <a:bodyPr vert="horz" lIns="91440" tIns="45720" rIns="91440" bIns="45720" rtlCol="0" anchor="ctr"/>
+          <a:lstStyle/>
+          <a:p>
+            <a:endParaRPr lang="en-US"/>
+          </a:p>
+        </p:txBody>
+      </p:sp>
+      <p:sp>
+        <p:nvSpPr>
+          <p:cNvPr id="5" name="Notes Placeholder 4"/>
+          <p:cNvSpPr>
+            <a:spLocks noGrp="1"/>
+          </p:cNvSpPr>
+          <p:nvPr>
+            <p:ph type="body" sz="quarter" idx="3"/>
+          </p:nvPr>
+        </p:nvSpPr>
+        <p:spPr>
+          <a:xfrm>
+            <a:off x="685800" y="4400550"/>
+            <a:ext cx="5486400" cy="3600450"/>
+          </a:xfrm>
+          <a:prstGeom prst="rect">
+            <a:avLst/>
+          </a:prstGeom>
+        </p:spPr>
+        <p:txBody>
+          <a:bodyPr vert="horz" lIns="91440" tIns="45720" rIns="91440" bIns="45720" rtlCol="0"/>
+          <a:lstStyle/>
+          <a:p>
+            <a:pPr lvl="0"/>
+            <a:r>
+              <a:rPr lang="en-US"/>
+              <a:t>Edit Master text styles</a:t>
+            </a:r>
+          </a:p>
+          <a:p>
+            <a:pPr lvl="1"/>
+            <a:r>
+              <a:rPr lang="en-US"/>
+              <a:t>Second level</a:t>
+            </a:r>
+          </a:p>
+          <a:p>
+            <a:pPr lvl="2"/>
+            <a:r>
+              <a:rPr lang="en-US"/>
+              <a:t>Third level</a:t>
+            </a:r>
+          </a:p>
+          <a:p>
+            <a:pPr lvl="3"/>
+            <a:r>
+              <a:rPr lang="en-US"/>
+              <a:t>Fourth level</a:t>
+            </a:r>
+          </a:p>
+          <a:p>
+            <a:pPr lvl="4"/>
+            <a:r>
+              <a:rPr lang="en-US"/>
+              <a:t>Fifth level</a:t>
+            </a:r>
+          </a:p>
+        </p:txBody>
+      </p:sp>
+      <p:sp>
+        <p:nvSpPr>
+          <p:cNvPr id="6" name="Footer Placeholder 5"/>
+          <p:cNvSpPr>
+            <a:spLocks noGrp="1"/>
+          </p:cNvSpPr>
+          <p:nvPr>
+            <p:ph type="ftr" sz="quarter" idx="4"/>
+          </p:nvPr>
+        </p:nvSpPr>
+        <p:spPr>
+          <a:xfrm>
+            <a:off x="0" y="8685213"/>
+            <a:ext cx="2971800" cy="458787"/>
+          </a:xfrm>
+          <a:prstGeom prst="rect">
+            <a:avLst/>
+          </a:prstGeom>
+        </p:spPr>
+        <p:txBody>
+          <a:bodyPr vert="horz" lIns="91440" tIns="45720" rIns="91440" bIns="45720" rtlCol="0" anchor="b"/>
+          <a:lstStyle>
+            <a:lvl1pPr algn="l">
+              <a:defRPr sz="1200"/>
+            </a:lvl1pPr>
+          </a:lstStyle>
+          <a:p>
+            <a:endParaRPr lang="en-US"/>
+          </a:p>
+        </p:txBody>
+      </p:sp>
+      <p:sp>
+        <p:nvSpPr>
+          <p:cNvPr id="7" name="Slide Number Placeholder 6"/>
+          <p:cNvSpPr>
+            <a:spLocks noGrp="1"/>
+          </p:cNvSpPr>
+          <p:nvPr>
+            <p:ph type="sldNum" sz="quarter" idx="5"/>
+          </p:nvPr>
+        </p:nvSpPr>
+        <p:spPr>
+          <a:xfrm>
+            <a:off x="3884613" y="8685213"/>
+            <a:ext cx="2971800" cy="458787"/>
+          </a:xfrm>
+          <a:prstGeom prst="rect">
+            <a:avLst/>
+          </a:prstGeom>
+        </p:spPr>
+        <p:txBody>
+          <a:bodyPr vert="horz" lIns="91440" tIns="45720" rIns="91440" bIns="45720" rtlCol="0" anchor="b"/>
+          <a:lstStyle>
+            <a:lvl1pPr algn="r">
+              <a:defRPr sz="1200"/>
+            </a:lvl1pPr>
+          </a:lstStyle>
+          <a:p>
+            <a:fld id="{3E5013BD-AA6A-4294-A235-51BF5A50BEB6}" type="slidenum">
+              <a:rPr lang="en-US" smtClean="0"/>
+              <a:t>‹#›</a:t>
+            </a:fld>
+            <a:endParaRPr lang="en-US"/>
+          </a:p>
+        </p:txBody>
+      </p:sp>
+    </p:spTree>
+    <p:extLst>
+      <p:ext uri="{BB962C8B-B14F-4D97-AF65-F5344CB8AC3E}">
+        <p14:creationId xmlns:p14="http://schemas.microsoft.com/office/powerpoint/2010/main" val="19086686"/>
+      </p:ext>
+    </p:extLst>
+  </p:cSld>
+  <p:clrMap bg1="lt1" tx1="dk1" bg2="lt2" tx2="dk2" accent1="accent1" accent2="accent2" accent3="accent3" accent4="accent4" accent5="accent5" accent6="accent6" hlink="hlink" folHlink="folHlink"/>
+  <p:notesStyle>
+    <a:lvl1pPr marL="0" algn="l" defTabSz="914400" rtl="0" eaLnBrk="1" latinLnBrk="0" hangingPunct="1">
+      <a:defRPr sz="1200" kern="1200">
+        <a:solidFill>
+          <a:schemeClr val="tx1"/>
+        </a:solidFill>
+        <a:latin typeface="+mn-lt"/>
+        <a:ea typeface="+mn-ea"/>
+        <a:cs typeface="+mn-cs"/>
+      </a:defRPr>
+    </a:lvl1pPr>
+    <a:lvl2pPr marL="457200" algn="l" defTabSz="914400" rtl="0" eaLnBrk="1" latinLnBrk="0" hangingPunct="1">
+      <a:defRPr sz="1200" kern="1200">
+        <a:solidFill>
+          <a:schemeClr val="tx1"/>
+        </a:solidFill>
+        <a:latin typeface="+mn-lt"/>
+        <a:ea typeface="+mn-ea"/>
+        <a:cs typeface="+mn-cs"/>
+      </a:defRPr>
+    </a:lvl2pPr>
+    <a:lvl3pPr marL="914400" algn="l" defTabSz="914400" rtl="0" eaLnBrk="1" latinLnBrk="0" hangingPunct="1">
+      <a:defRPr sz="1200" kern="1200">
+        <a:solidFill>
+          <a:schemeClr val="tx1"/>
+        </a:solidFill>
+        <a:latin typeface="+mn-lt"/>
+        <a:ea typeface="+mn-ea"/>
+        <a:cs typeface="+mn-cs"/>
+      </a:defRPr>
+    </a:lvl3pPr>
+    <a:lvl4pPr marL="1371600" algn="l" defTabSz="914400" rtl="0" eaLnBrk="1" latinLnBrk="0" hangingPunct="1">
+      <a:defRPr sz="1200" kern="1200">
+        <a:solidFill>
+          <a:schemeClr val="tx1"/>
+        </a:solidFill>
+        <a:latin typeface="+mn-lt"/>
+        <a:ea typeface="+mn-ea"/>
+        <a:cs typeface="+mn-cs"/>
+      </a:defRPr>
+    </a:lvl4pPr>
+    <a:lvl5pPr marL="1828800" algn="l" defTabSz="914400" rtl="0" eaLnBrk="1" latinLnBrk="0" hangingPunct="1">
+      <a:defRPr sz="1200" kern="1200">
+        <a:solidFill>
+          <a:schemeClr val="tx1"/>
+        </a:solidFill>
+        <a:latin typeface="+mn-lt"/>
+        <a:ea typeface="+mn-ea"/>
+        <a:cs typeface="+mn-cs"/>
+      </a:defRPr>
+    </a:lvl5pPr>
+    <a:lvl6pPr marL="2286000" algn="l" defTabSz="914400" rtl="0" eaLnBrk="1" latinLnBrk="0" hangingPunct="1">
+      <a:defRPr sz="1200" kern="1200">
+        <a:solidFill>
+          <a:schemeClr val="tx1"/>
+        </a:solidFill>
+        <a:latin typeface="+mn-lt"/>
+        <a:ea typeface="+mn-ea"/>
+        <a:cs typeface="+mn-cs"/>
+      </a:defRPr>
+    </a:lvl6pPr>
+    <a:lvl7pPr marL="2743200" algn="l" defTabSz="914400" rtl="0" eaLnBrk="1" latinLnBrk="0" hangingPunct="1">
+      <a:defRPr sz="1200" kern="1200">
+        <a:solidFill>
+          <a:schemeClr val="tx1"/>
+        </a:solidFill>
+        <a:latin typeface="+mn-lt"/>
+        <a:ea typeface="+mn-ea"/>
+        <a:cs typeface="+mn-cs"/>
+      </a:defRPr>
+    </a:lvl7pPr>
+    <a:lvl8pPr marL="3200400" algn="l" defTabSz="914400" rtl="0" eaLnBrk="1" latinLnBrk="0" hangingPunct="1">
+      <a:defRPr sz="1200" kern="1200">
+        <a:solidFill>
+          <a:schemeClr val="tx1"/>
+        </a:solidFill>
+        <a:latin typeface="+mn-lt"/>
+        <a:ea typeface="+mn-ea"/>
+        <a:cs typeface="+mn-cs"/>
+      </a:defRPr>
+    </a:lvl8pPr>
+    <a:lvl9pPr marL="3657600" algn="l" defTabSz="914400" rtl="0" eaLnBrk="1" latinLnBrk="0" hangingPunct="1">
+      <a:defRPr sz="1200" kern="1200">
+        <a:solidFill>
+          <a:schemeClr val="tx1"/>
+        </a:solidFill>
+        <a:latin typeface="+mn-lt"/>
+        <a:ea typeface="+mn-ea"/>
+        <a:cs typeface="+mn-cs"/>
+      </a:defRPr>
+    </a:lvl9pPr>
+  </p:notesStyle>
+</p:notesMaster>
+</file>
+
+<file path=ppt/notesSlides/notesSlide1.xml><?xml version="1.0" encoding="utf-8"?>
+<p:notes xmlns:a="http://schemas.openxmlformats.org/drawingml/2006/main" xmlns:r="http://schemas.openxmlformats.org/officeDocument/2006/relationships" xmlns:p="http://schemas.openxmlformats.org/presentationml/2006/main">
+  <p:cSld>
+    <p:spTree>
+      <p:nvGrpSpPr>
+        <p:cNvPr id="1" name=""/>
+        <p:cNvGrpSpPr/>
+        <p:nvPr/>
+      </p:nvGrpSpPr>
+      <p:grpSpPr>
+        <a:xfrm>
+          <a:off x="0" y="0"/>
+          <a:ext cx="0" cy="0"/>
+          <a:chOff x="0" y="0"/>
+          <a:chExt cx="0" cy="0"/>
+        </a:xfrm>
+      </p:grpSpPr>
+      <p:sp>
+        <p:nvSpPr>
+          <p:cNvPr id="2" name="Slide Image Placeholder 1"/>
+          <p:cNvSpPr>
+            <a:spLocks noGrp="1" noRot="1" noChangeAspect="1"/>
+          </p:cNvSpPr>
+          <p:nvPr>
+            <p:ph type="sldImg"/>
+          </p:nvPr>
+        </p:nvSpPr>
+        <p:spPr/>
+      </p:sp>
+      <p:sp>
+        <p:nvSpPr>
+          <p:cNvPr id="3" name="Notes Placeholder 2"/>
+          <p:cNvSpPr>
+            <a:spLocks noGrp="1"/>
+          </p:cNvSpPr>
+          <p:nvPr>
+            <p:ph type="body" idx="1"/>
+          </p:nvPr>
+        </p:nvSpPr>
+        <p:spPr/>
+        <p:txBody>
+          <a:bodyPr/>
+          <a:lstStyle/>
+          <a:p>
+            <a:pPr marL="228600" indent="-228600">
+              <a:buAutoNum type="arabicPeriod"/>
+            </a:pPr>
+            <a:r>
+              <a:rPr lang="en-US" sz="1200" kern="1200" dirty="0" err="1">
+                <a:solidFill>
+                  <a:schemeClr val="tx1"/>
+                </a:solidFill>
+                <a:effectLst/>
+                <a:latin typeface="+mn-lt"/>
+                <a:ea typeface="+mn-ea"/>
+                <a:cs typeface="+mn-cs"/>
+              </a:rPr>
+              <a:t>npm</a:t>
+            </a:r>
+            <a:r>
+              <a:rPr lang="en-US" dirty="0"/>
+              <a:t> </a:t>
+            </a:r>
+            <a:r>
+              <a:rPr lang="en-US" sz="1200" kern="1200" dirty="0">
+                <a:solidFill>
+                  <a:schemeClr val="tx1"/>
+                </a:solidFill>
+                <a:effectLst/>
+                <a:latin typeface="+mn-lt"/>
+                <a:ea typeface="+mn-ea"/>
+                <a:cs typeface="+mn-cs"/>
+              </a:rPr>
+              <a:t>install</a:t>
+            </a:r>
+            <a:r>
+              <a:rPr lang="en-US" dirty="0"/>
+              <a:t> </a:t>
+            </a:r>
+            <a:r>
+              <a:rPr lang="en-US" dirty="0" err="1"/>
+              <a:t>strapi@beta</a:t>
+            </a:r>
+            <a:r>
+              <a:rPr lang="en-US" dirty="0"/>
+              <a:t> –g</a:t>
+            </a:r>
+          </a:p>
+          <a:p>
+            <a:pPr marL="228600" indent="-228600">
+              <a:buAutoNum type="arabicPeriod"/>
+            </a:pPr>
+            <a:r>
+              <a:rPr lang="en-US" dirty="0" err="1"/>
+              <a:t>strapi</a:t>
+            </a:r>
+            <a:r>
+              <a:rPr lang="en-US" dirty="0"/>
+              <a:t> new my-project –</a:t>
+            </a:r>
+            <a:r>
+              <a:rPr lang="en-US" dirty="0" err="1"/>
+              <a:t>quickstart</a:t>
+            </a:r>
+            <a:endParaRPr lang="en-US" dirty="0"/>
+          </a:p>
+          <a:p>
+            <a:pPr marL="228600" indent="-228600">
+              <a:buAutoNum type="arabicPeriod"/>
+            </a:pPr>
+            <a:r>
+              <a:rPr lang="en-US" sz="1200" b="1" i="0" u="none" strike="noStrike" kern="1200" dirty="0">
+                <a:solidFill>
+                  <a:schemeClr val="tx1"/>
+                </a:solidFill>
+                <a:effectLst/>
+                <a:latin typeface="+mn-lt"/>
+                <a:ea typeface="+mn-ea"/>
+                <a:cs typeface="+mn-cs"/>
+                <a:hlinkClick r:id="rId3"/>
+              </a:rPr>
+              <a:t>http://localhost:1337/admin</a:t>
+            </a:r>
+            <a:r>
+              <a:rPr lang="en-US" sz="1200" b="0" i="0" kern="1200" dirty="0">
+                <a:solidFill>
+                  <a:schemeClr val="tx1"/>
+                </a:solidFill>
+                <a:effectLst/>
+                <a:latin typeface="+mn-lt"/>
+                <a:ea typeface="+mn-ea"/>
+                <a:cs typeface="+mn-cs"/>
+              </a:rPr>
+              <a:t>.</a:t>
+            </a:r>
+          </a:p>
+          <a:p>
+            <a:pPr marL="228600" indent="-228600">
+              <a:buAutoNum type="arabicPeriod"/>
+            </a:pPr>
+            <a:endParaRPr lang="en-US" dirty="0"/>
+          </a:p>
+        </p:txBody>
+      </p:sp>
+      <p:sp>
+        <p:nvSpPr>
+          <p:cNvPr id="4" name="Slide Number Placeholder 3"/>
+          <p:cNvSpPr>
+            <a:spLocks noGrp="1"/>
+          </p:cNvSpPr>
+          <p:nvPr>
+            <p:ph type="sldNum" sz="quarter" idx="5"/>
+          </p:nvPr>
+        </p:nvSpPr>
+        <p:spPr/>
+        <p:txBody>
+          <a:bodyPr/>
+          <a:lstStyle/>
+          <a:p>
+            <a:fld id="{3E5013BD-AA6A-4294-A235-51BF5A50BEB6}" type="slidenum">
+              <a:rPr lang="en-US" smtClean="0"/>
+              <a:t>13</a:t>
+            </a:fld>
+            <a:endParaRPr lang="en-US"/>
+          </a:p>
+        </p:txBody>
+      </p:sp>
+    </p:spTree>
+    <p:extLst>
+      <p:ext uri="{BB962C8B-B14F-4D97-AF65-F5344CB8AC3E}">
+        <p14:creationId xmlns:p14="http://schemas.microsoft.com/office/powerpoint/2010/main" val="3798796464"/>
+      </p:ext>
+    </p:extLst>
+  </p:cSld>
+  <p:clrMapOvr>
+    <a:masterClrMapping/>
+  </p:clrMapOvr>
+</p:notes>
+</file>
+
+<file path=ppt/notesSlides/notesSlide2.xml><?xml version="1.0" encoding="utf-8"?>
+<p:notes xmlns:a="http://schemas.openxmlformats.org/drawingml/2006/main" xmlns:r="http://schemas.openxmlformats.org/officeDocument/2006/relationships" xmlns:p="http://schemas.openxmlformats.org/presentationml/2006/main">
+  <p:cSld>
+    <p:spTree>
+      <p:nvGrpSpPr>
+        <p:cNvPr id="1" name=""/>
+        <p:cNvGrpSpPr/>
+        <p:nvPr/>
+      </p:nvGrpSpPr>
+      <p:grpSpPr>
+        <a:xfrm>
+          <a:off x="0" y="0"/>
+          <a:ext cx="0" cy="0"/>
+          <a:chOff x="0" y="0"/>
+          <a:chExt cx="0" cy="0"/>
+        </a:xfrm>
+      </p:grpSpPr>
+      <p:sp>
+        <p:nvSpPr>
+          <p:cNvPr id="2" name="Slide Image Placeholder 1"/>
+          <p:cNvSpPr>
+            <a:spLocks noGrp="1" noRot="1" noChangeAspect="1"/>
+          </p:cNvSpPr>
+          <p:nvPr>
+            <p:ph type="sldImg"/>
+          </p:nvPr>
+        </p:nvSpPr>
+        <p:spPr/>
+      </p:sp>
+      <p:sp>
+        <p:nvSpPr>
+          <p:cNvPr id="3" name="Notes Placeholder 2"/>
+          <p:cNvSpPr>
+            <a:spLocks noGrp="1"/>
+          </p:cNvSpPr>
+          <p:nvPr>
+            <p:ph type="body" idx="1"/>
+          </p:nvPr>
+        </p:nvSpPr>
+        <p:spPr/>
+        <p:txBody>
+          <a:bodyPr/>
+          <a:lstStyle/>
+          <a:p>
+            <a:r>
+              <a:rPr lang="en-US" dirty="0"/>
+              <a:t>1.Create content type </a:t>
+            </a:r>
+            <a:r>
+              <a:rPr lang="en-US" sz="1200" b="0" i="0" kern="1200" dirty="0">
+                <a:solidFill>
+                  <a:schemeClr val="tx1"/>
+                </a:solidFill>
+                <a:effectLst/>
+                <a:latin typeface="+mn-lt"/>
+                <a:ea typeface="+mn-ea"/>
+                <a:cs typeface="+mn-cs"/>
+              </a:rPr>
+              <a:t>restaurant</a:t>
+            </a:r>
+          </a:p>
+          <a:p>
+            <a:r>
+              <a:rPr lang="en-US" sz="1200" b="0" i="0" kern="1200" dirty="0">
+                <a:solidFill>
+                  <a:schemeClr val="tx1"/>
+                </a:solidFill>
+                <a:effectLst/>
+                <a:latin typeface="+mn-lt"/>
+                <a:ea typeface="+mn-ea"/>
+                <a:cs typeface="+mn-cs"/>
+              </a:rPr>
+              <a:t>2.Create field name</a:t>
+            </a:r>
+          </a:p>
+          <a:p>
+            <a:r>
+              <a:rPr lang="en-US" sz="1200" b="0" i="0" kern="1200" dirty="0">
+                <a:solidFill>
+                  <a:schemeClr val="tx1"/>
+                </a:solidFill>
+                <a:effectLst/>
+                <a:latin typeface="+mn-lt"/>
+                <a:ea typeface="+mn-ea"/>
+                <a:cs typeface="+mn-cs"/>
+              </a:rPr>
+              <a:t>3.Create field description </a:t>
+            </a:r>
+          </a:p>
+          <a:p>
+            <a:endParaRPr lang="en-US" dirty="0"/>
+          </a:p>
+        </p:txBody>
+      </p:sp>
+      <p:sp>
+        <p:nvSpPr>
+          <p:cNvPr id="4" name="Slide Number Placeholder 3"/>
+          <p:cNvSpPr>
+            <a:spLocks noGrp="1"/>
+          </p:cNvSpPr>
+          <p:nvPr>
+            <p:ph type="sldNum" sz="quarter" idx="5"/>
+          </p:nvPr>
+        </p:nvSpPr>
+        <p:spPr/>
+        <p:txBody>
+          <a:bodyPr/>
+          <a:lstStyle/>
+          <a:p>
+            <a:fld id="{3E5013BD-AA6A-4294-A235-51BF5A50BEB6}" type="slidenum">
+              <a:rPr lang="en-US" smtClean="0"/>
+              <a:t>14</a:t>
+            </a:fld>
+            <a:endParaRPr lang="en-US"/>
+          </a:p>
+        </p:txBody>
+      </p:sp>
+    </p:spTree>
+    <p:extLst>
+      <p:ext uri="{BB962C8B-B14F-4D97-AF65-F5344CB8AC3E}">
+        <p14:creationId xmlns:p14="http://schemas.microsoft.com/office/powerpoint/2010/main" val="168570713"/>
+      </p:ext>
+    </p:extLst>
+  </p:cSld>
+  <p:clrMapOvr>
+    <a:masterClrMapping/>
+  </p:clrMapOvr>
+</p:notes>
+</file>
+
+<file path=ppt/notesSlides/notesSlide3.xml><?xml version="1.0" encoding="utf-8"?>
+<p:notes xmlns:a="http://schemas.openxmlformats.org/drawingml/2006/main" xmlns:r="http://schemas.openxmlformats.org/officeDocument/2006/relationships" xmlns:p="http://schemas.openxmlformats.org/presentationml/2006/main">
+  <p:cSld>
+    <p:spTree>
+      <p:nvGrpSpPr>
+        <p:cNvPr id="1" name=""/>
+        <p:cNvGrpSpPr/>
+        <p:nvPr/>
+      </p:nvGrpSpPr>
+      <p:grpSpPr>
+        <a:xfrm>
+          <a:off x="0" y="0"/>
+          <a:ext cx="0" cy="0"/>
+          <a:chOff x="0" y="0"/>
+          <a:chExt cx="0" cy="0"/>
+        </a:xfrm>
+      </p:grpSpPr>
+      <p:sp>
+        <p:nvSpPr>
+          <p:cNvPr id="2" name="Slide Image Placeholder 1"/>
+          <p:cNvSpPr>
+            <a:spLocks noGrp="1" noRot="1" noChangeAspect="1"/>
+          </p:cNvSpPr>
+          <p:nvPr>
+            <p:ph type="sldImg"/>
+          </p:nvPr>
+        </p:nvSpPr>
+        <p:spPr/>
+      </p:sp>
+      <p:sp>
+        <p:nvSpPr>
+          <p:cNvPr id="3" name="Notes Placeholder 2"/>
+          <p:cNvSpPr>
+            <a:spLocks noGrp="1"/>
+          </p:cNvSpPr>
+          <p:nvPr>
+            <p:ph type="body" idx="1"/>
+          </p:nvPr>
+        </p:nvSpPr>
+        <p:spPr/>
+        <p:txBody>
+          <a:bodyPr/>
+          <a:lstStyle/>
+          <a:p>
+            <a:r>
+              <a:rPr lang="en-US" dirty="0"/>
+              <a:t>1.Create content type category</a:t>
+            </a:r>
+          </a:p>
+          <a:p>
+            <a:r>
+              <a:rPr lang="en-US" dirty="0"/>
+              <a:t>2.Create field name</a:t>
+            </a:r>
+          </a:p>
+          <a:p>
+            <a:r>
+              <a:rPr lang="en-US" dirty="0"/>
+              <a:t>3.Create relation many-to-many </a:t>
+            </a:r>
+          </a:p>
+        </p:txBody>
+      </p:sp>
+      <p:sp>
+        <p:nvSpPr>
+          <p:cNvPr id="4" name="Slide Number Placeholder 3"/>
+          <p:cNvSpPr>
+            <a:spLocks noGrp="1"/>
+          </p:cNvSpPr>
+          <p:nvPr>
+            <p:ph type="sldNum" sz="quarter" idx="5"/>
+          </p:nvPr>
+        </p:nvSpPr>
+        <p:spPr/>
+        <p:txBody>
+          <a:bodyPr/>
+          <a:lstStyle/>
+          <a:p>
+            <a:fld id="{3E5013BD-AA6A-4294-A235-51BF5A50BEB6}" type="slidenum">
+              <a:rPr lang="en-US" smtClean="0"/>
+              <a:t>15</a:t>
+            </a:fld>
+            <a:endParaRPr lang="en-US"/>
+          </a:p>
+        </p:txBody>
+      </p:sp>
+    </p:spTree>
+    <p:extLst>
+      <p:ext uri="{BB962C8B-B14F-4D97-AF65-F5344CB8AC3E}">
+        <p14:creationId xmlns:p14="http://schemas.microsoft.com/office/powerpoint/2010/main" val="2298777923"/>
+      </p:ext>
+    </p:extLst>
+  </p:cSld>
+  <p:clrMapOvr>
+    <a:masterClrMapping/>
+  </p:clrMapOvr>
+</p:notes>
+</file>
+
+<file path=ppt/notesSlides/notesSlide4.xml><?xml version="1.0" encoding="utf-8"?>
+<p:notes xmlns:a="http://schemas.openxmlformats.org/drawingml/2006/main" xmlns:r="http://schemas.openxmlformats.org/officeDocument/2006/relationships" xmlns:p="http://schemas.openxmlformats.org/presentationml/2006/main">
+  <p:cSld>
+    <p:spTree>
+      <p:nvGrpSpPr>
+        <p:cNvPr id="1" name=""/>
+        <p:cNvGrpSpPr/>
+        <p:nvPr/>
+      </p:nvGrpSpPr>
+      <p:grpSpPr>
+        <a:xfrm>
+          <a:off x="0" y="0"/>
+          <a:ext cx="0" cy="0"/>
+          <a:chOff x="0" y="0"/>
+          <a:chExt cx="0" cy="0"/>
+        </a:xfrm>
+      </p:grpSpPr>
+      <p:sp>
+        <p:nvSpPr>
+          <p:cNvPr id="2" name="Slide Image Placeholder 1"/>
+          <p:cNvSpPr>
+            <a:spLocks noGrp="1" noRot="1" noChangeAspect="1"/>
+          </p:cNvSpPr>
+          <p:nvPr>
+            <p:ph type="sldImg"/>
+          </p:nvPr>
+        </p:nvSpPr>
+        <p:spPr/>
+      </p:sp>
+      <p:sp>
+        <p:nvSpPr>
+          <p:cNvPr id="3" name="Notes Placeholder 2"/>
+          <p:cNvSpPr>
+            <a:spLocks noGrp="1"/>
+          </p:cNvSpPr>
+          <p:nvPr>
+            <p:ph type="body" idx="1"/>
+          </p:nvPr>
+        </p:nvSpPr>
+        <p:spPr/>
+        <p:txBody>
+          <a:bodyPr/>
+          <a:lstStyle/>
+          <a:p>
+            <a:r>
+              <a:rPr lang="en-US" sz="1200" b="0" i="0" kern="1200" dirty="0">
+                <a:solidFill>
+                  <a:schemeClr val="tx1"/>
+                </a:solidFill>
+                <a:effectLst/>
+                <a:latin typeface="+mn-lt"/>
+                <a:ea typeface="+mn-ea"/>
+                <a:cs typeface="+mn-cs"/>
+              </a:rPr>
+              <a:t>Name: </a:t>
+            </a:r>
+            <a:r>
+              <a:rPr lang="en-US" sz="1200" b="0" i="0" kern="1200" dirty="0" err="1">
+                <a:solidFill>
+                  <a:schemeClr val="tx1"/>
+                </a:solidFill>
+                <a:effectLst/>
+                <a:latin typeface="+mn-lt"/>
+                <a:ea typeface="+mn-ea"/>
+                <a:cs typeface="+mn-cs"/>
+              </a:rPr>
+              <a:t>Strapi</a:t>
+            </a:r>
+            <a:r>
+              <a:rPr lang="en-US" sz="1200" b="0" i="0" kern="1200" dirty="0">
+                <a:solidFill>
+                  <a:schemeClr val="tx1"/>
+                </a:solidFill>
+                <a:effectLst/>
+                <a:latin typeface="+mn-lt"/>
+                <a:ea typeface="+mn-ea"/>
+                <a:cs typeface="+mn-cs"/>
+              </a:rPr>
+              <a:t> Restaurant</a:t>
+            </a:r>
+          </a:p>
+          <a:p>
+            <a:r>
+              <a:rPr lang="en-US" sz="1200" b="0" i="0" kern="1200" dirty="0">
+                <a:solidFill>
+                  <a:schemeClr val="tx1"/>
+                </a:solidFill>
+                <a:effectLst/>
+                <a:latin typeface="+mn-lt"/>
+                <a:ea typeface="+mn-ea"/>
+                <a:cs typeface="+mn-cs"/>
+              </a:rPr>
+              <a:t>Description: </a:t>
+            </a:r>
+            <a:r>
+              <a:rPr lang="en-US" sz="1200" b="0" i="0" kern="1200" dirty="0" err="1">
+                <a:solidFill>
+                  <a:schemeClr val="tx1"/>
+                </a:solidFill>
+                <a:effectLst/>
+                <a:latin typeface="+mn-lt"/>
+                <a:ea typeface="+mn-ea"/>
+                <a:cs typeface="+mn-cs"/>
+              </a:rPr>
+              <a:t>Strapi</a:t>
+            </a:r>
+            <a:r>
+              <a:rPr lang="en-US" sz="1200" b="0" i="0" kern="1200" dirty="0">
+                <a:solidFill>
+                  <a:schemeClr val="tx1"/>
+                </a:solidFill>
+                <a:effectLst/>
+                <a:latin typeface="+mn-lt"/>
+                <a:ea typeface="+mn-ea"/>
+                <a:cs typeface="+mn-cs"/>
+              </a:rPr>
+              <a:t> restaurant is a </a:t>
+            </a:r>
+            <a:r>
+              <a:rPr lang="en-US" sz="1200" b="0" i="0" kern="1200" dirty="0" err="1">
+                <a:solidFill>
+                  <a:schemeClr val="tx1"/>
+                </a:solidFill>
+                <a:effectLst/>
+                <a:latin typeface="+mn-lt"/>
+                <a:ea typeface="+mn-ea"/>
+                <a:cs typeface="+mn-cs"/>
+              </a:rPr>
+              <a:t>cosy</a:t>
+            </a:r>
+            <a:r>
+              <a:rPr lang="en-US" sz="1200" b="0" i="0" kern="1200" dirty="0">
+                <a:solidFill>
+                  <a:schemeClr val="tx1"/>
+                </a:solidFill>
+                <a:effectLst/>
+                <a:latin typeface="+mn-lt"/>
+                <a:ea typeface="+mn-ea"/>
+                <a:cs typeface="+mn-cs"/>
+              </a:rPr>
+              <a:t> restaurant delivering one of the very fastest and nicest dining experiences in the world, combining nods to tradition with fierce modernity, warmth with daring.</a:t>
+            </a:r>
+            <a:endParaRPr lang="en-US" dirty="0"/>
+          </a:p>
+        </p:txBody>
+      </p:sp>
+      <p:sp>
+        <p:nvSpPr>
+          <p:cNvPr id="4" name="Slide Number Placeholder 3"/>
+          <p:cNvSpPr>
+            <a:spLocks noGrp="1"/>
+          </p:cNvSpPr>
+          <p:nvPr>
+            <p:ph type="sldNum" sz="quarter" idx="5"/>
+          </p:nvPr>
+        </p:nvSpPr>
+        <p:spPr/>
+        <p:txBody>
+          <a:bodyPr/>
+          <a:lstStyle/>
+          <a:p>
+            <a:fld id="{3E5013BD-AA6A-4294-A235-51BF5A50BEB6}" type="slidenum">
+              <a:rPr lang="en-US" smtClean="0"/>
+              <a:t>16</a:t>
+            </a:fld>
+            <a:endParaRPr lang="en-US"/>
+          </a:p>
+        </p:txBody>
+      </p:sp>
+    </p:spTree>
+    <p:extLst>
+      <p:ext uri="{BB962C8B-B14F-4D97-AF65-F5344CB8AC3E}">
+        <p14:creationId xmlns:p14="http://schemas.microsoft.com/office/powerpoint/2010/main" val="3950763502"/>
+      </p:ext>
+    </p:extLst>
+  </p:cSld>
+  <p:clrMapOvr>
+    <a:masterClrMapping/>
+  </p:clrMapOvr>
+</p:notes>
+</file>
+
+<file path=ppt/notesSlides/notesSlide5.xml><?xml version="1.0" encoding="utf-8"?>
+<p:notes xmlns:a="http://schemas.openxmlformats.org/drawingml/2006/main" xmlns:r="http://schemas.openxmlformats.org/officeDocument/2006/relationships" xmlns:p="http://schemas.openxmlformats.org/presentationml/2006/main">
+  <p:cSld>
+    <p:spTree>
+      <p:nvGrpSpPr>
+        <p:cNvPr id="1" name=""/>
+        <p:cNvGrpSpPr/>
+        <p:nvPr/>
+      </p:nvGrpSpPr>
+      <p:grpSpPr>
+        <a:xfrm>
+          <a:off x="0" y="0"/>
+          <a:ext cx="0" cy="0"/>
+          <a:chOff x="0" y="0"/>
+          <a:chExt cx="0" cy="0"/>
+        </a:xfrm>
+      </p:grpSpPr>
+      <p:sp>
+        <p:nvSpPr>
+          <p:cNvPr id="2" name="Slide Image Placeholder 1"/>
+          <p:cNvSpPr>
+            <a:spLocks noGrp="1" noRot="1" noChangeAspect="1"/>
+          </p:cNvSpPr>
+          <p:nvPr>
+            <p:ph type="sldImg"/>
+          </p:nvPr>
+        </p:nvSpPr>
+        <p:spPr/>
+      </p:sp>
+      <p:sp>
+        <p:nvSpPr>
+          <p:cNvPr id="3" name="Notes Placeholder 2"/>
+          <p:cNvSpPr>
+            <a:spLocks noGrp="1"/>
+          </p:cNvSpPr>
+          <p:nvPr>
+            <p:ph type="body" idx="1"/>
+          </p:nvPr>
+        </p:nvSpPr>
+        <p:spPr/>
+        <p:txBody>
+          <a:bodyPr/>
+          <a:lstStyle/>
+          <a:p>
+            <a:r>
+              <a:rPr lang="en-US" dirty="0"/>
+              <a:t>Name: </a:t>
+            </a:r>
+            <a:r>
+              <a:rPr lang="en-US" sz="1200" b="0" i="0" kern="1200" dirty="0">
+                <a:solidFill>
+                  <a:schemeClr val="tx1"/>
+                </a:solidFill>
+                <a:effectLst/>
+                <a:latin typeface="+mn-lt"/>
+                <a:ea typeface="+mn-ea"/>
+                <a:cs typeface="+mn-cs"/>
+              </a:rPr>
+              <a:t>Convenient </a:t>
+            </a:r>
+            <a:r>
+              <a:rPr lang="en-US" sz="1200" b="0" i="0" kern="1200" dirty="0" err="1">
+                <a:solidFill>
+                  <a:schemeClr val="tx1"/>
+                </a:solidFill>
+                <a:effectLst/>
+                <a:latin typeface="+mn-lt"/>
+                <a:ea typeface="+mn-ea"/>
+                <a:cs typeface="+mn-cs"/>
+              </a:rPr>
+              <a:t>relatate</a:t>
+            </a:r>
+            <a:r>
+              <a:rPr lang="en-US" sz="1200" b="0" i="0" kern="1200" dirty="0">
+                <a:solidFill>
+                  <a:schemeClr val="tx1"/>
+                </a:solidFill>
+                <a:effectLst/>
+                <a:latin typeface="+mn-lt"/>
+                <a:ea typeface="+mn-ea"/>
+                <a:cs typeface="+mn-cs"/>
+              </a:rPr>
+              <a:t> </a:t>
+            </a:r>
+            <a:r>
+              <a:rPr lang="en-US" sz="1200" b="0" i="0" kern="1200" dirty="0" err="1">
+                <a:solidFill>
+                  <a:schemeClr val="tx1"/>
+                </a:solidFill>
+                <a:effectLst/>
+                <a:latin typeface="+mn-lt"/>
+                <a:ea typeface="+mn-ea"/>
+                <a:cs typeface="+mn-cs"/>
+              </a:rPr>
+              <a:t>strapi</a:t>
+            </a:r>
+            <a:r>
+              <a:rPr lang="en-US" sz="1200" b="0" i="0" kern="1200" dirty="0">
+                <a:solidFill>
+                  <a:schemeClr val="tx1"/>
+                </a:solidFill>
+                <a:effectLst/>
+                <a:latin typeface="+mn-lt"/>
+                <a:ea typeface="+mn-ea"/>
+                <a:cs typeface="+mn-cs"/>
+              </a:rPr>
+              <a:t> Restaurant</a:t>
+            </a:r>
+          </a:p>
+          <a:p>
+            <a:r>
+              <a:rPr lang="en-US" sz="1200" b="0" i="0" kern="1200" dirty="0">
+                <a:solidFill>
+                  <a:schemeClr val="tx1"/>
+                </a:solidFill>
+                <a:effectLst/>
+                <a:latin typeface="+mn-lt"/>
+                <a:ea typeface="+mn-ea"/>
+                <a:cs typeface="+mn-cs"/>
+              </a:rPr>
+              <a:t>Name: Time Saving</a:t>
+            </a:r>
+            <a:endParaRPr lang="en-US" dirty="0"/>
+          </a:p>
+        </p:txBody>
+      </p:sp>
+      <p:sp>
+        <p:nvSpPr>
+          <p:cNvPr id="4" name="Slide Number Placeholder 3"/>
+          <p:cNvSpPr>
+            <a:spLocks noGrp="1"/>
+          </p:cNvSpPr>
+          <p:nvPr>
+            <p:ph type="sldNum" sz="quarter" idx="5"/>
+          </p:nvPr>
+        </p:nvSpPr>
+        <p:spPr/>
+        <p:txBody>
+          <a:bodyPr/>
+          <a:lstStyle/>
+          <a:p>
+            <a:fld id="{3E5013BD-AA6A-4294-A235-51BF5A50BEB6}" type="slidenum">
+              <a:rPr lang="en-US" smtClean="0"/>
+              <a:t>17</a:t>
+            </a:fld>
+            <a:endParaRPr lang="en-US"/>
+          </a:p>
+        </p:txBody>
+      </p:sp>
+    </p:spTree>
+    <p:extLst>
+      <p:ext uri="{BB962C8B-B14F-4D97-AF65-F5344CB8AC3E}">
+        <p14:creationId xmlns:p14="http://schemas.microsoft.com/office/powerpoint/2010/main" val="3636314266"/>
+      </p:ext>
+    </p:extLst>
+  </p:cSld>
+  <p:clrMapOvr>
+    <a:masterClrMapping/>
+  </p:clrMapOvr>
+</p:notes>
+</file>
+
+<file path=ppt/notesSlides/notesSlide6.xml><?xml version="1.0" encoding="utf-8"?>
+<p:notes xmlns:a="http://schemas.openxmlformats.org/drawingml/2006/main" xmlns:r="http://schemas.openxmlformats.org/officeDocument/2006/relationships" xmlns:p="http://schemas.openxmlformats.org/presentationml/2006/main">
+  <p:cSld>
+    <p:spTree>
+      <p:nvGrpSpPr>
+        <p:cNvPr id="1" name=""/>
+        <p:cNvGrpSpPr/>
+        <p:nvPr/>
+      </p:nvGrpSpPr>
+      <p:grpSpPr>
+        <a:xfrm>
+          <a:off x="0" y="0"/>
+          <a:ext cx="0" cy="0"/>
+          <a:chOff x="0" y="0"/>
+          <a:chExt cx="0" cy="0"/>
+        </a:xfrm>
+      </p:grpSpPr>
+      <p:sp>
+        <p:nvSpPr>
+          <p:cNvPr id="2" name="Slide Image Placeholder 1"/>
+          <p:cNvSpPr>
+            <a:spLocks noGrp="1" noRot="1" noChangeAspect="1"/>
+          </p:cNvSpPr>
+          <p:nvPr>
+            <p:ph type="sldImg"/>
+          </p:nvPr>
+        </p:nvSpPr>
+        <p:spPr/>
+      </p:sp>
+      <p:sp>
+        <p:nvSpPr>
+          <p:cNvPr id="3" name="Notes Placeholder 2"/>
+          <p:cNvSpPr>
+            <a:spLocks noGrp="1"/>
+          </p:cNvSpPr>
+          <p:nvPr>
+            <p:ph type="body" idx="1"/>
+          </p:nvPr>
+        </p:nvSpPr>
+        <p:spPr/>
+        <p:txBody>
+          <a:bodyPr/>
+          <a:lstStyle/>
+          <a:p>
+            <a:r>
+              <a:rPr lang="en-US" dirty="0">
+                <a:hlinkClick r:id="rId3"/>
+              </a:rPr>
+              <a:t>http://localhost:1337/restaurants</a:t>
+            </a:r>
+            <a:endParaRPr lang="en-US" dirty="0"/>
+          </a:p>
+          <a:p>
+            <a:r>
+              <a:rPr lang="en-US" dirty="0">
+                <a:hlinkClick r:id="rId4"/>
+              </a:rPr>
+              <a:t>https://blog.strapi.io/building-a-static-website-using-gatsby-and-strapi/</a:t>
+            </a:r>
+            <a:endParaRPr lang="en-US" dirty="0"/>
+          </a:p>
+        </p:txBody>
+      </p:sp>
+      <p:sp>
+        <p:nvSpPr>
+          <p:cNvPr id="4" name="Slide Number Placeholder 3"/>
+          <p:cNvSpPr>
+            <a:spLocks noGrp="1"/>
+          </p:cNvSpPr>
+          <p:nvPr>
+            <p:ph type="sldNum" sz="quarter" idx="5"/>
+          </p:nvPr>
+        </p:nvSpPr>
+        <p:spPr/>
+        <p:txBody>
+          <a:bodyPr/>
+          <a:lstStyle/>
+          <a:p>
+            <a:fld id="{3E5013BD-AA6A-4294-A235-51BF5A50BEB6}" type="slidenum">
+              <a:rPr lang="en-US" smtClean="0"/>
+              <a:t>18</a:t>
+            </a:fld>
+            <a:endParaRPr lang="en-US"/>
+          </a:p>
+        </p:txBody>
+      </p:sp>
+    </p:spTree>
+    <p:extLst>
+      <p:ext uri="{BB962C8B-B14F-4D97-AF65-F5344CB8AC3E}">
+        <p14:creationId xmlns:p14="http://schemas.microsoft.com/office/powerpoint/2010/main" val="517264572"/>
+      </p:ext>
+    </p:extLst>
+  </p:cSld>
+  <p:clrMapOvr>
+    <a:masterClrMapping/>
+  </p:clrMapOvr>
+</p:notes>
+</file>
+
 <file path=ppt/slideLayouts/slideLayout1.xml><?xml version="1.0" encoding="utf-8"?>
 <p:sldLayout xmlns:a="http://schemas.openxmlformats.org/drawingml/2006/main" xmlns:r="http://schemas.openxmlformats.org/officeDocument/2006/relationships" xmlns:p="http://schemas.openxmlformats.org/presentationml/2006/main" type="title" preserve="1">
   <p:cSld name="Title Slide">
@@ -273,7 +1481,7 @@
           <a:p>
             <a:fld id="{F0081D98-6B2F-49A8-A8BE-49D33276DCBF}" type="datetimeFigureOut">
               <a:rPr lang="en-US" smtClean="0"/>
-              <a:t>7/15/2019</a:t>
+              <a:t>7/18/2019</a:t>
             </a:fld>
             <a:endParaRPr lang="en-US"/>
           </a:p>
@@ -471,7 +1679,7 @@
           <a:p>
             <a:fld id="{F0081D98-6B2F-49A8-A8BE-49D33276DCBF}" type="datetimeFigureOut">
               <a:rPr lang="en-US" smtClean="0"/>
-              <a:t>7/15/2019</a:t>
+              <a:t>7/18/2019</a:t>
             </a:fld>
             <a:endParaRPr lang="en-US"/>
           </a:p>
@@ -679,7 +1887,7 @@
           <a:p>
             <a:fld id="{F0081D98-6B2F-49A8-A8BE-49D33276DCBF}" type="datetimeFigureOut">
               <a:rPr lang="en-US" smtClean="0"/>
-              <a:t>7/15/2019</a:t>
+              <a:t>7/18/2019</a:t>
             </a:fld>
             <a:endParaRPr lang="en-US"/>
           </a:p>
@@ -877,7 +2085,7 @@
           <a:p>
             <a:fld id="{F0081D98-6B2F-49A8-A8BE-49D33276DCBF}" type="datetimeFigureOut">
               <a:rPr lang="en-US" smtClean="0"/>
-              <a:t>7/15/2019</a:t>
+              <a:t>7/18/2019</a:t>
             </a:fld>
             <a:endParaRPr lang="en-US"/>
           </a:p>
@@ -1152,7 +2360,7 @@
           <a:p>
             <a:fld id="{F0081D98-6B2F-49A8-A8BE-49D33276DCBF}" type="datetimeFigureOut">
               <a:rPr lang="en-US" smtClean="0"/>
-              <a:t>7/15/2019</a:t>
+              <a:t>7/18/2019</a:t>
             </a:fld>
             <a:endParaRPr lang="en-US"/>
           </a:p>
@@ -1417,7 +2625,7 @@
           <a:p>
             <a:fld id="{F0081D98-6B2F-49A8-A8BE-49D33276DCBF}" type="datetimeFigureOut">
               <a:rPr lang="en-US" smtClean="0"/>
-              <a:t>7/15/2019</a:t>
+              <a:t>7/18/2019</a:t>
             </a:fld>
             <a:endParaRPr lang="en-US"/>
           </a:p>
@@ -1829,7 +3037,7 @@
           <a:p>
             <a:fld id="{F0081D98-6B2F-49A8-A8BE-49D33276DCBF}" type="datetimeFigureOut">
               <a:rPr lang="en-US" smtClean="0"/>
-              <a:t>7/15/2019</a:t>
+              <a:t>7/18/2019</a:t>
             </a:fld>
             <a:endParaRPr lang="en-US"/>
           </a:p>
@@ -1970,7 +3178,7 @@
           <a:p>
             <a:fld id="{F0081D98-6B2F-49A8-A8BE-49D33276DCBF}" type="datetimeFigureOut">
               <a:rPr lang="en-US" smtClean="0"/>
-              <a:t>7/15/2019</a:t>
+              <a:t>7/18/2019</a:t>
             </a:fld>
             <a:endParaRPr lang="en-US"/>
           </a:p>
@@ -2083,7 +3291,7 @@
           <a:p>
             <a:fld id="{F0081D98-6B2F-49A8-A8BE-49D33276DCBF}" type="datetimeFigureOut">
               <a:rPr lang="en-US" smtClean="0"/>
-              <a:t>7/15/2019</a:t>
+              <a:t>7/18/2019</a:t>
             </a:fld>
             <a:endParaRPr lang="en-US"/>
           </a:p>
@@ -2394,7 +3602,7 @@
           <a:p>
             <a:fld id="{F0081D98-6B2F-49A8-A8BE-49D33276DCBF}" type="datetimeFigureOut">
               <a:rPr lang="en-US" smtClean="0"/>
-              <a:t>7/15/2019</a:t>
+              <a:t>7/18/2019</a:t>
             </a:fld>
             <a:endParaRPr lang="en-US"/>
           </a:p>
@@ -2682,7 +3890,7 @@
           <a:p>
             <a:fld id="{F0081D98-6B2F-49A8-A8BE-49D33276DCBF}" type="datetimeFigureOut">
               <a:rPr lang="en-US" smtClean="0"/>
-              <a:t>7/15/2019</a:t>
+              <a:t>7/18/2019</a:t>
             </a:fld>
             <a:endParaRPr lang="en-US"/>
           </a:p>
@@ -2923,7 +4131,7 @@
           <a:p>
             <a:fld id="{F0081D98-6B2F-49A8-A8BE-49D33276DCBF}" type="datetimeFigureOut">
               <a:rPr lang="en-US" smtClean="0"/>
-              <a:t>7/15/2019</a:t>
+              <a:t>7/18/2019</a:t>
             </a:fld>
             <a:endParaRPr lang="en-US"/>
           </a:p>
@@ -4351,7 +5559,7 @@
       <p:pic>
         <p:nvPicPr>
           <p:cNvPr id="5" name="Picture 4">
-            <a:hlinkClick r:id="rId2"/>
+            <a:hlinkClick r:id="rId3"/>
             <a:extLst>
               <a:ext uri="{FF2B5EF4-FFF2-40B4-BE49-F238E27FC236}">
                 <a16:creationId xmlns:a16="http://schemas.microsoft.com/office/drawing/2014/main" id="{97E0AF72-4A3A-466D-8884-BAA6597375DE}"/>
@@ -4364,7 +5572,7 @@
           <p:nvPr/>
         </p:nvPicPr>
         <p:blipFill>
-          <a:blip r:embed="rId3">
+          <a:blip r:embed="rId4">
             <a:extLst>
               <a:ext uri="{28A0092B-C50C-407E-A947-70E740481C1C}">
                 <a14:useLocalDpi xmlns:a14="http://schemas.microsoft.com/office/drawing/2010/main" val="0"/>
@@ -4400,7 +5608,7 @@
           <p:nvPr/>
         </p:nvPicPr>
         <p:blipFill rotWithShape="1">
-          <a:blip r:embed="rId4"/>
+          <a:blip r:embed="rId5"/>
           <a:srcRect l="35946" t="15135" r="20405" b="37105"/>
           <a:stretch/>
         </p:blipFill>
@@ -4447,7 +5655,7 @@
       <p:pic>
         <p:nvPicPr>
           <p:cNvPr id="5" name="Picture 4">
-            <a:hlinkClick r:id="rId2"/>
+            <a:hlinkClick r:id="rId3"/>
             <a:extLst>
               <a:ext uri="{FF2B5EF4-FFF2-40B4-BE49-F238E27FC236}">
                 <a16:creationId xmlns:a16="http://schemas.microsoft.com/office/drawing/2014/main" id="{97E0AF72-4A3A-466D-8884-BAA6597375DE}"/>
@@ -4460,7 +5668,7 @@
           <p:nvPr/>
         </p:nvPicPr>
         <p:blipFill>
-          <a:blip r:embed="rId3">
+          <a:blip r:embed="rId4">
             <a:extLst>
               <a:ext uri="{28A0092B-C50C-407E-A947-70E740481C1C}">
                 <a14:useLocalDpi xmlns:a14="http://schemas.microsoft.com/office/drawing/2010/main" val="0"/>
@@ -4483,10 +5691,10 @@
       </p:pic>
       <p:pic>
         <p:nvPicPr>
-          <p:cNvPr id="2" name="Picture 1">
-            <a:extLst>
-              <a:ext uri="{FF2B5EF4-FFF2-40B4-BE49-F238E27FC236}">
-                <a16:creationId xmlns:a16="http://schemas.microsoft.com/office/drawing/2014/main" id="{44FDB917-56A4-407D-9119-B4C6182BC38E}"/>
+          <p:cNvPr id="3" name="Picture 2">
+            <a:extLst>
+              <a:ext uri="{FF2B5EF4-FFF2-40B4-BE49-F238E27FC236}">
+                <a16:creationId xmlns:a16="http://schemas.microsoft.com/office/drawing/2014/main" id="{B46F38F1-86D6-4685-889F-AF2ED74AF2A8}"/>
               </a:ext>
             </a:extLst>
           </p:cNvPr>
@@ -4496,14 +5704,14 @@
           <p:nvPr/>
         </p:nvPicPr>
         <p:blipFill rotWithShape="1">
-          <a:blip r:embed="rId4"/>
-          <a:srcRect l="35406" t="14655" r="17297" b="16741"/>
+          <a:blip r:embed="rId5"/>
+          <a:srcRect l="34929" t="14950" r="28214" b="40444"/>
           <a:stretch/>
         </p:blipFill>
         <p:spPr>
           <a:xfrm>
-            <a:off x="2133598" y="1761807"/>
-            <a:ext cx="6079525" cy="4960269"/>
+            <a:off x="2046514" y="1739859"/>
+            <a:ext cx="7307190" cy="4974450"/>
           </a:xfrm>
           <a:prstGeom prst="rect">
             <a:avLst/>
@@ -4543,7 +5751,7 @@
       <p:pic>
         <p:nvPicPr>
           <p:cNvPr id="5" name="Picture 4">
-            <a:hlinkClick r:id="rId2"/>
+            <a:hlinkClick r:id="rId3"/>
             <a:extLst>
               <a:ext uri="{FF2B5EF4-FFF2-40B4-BE49-F238E27FC236}">
                 <a16:creationId xmlns:a16="http://schemas.microsoft.com/office/drawing/2014/main" id="{97E0AF72-4A3A-466D-8884-BAA6597375DE}"/>
@@ -4556,7 +5764,199 @@
           <p:nvPr/>
         </p:nvPicPr>
         <p:blipFill>
-          <a:blip r:embed="rId3">
+          <a:blip r:embed="rId4">
+            <a:extLst>
+              <a:ext uri="{28A0092B-C50C-407E-A947-70E740481C1C}">
+                <a14:useLocalDpi xmlns:a14="http://schemas.microsoft.com/office/drawing/2010/main" val="0"/>
+              </a:ext>
+            </a:extLst>
+          </a:blip>
+          <a:stretch>
+            <a:fillRect/>
+          </a:stretch>
+        </p:blipFill>
+        <p:spPr>
+          <a:xfrm>
+            <a:off x="838200" y="500339"/>
+            <a:ext cx="4038600" cy="1117600"/>
+          </a:xfrm>
+          <a:prstGeom prst="rect">
+            <a:avLst/>
+          </a:prstGeom>
+        </p:spPr>
+      </p:pic>
+      <p:pic>
+        <p:nvPicPr>
+          <p:cNvPr id="2" name="Picture 1">
+            <a:extLst>
+              <a:ext uri="{FF2B5EF4-FFF2-40B4-BE49-F238E27FC236}">
+                <a16:creationId xmlns:a16="http://schemas.microsoft.com/office/drawing/2014/main" id="{89407149-7B82-4ACA-8132-55E50330E7B2}"/>
+              </a:ext>
+            </a:extLst>
+          </p:cNvPr>
+          <p:cNvPicPr>
+            <a:picLocks noChangeAspect="1"/>
+          </p:cNvPicPr>
+          <p:nvPr/>
+        </p:nvPicPr>
+        <p:blipFill rotWithShape="1">
+          <a:blip r:embed="rId5"/>
+          <a:srcRect l="35215" t="14815" r="22357" b="40190"/>
+          <a:stretch/>
+        </p:blipFill>
+        <p:spPr>
+          <a:xfrm>
+            <a:off x="2114847" y="1808480"/>
+            <a:ext cx="8136476" cy="4853577"/>
+          </a:xfrm>
+          <a:prstGeom prst="rect">
+            <a:avLst/>
+          </a:prstGeom>
+        </p:spPr>
+      </p:pic>
+    </p:spTree>
+    <p:extLst>
+      <p:ext uri="{BB962C8B-B14F-4D97-AF65-F5344CB8AC3E}">
+        <p14:creationId xmlns:p14="http://schemas.microsoft.com/office/powerpoint/2010/main" val="2106715312"/>
+      </p:ext>
+    </p:extLst>
+  </p:cSld>
+  <p:clrMapOvr>
+    <a:masterClrMapping/>
+  </p:clrMapOvr>
+</p:sld>
+</file>
+
+<file path=ppt/slides/slide16.xml><?xml version="1.0" encoding="utf-8"?>
+<p:sld xmlns:a="http://schemas.openxmlformats.org/drawingml/2006/main" xmlns:r="http://schemas.openxmlformats.org/officeDocument/2006/relationships" xmlns:p="http://schemas.openxmlformats.org/presentationml/2006/main">
+  <p:cSld>
+    <p:spTree>
+      <p:nvGrpSpPr>
+        <p:cNvPr id="1" name=""/>
+        <p:cNvGrpSpPr/>
+        <p:nvPr/>
+      </p:nvGrpSpPr>
+      <p:grpSpPr>
+        <a:xfrm>
+          <a:off x="0" y="0"/>
+          <a:ext cx="0" cy="0"/>
+          <a:chOff x="0" y="0"/>
+          <a:chExt cx="0" cy="0"/>
+        </a:xfrm>
+      </p:grpSpPr>
+      <p:pic>
+        <p:nvPicPr>
+          <p:cNvPr id="5" name="Picture 4">
+            <a:hlinkClick r:id="rId3"/>
+            <a:extLst>
+              <a:ext uri="{FF2B5EF4-FFF2-40B4-BE49-F238E27FC236}">
+                <a16:creationId xmlns:a16="http://schemas.microsoft.com/office/drawing/2014/main" id="{97E0AF72-4A3A-466D-8884-BAA6597375DE}"/>
+              </a:ext>
+            </a:extLst>
+          </p:cNvPr>
+          <p:cNvPicPr>
+            <a:picLocks noChangeAspect="1"/>
+          </p:cNvPicPr>
+          <p:nvPr/>
+        </p:nvPicPr>
+        <p:blipFill>
+          <a:blip r:embed="rId4">
+            <a:extLst>
+              <a:ext uri="{28A0092B-C50C-407E-A947-70E740481C1C}">
+                <a14:useLocalDpi xmlns:a14="http://schemas.microsoft.com/office/drawing/2010/main" val="0"/>
+              </a:ext>
+            </a:extLst>
+          </a:blip>
+          <a:stretch>
+            <a:fillRect/>
+          </a:stretch>
+        </p:blipFill>
+        <p:spPr>
+          <a:xfrm>
+            <a:off x="838200" y="500339"/>
+            <a:ext cx="4038600" cy="1117600"/>
+          </a:xfrm>
+          <a:prstGeom prst="rect">
+            <a:avLst/>
+          </a:prstGeom>
+        </p:spPr>
+      </p:pic>
+      <p:pic>
+        <p:nvPicPr>
+          <p:cNvPr id="2" name="Picture 1">
+            <a:extLst>
+              <a:ext uri="{FF2B5EF4-FFF2-40B4-BE49-F238E27FC236}">
+                <a16:creationId xmlns:a16="http://schemas.microsoft.com/office/drawing/2014/main" id="{378EC810-83B3-485C-AB19-F11605D4DBA7}"/>
+              </a:ext>
+            </a:extLst>
+          </p:cNvPr>
+          <p:cNvPicPr>
+            <a:picLocks noChangeAspect="1"/>
+          </p:cNvPicPr>
+          <p:nvPr/>
+        </p:nvPicPr>
+        <p:blipFill rotWithShape="1">
+          <a:blip r:embed="rId5"/>
+          <a:srcRect l="35571" t="15623" r="19358" b="58095"/>
+          <a:stretch/>
+        </p:blipFill>
+        <p:spPr>
+          <a:xfrm>
+            <a:off x="1861629" y="2040114"/>
+            <a:ext cx="8468742" cy="2777771"/>
+          </a:xfrm>
+          <a:prstGeom prst="rect">
+            <a:avLst/>
+          </a:prstGeom>
+        </p:spPr>
+      </p:pic>
+    </p:spTree>
+    <p:extLst>
+      <p:ext uri="{BB962C8B-B14F-4D97-AF65-F5344CB8AC3E}">
+        <p14:creationId xmlns:p14="http://schemas.microsoft.com/office/powerpoint/2010/main" val="2124699736"/>
+      </p:ext>
+    </p:extLst>
+  </p:cSld>
+  <p:clrMapOvr>
+    <a:masterClrMapping/>
+  </p:clrMapOvr>
+</p:sld>
+</file>
+
+<file path=ppt/slides/slide17.xml><?xml version="1.0" encoding="utf-8"?>
+<p:sld xmlns:a="http://schemas.openxmlformats.org/drawingml/2006/main" xmlns:r="http://schemas.openxmlformats.org/officeDocument/2006/relationships" xmlns:p="http://schemas.openxmlformats.org/presentationml/2006/main">
+  <p:cSld>
+    <p:spTree>
+      <p:nvGrpSpPr>
+        <p:cNvPr id="1" name=""/>
+        <p:cNvGrpSpPr/>
+        <p:nvPr/>
+      </p:nvGrpSpPr>
+      <p:grpSpPr>
+        <a:xfrm>
+          <a:off x="0" y="0"/>
+          <a:ext cx="0" cy="0"/>
+          <a:chOff x="0" y="0"/>
+          <a:chExt cx="0" cy="0"/>
+        </a:xfrm>
+      </p:grpSpPr>
+      <p:pic>
+        <p:nvPicPr>
+          <p:cNvPr id="5" name="Picture 4">
+            <a:hlinkClick r:id="rId3"/>
+            <a:extLst>
+              <a:ext uri="{FF2B5EF4-FFF2-40B4-BE49-F238E27FC236}">
+                <a16:creationId xmlns:a16="http://schemas.microsoft.com/office/drawing/2014/main" id="{97E0AF72-4A3A-466D-8884-BAA6597375DE}"/>
+              </a:ext>
+            </a:extLst>
+          </p:cNvPr>
+          <p:cNvPicPr>
+            <a:picLocks noChangeAspect="1"/>
+          </p:cNvPicPr>
+          <p:nvPr/>
+        </p:nvPicPr>
+        <p:blipFill>
+          <a:blip r:embed="rId4">
             <a:extLst>
               <a:ext uri="{28A0092B-C50C-407E-A947-70E740481C1C}">
                 <a14:useLocalDpi xmlns:a14="http://schemas.microsoft.com/office/drawing/2010/main" val="0"/>
@@ -4582,7 +5982,7 @@
           <p:cNvPr id="3" name="Picture 2">
             <a:extLst>
               <a:ext uri="{FF2B5EF4-FFF2-40B4-BE49-F238E27FC236}">
-                <a16:creationId xmlns:a16="http://schemas.microsoft.com/office/drawing/2014/main" id="{3559434E-6199-492C-8E8B-1648639D770D}"/>
+                <a16:creationId xmlns:a16="http://schemas.microsoft.com/office/drawing/2014/main" id="{6D94C18D-84C0-4738-9ED0-A8FA600C3C5E}"/>
               </a:ext>
             </a:extLst>
           </p:cNvPr>
@@ -4592,14 +5992,14 @@
           <p:nvPr/>
         </p:nvPicPr>
         <p:blipFill rotWithShape="1">
-          <a:blip r:embed="rId4"/>
-          <a:srcRect l="35540" t="16096" r="20068" b="23502"/>
+          <a:blip r:embed="rId5"/>
+          <a:srcRect l="35429" t="14985" r="19714" b="29561"/>
           <a:stretch/>
         </p:blipFill>
         <p:spPr>
           <a:xfrm>
-            <a:off x="2430162" y="1754660"/>
-            <a:ext cx="6384323" cy="4886373"/>
+            <a:off x="2344782" y="1741713"/>
+            <a:ext cx="7502435" cy="4995988"/>
           </a:xfrm>
           <a:prstGeom prst="rect">
             <a:avLst/>
@@ -4609,7 +6009,179 @@
     </p:spTree>
     <p:extLst>
       <p:ext uri="{BB962C8B-B14F-4D97-AF65-F5344CB8AC3E}">
-        <p14:creationId xmlns:p14="http://schemas.microsoft.com/office/powerpoint/2010/main" val="2124699736"/>
+        <p14:creationId xmlns:p14="http://schemas.microsoft.com/office/powerpoint/2010/main" val="1548879692"/>
+      </p:ext>
+    </p:extLst>
+  </p:cSld>
+  <p:clrMapOvr>
+    <a:masterClrMapping/>
+  </p:clrMapOvr>
+</p:sld>
+</file>
+
+<file path=ppt/slides/slide18.xml><?xml version="1.0" encoding="utf-8"?>
+<p:sld xmlns:a="http://schemas.openxmlformats.org/drawingml/2006/main" xmlns:r="http://schemas.openxmlformats.org/officeDocument/2006/relationships" xmlns:p="http://schemas.openxmlformats.org/presentationml/2006/main">
+  <p:cSld>
+    <p:spTree>
+      <p:nvGrpSpPr>
+        <p:cNvPr id="1" name=""/>
+        <p:cNvGrpSpPr/>
+        <p:nvPr/>
+      </p:nvGrpSpPr>
+      <p:grpSpPr>
+        <a:xfrm>
+          <a:off x="0" y="0"/>
+          <a:ext cx="0" cy="0"/>
+          <a:chOff x="0" y="0"/>
+          <a:chExt cx="0" cy="0"/>
+        </a:xfrm>
+      </p:grpSpPr>
+      <p:pic>
+        <p:nvPicPr>
+          <p:cNvPr id="5" name="Picture 4">
+            <a:hlinkClick r:id="rId3"/>
+            <a:extLst>
+              <a:ext uri="{FF2B5EF4-FFF2-40B4-BE49-F238E27FC236}">
+                <a16:creationId xmlns:a16="http://schemas.microsoft.com/office/drawing/2014/main" id="{97E0AF72-4A3A-466D-8884-BAA6597375DE}"/>
+              </a:ext>
+            </a:extLst>
+          </p:cNvPr>
+          <p:cNvPicPr>
+            <a:picLocks noChangeAspect="1"/>
+          </p:cNvPicPr>
+          <p:nvPr/>
+        </p:nvPicPr>
+        <p:blipFill>
+          <a:blip r:embed="rId4">
+            <a:extLst>
+              <a:ext uri="{28A0092B-C50C-407E-A947-70E740481C1C}">
+                <a14:useLocalDpi xmlns:a14="http://schemas.microsoft.com/office/drawing/2010/main" val="0"/>
+              </a:ext>
+            </a:extLst>
+          </a:blip>
+          <a:stretch>
+            <a:fillRect/>
+          </a:stretch>
+        </p:blipFill>
+        <p:spPr>
+          <a:xfrm>
+            <a:off x="838200" y="500339"/>
+            <a:ext cx="4038600" cy="1117600"/>
+          </a:xfrm>
+          <a:prstGeom prst="rect">
+            <a:avLst/>
+          </a:prstGeom>
+        </p:spPr>
+      </p:pic>
+      <p:pic>
+        <p:nvPicPr>
+          <p:cNvPr id="2" name="Picture 1">
+            <a:extLst>
+              <a:ext uri="{FF2B5EF4-FFF2-40B4-BE49-F238E27FC236}">
+                <a16:creationId xmlns:a16="http://schemas.microsoft.com/office/drawing/2014/main" id="{39EEB570-3E82-4833-AEB9-E63660C4850D}"/>
+              </a:ext>
+            </a:extLst>
+          </p:cNvPr>
+          <p:cNvPicPr>
+            <a:picLocks noChangeAspect="1"/>
+          </p:cNvPicPr>
+          <p:nvPr/>
+        </p:nvPicPr>
+        <p:blipFill rotWithShape="1">
+          <a:blip r:embed="rId5"/>
+          <a:srcRect l="35152" t="15112" r="20000" b="26222"/>
+          <a:stretch/>
+        </p:blipFill>
+        <p:spPr>
+          <a:xfrm>
+            <a:off x="2582091" y="1617939"/>
+            <a:ext cx="7027818" cy="5171143"/>
+          </a:xfrm>
+          <a:prstGeom prst="rect">
+            <a:avLst/>
+          </a:prstGeom>
+        </p:spPr>
+      </p:pic>
+    </p:spTree>
+    <p:extLst>
+      <p:ext uri="{BB962C8B-B14F-4D97-AF65-F5344CB8AC3E}">
+        <p14:creationId xmlns:p14="http://schemas.microsoft.com/office/powerpoint/2010/main" val="2220398299"/>
+      </p:ext>
+    </p:extLst>
+  </p:cSld>
+  <p:clrMapOvr>
+    <a:masterClrMapping/>
+  </p:clrMapOvr>
+</p:sld>
+</file>
+
+<file path=ppt/slides/slide19.xml><?xml version="1.0" encoding="utf-8"?>
+<p:sld xmlns:a="http://schemas.openxmlformats.org/drawingml/2006/main" xmlns:r="http://schemas.openxmlformats.org/officeDocument/2006/relationships" xmlns:p="http://schemas.openxmlformats.org/presentationml/2006/main">
+  <p:cSld>
+    <p:bg>
+      <p:bgPr>
+        <a:solidFill>
+          <a:schemeClr val="bg1"/>
+        </a:solidFill>
+        <a:effectLst/>
+      </p:bgPr>
+    </p:bg>
+    <p:spTree>
+      <p:nvGrpSpPr>
+        <p:cNvPr id="1" name=""/>
+        <p:cNvGrpSpPr/>
+        <p:nvPr/>
+      </p:nvGrpSpPr>
+      <p:grpSpPr>
+        <a:xfrm>
+          <a:off x="0" y="0"/>
+          <a:ext cx="0" cy="0"/>
+          <a:chOff x="0" y="0"/>
+          <a:chExt cx="0" cy="0"/>
+        </a:xfrm>
+      </p:grpSpPr>
+      <p:pic>
+        <p:nvPicPr>
+          <p:cNvPr id="5" name="Content Placeholder 4">
+            <a:extLst>
+              <a:ext uri="{FF2B5EF4-FFF2-40B4-BE49-F238E27FC236}">
+                <a16:creationId xmlns:a16="http://schemas.microsoft.com/office/drawing/2014/main" id="{133785F3-64B4-48B8-8477-75E667C912FF}"/>
+              </a:ext>
+            </a:extLst>
+          </p:cNvPr>
+          <p:cNvPicPr>
+            <a:picLocks noGrp="1" noChangeAspect="1"/>
+          </p:cNvPicPr>
+          <p:nvPr>
+            <p:ph idx="1"/>
+          </p:nvPr>
+        </p:nvPicPr>
+        <p:blipFill>
+          <a:blip r:embed="rId2">
+            <a:extLst>
+              <a:ext uri="{28A0092B-C50C-407E-A947-70E740481C1C}">
+                <a14:useLocalDpi xmlns:a14="http://schemas.microsoft.com/office/drawing/2010/main" val="0"/>
+              </a:ext>
+            </a:extLst>
+          </a:blip>
+          <a:stretch>
+            <a:fillRect/>
+          </a:stretch>
+        </p:blipFill>
+        <p:spPr>
+          <a:xfrm>
+            <a:off x="3310466" y="643466"/>
+            <a:ext cx="5571067" cy="5571067"/>
+          </a:xfrm>
+          <a:prstGeom prst="rect">
+            <a:avLst/>
+          </a:prstGeom>
+        </p:spPr>
+      </p:pic>
+    </p:spTree>
+    <p:extLst>
+      <p:ext uri="{BB962C8B-B14F-4D97-AF65-F5344CB8AC3E}">
+        <p14:creationId xmlns:p14="http://schemas.microsoft.com/office/powerpoint/2010/main" val="2081678130"/>
       </p:ext>
     </p:extLst>
   </p:cSld>
@@ -4792,10 +6364,10 @@
       </p:grpSpPr>
       <p:sp>
         <p:nvSpPr>
-          <p:cNvPr id="19" name="Rectangle 14">
-            <a:extLst>
-              <a:ext uri="{FF2B5EF4-FFF2-40B4-BE49-F238E27FC236}">
-                <a16:creationId xmlns:a16="http://schemas.microsoft.com/office/drawing/2014/main" id="{6753252F-4873-4F63-801D-CC719279A7D5}"/>
+          <p:cNvPr id="10" name="Rectangle 9">
+            <a:extLst>
+              <a:ext uri="{FF2B5EF4-FFF2-40B4-BE49-F238E27FC236}">
+                <a16:creationId xmlns:a16="http://schemas.microsoft.com/office/drawing/2014/main" id="{32BC26D8-82FB-445E-AA49-62A77D7C1EE0}"/>
               </a:ext>
               <a:ext uri="{C183D7F6-B498-43B3-948B-1728B52AA6E4}">
                 <adec:decorative xmlns:adec="http://schemas.microsoft.com/office/drawing/2017/decorative" val="1"/>
@@ -4817,6 +6389,69 @@
           <a:xfrm>
             <a:off x="0" y="0"/>
             <a:ext cx="12192000" cy="6858000"/>
+          </a:xfrm>
+          <a:prstGeom prst="rect">
+            <a:avLst/>
+          </a:prstGeom>
+          <a:solidFill>
+            <a:srgbClr val="385355"/>
+          </a:solidFill>
+          <a:ln>
+            <a:noFill/>
+          </a:ln>
+        </p:spPr>
+        <p:style>
+          <a:lnRef idx="2">
+            <a:schemeClr val="accent1">
+              <a:shade val="50000"/>
+            </a:schemeClr>
+          </a:lnRef>
+          <a:fillRef idx="1">
+            <a:schemeClr val="accent1"/>
+          </a:fillRef>
+          <a:effectRef idx="0">
+            <a:schemeClr val="accent1"/>
+          </a:effectRef>
+          <a:fontRef idx="minor">
+            <a:schemeClr val="lt1"/>
+          </a:fontRef>
+        </p:style>
+        <p:txBody>
+          <a:bodyPr rtlCol="0" anchor="ctr"/>
+          <a:lstStyle/>
+          <a:p>
+            <a:pPr algn="ctr"/>
+            <a:endParaRPr lang="en-US"/>
+          </a:p>
+        </p:txBody>
+      </p:sp>
+      <p:sp>
+        <p:nvSpPr>
+          <p:cNvPr id="12" name="Rectangle 11">
+            <a:extLst>
+              <a:ext uri="{FF2B5EF4-FFF2-40B4-BE49-F238E27FC236}">
+                <a16:creationId xmlns:a16="http://schemas.microsoft.com/office/drawing/2014/main" id="{CB44330D-EA18-4254-AA95-EB49948539B8}"/>
+              </a:ext>
+              <a:ext uri="{C183D7F6-B498-43B3-948B-1728B52AA6E4}">
+                <adec:decorative xmlns:adec="http://schemas.microsoft.com/office/drawing/2017/decorative" val="1"/>
+              </a:ext>
+            </a:extLst>
+          </p:cNvPr>
+          <p:cNvSpPr>
+            <a:spLocks noGrp="1" noRot="1" noChangeAspect="1" noMove="1" noResize="1" noEditPoints="1" noAdjustHandles="1" noChangeArrowheads="1" noChangeShapeType="1" noTextEdit="1"/>
+          </p:cNvSpPr>
+          <p:nvPr>
+            <p:extLst>
+              <p:ext uri="{386F3935-93C4-4BCD-93E2-E3B085C9AB24}">
+                <p16:designElem xmlns:p16="http://schemas.microsoft.com/office/powerpoint/2015/main" val="1"/>
+              </p:ext>
+            </p:extLst>
+          </p:nvPr>
+        </p:nvSpPr>
+        <p:spPr>
+          <a:xfrm>
+            <a:off x="477012" y="480060"/>
+            <a:ext cx="11237976" cy="5897880"/>
           </a:xfrm>
           <a:prstGeom prst="rect">
             <a:avLst/>
@@ -4853,146 +6488,39 @@
           </a:p>
         </p:txBody>
       </p:sp>
-      <p:sp>
-        <p:nvSpPr>
-          <p:cNvPr id="20" name="Rectangle 16">
-            <a:extLst>
-              <a:ext uri="{FF2B5EF4-FFF2-40B4-BE49-F238E27FC236}">
-                <a16:creationId xmlns:a16="http://schemas.microsoft.com/office/drawing/2014/main" id="{047C8CCB-F95D-4249-92DD-651249D3535A}"/>
-              </a:ext>
-              <a:ext uri="{C183D7F6-B498-43B3-948B-1728B52AA6E4}">
-                <adec:decorative xmlns:adec="http://schemas.microsoft.com/office/drawing/2017/decorative" val="1"/>
-              </a:ext>
-            </a:extLst>
-          </p:cNvPr>
-          <p:cNvSpPr>
-            <a:spLocks noGrp="1" noRot="1" noChangeAspect="1" noMove="1" noResize="1" noEditPoints="1" noAdjustHandles="1" noChangeArrowheads="1" noChangeShapeType="1" noTextEdit="1"/>
-          </p:cNvSpPr>
-          <p:nvPr>
-            <p:extLst>
-              <p:ext uri="{386F3935-93C4-4BCD-93E2-E3B085C9AB24}">
-                <p16:designElem xmlns:p16="http://schemas.microsoft.com/office/powerpoint/2015/main" val="1"/>
-              </p:ext>
-            </p:extLst>
-          </p:nvPr>
-        </p:nvSpPr>
-        <p:spPr>
-          <a:xfrm>
-            <a:off x="0" y="0"/>
-            <a:ext cx="2013557" cy="6858000"/>
-          </a:xfrm>
-          <a:prstGeom prst="rect">
-            <a:avLst/>
-          </a:prstGeom>
-          <a:solidFill>
-            <a:srgbClr val="5A4E3A"/>
-          </a:solidFill>
-          <a:ln>
-            <a:noFill/>
-          </a:ln>
-        </p:spPr>
-        <p:style>
-          <a:lnRef idx="2">
-            <a:schemeClr val="accent1">
-              <a:shade val="50000"/>
-            </a:schemeClr>
-          </a:lnRef>
-          <a:fillRef idx="1">
-            <a:schemeClr val="accent1"/>
-          </a:fillRef>
-          <a:effectRef idx="0">
-            <a:schemeClr val="accent1"/>
-          </a:effectRef>
-          <a:fontRef idx="minor">
-            <a:schemeClr val="lt1"/>
-          </a:fontRef>
-        </p:style>
-        <p:txBody>
-          <a:bodyPr rtlCol="0" anchor="ctr"/>
-          <a:lstStyle/>
-          <a:p>
-            <a:pPr algn="ctr"/>
-            <a:endParaRPr lang="en-US"/>
-          </a:p>
-        </p:txBody>
-      </p:sp>
-      <p:sp>
-        <p:nvSpPr>
-          <p:cNvPr id="2" name="Title 1">
-            <a:extLst>
-              <a:ext uri="{FF2B5EF4-FFF2-40B4-BE49-F238E27FC236}">
-                <a16:creationId xmlns:a16="http://schemas.microsoft.com/office/drawing/2014/main" id="{8B8DA69E-A68F-4521-9CBE-720CC22B38CD}"/>
-              </a:ext>
-            </a:extLst>
-          </p:cNvPr>
-          <p:cNvSpPr>
-            <a:spLocks noGrp="1"/>
-          </p:cNvSpPr>
-          <p:nvPr>
-            <p:ph type="title"/>
-          </p:nvPr>
-        </p:nvSpPr>
-        <p:spPr>
-          <a:xfrm>
-            <a:off x="640080" y="2074363"/>
-            <a:ext cx="2752354" cy="2709275"/>
-          </a:xfrm>
-          <a:prstGeom prst="ellipse">
-            <a:avLst/>
-          </a:prstGeom>
-          <a:solidFill>
-            <a:srgbClr val="262626"/>
-          </a:solidFill>
-          <a:ln w="174625" cmpd="thinThick">
-            <a:solidFill>
-              <a:srgbClr val="262626"/>
-            </a:solidFill>
-          </a:ln>
-        </p:spPr>
-        <p:txBody>
-          <a:bodyPr vert="horz" lIns="91440" tIns="45720" rIns="91440" bIns="45720" rtlCol="0" anchor="ctr">
-            <a:normAutofit/>
-          </a:bodyPr>
-          <a:lstStyle/>
-          <a:p>
-            <a:pPr algn="ctr"/>
-            <a:r>
-              <a:rPr lang="en-US" sz="2600" kern="1200">
-                <a:solidFill>
-                  <a:srgbClr val="FFFFFF"/>
-                </a:solidFill>
-                <a:latin typeface="+mj-lt"/>
-                <a:ea typeface="+mj-ea"/>
-                <a:cs typeface="+mj-cs"/>
-              </a:rPr>
-              <a:t>#Anatomy of a CMS</a:t>
-            </a:r>
-          </a:p>
-        </p:txBody>
-      </p:sp>
       <p:pic>
         <p:nvPicPr>
-          <p:cNvPr id="5" name="Picture 4">
-            <a:extLst>
-              <a:ext uri="{FF2B5EF4-FFF2-40B4-BE49-F238E27FC236}">
-                <a16:creationId xmlns:a16="http://schemas.microsoft.com/office/drawing/2014/main" id="{C8CFD1C6-ED0E-4B43-9693-76F02CAD18EB}"/>
+          <p:cNvPr id="5" name="Content Placeholder 4">
+            <a:hlinkClick r:id="rId2"/>
+            <a:extLst>
+              <a:ext uri="{FF2B5EF4-FFF2-40B4-BE49-F238E27FC236}">
+                <a16:creationId xmlns:a16="http://schemas.microsoft.com/office/drawing/2014/main" id="{A0F769B6-DA4E-4A0E-8F98-1B26BD471183}"/>
               </a:ext>
             </a:extLst>
           </p:cNvPr>
           <p:cNvPicPr>
-            <a:picLocks noChangeAspect="1"/>
+            <a:picLocks noGrp="1" noChangeAspect="1"/>
           </p:cNvPicPr>
-          <p:nvPr/>
+          <p:nvPr>
+            <p:ph idx="1"/>
+          </p:nvPr>
         </p:nvPicPr>
-        <p:blipFill rotWithShape="1">
-          <a:blip r:embed="rId2"/>
-          <a:srcRect l="1194" t="2741" r="1194" b="1531"/>
-          <a:stretch/>
+        <p:blipFill>
+          <a:blip r:embed="rId3">
+            <a:extLst>
+              <a:ext uri="{28A0092B-C50C-407E-A947-70E740481C1C}">
+                <a14:useLocalDpi xmlns:a14="http://schemas.microsoft.com/office/drawing/2010/main" val="0"/>
+              </a:ext>
+            </a:extLst>
+          </a:blip>
+          <a:stretch>
+            <a:fillRect/>
+          </a:stretch>
         </p:blipFill>
         <p:spPr>
           <a:xfrm>
-            <a:off x="4038600" y="1109796"/>
-            <a:ext cx="7188199" cy="4635019"/>
+            <a:off x="643467" y="879940"/>
+            <a:ext cx="10905066" cy="5098119"/>
           </a:xfrm>
           <a:prstGeom prst="rect">
             <a:avLst/>
@@ -5002,7 +6530,7 @@
     </p:spTree>
     <p:extLst>
       <p:ext uri="{BB962C8B-B14F-4D97-AF65-F5344CB8AC3E}">
-        <p14:creationId xmlns:p14="http://schemas.microsoft.com/office/powerpoint/2010/main" val="1581508405"/>
+        <p14:creationId xmlns:p14="http://schemas.microsoft.com/office/powerpoint/2010/main" val="4124380801"/>
       </p:ext>
     </p:extLst>
   </p:cSld>
@@ -5236,7 +6764,7 @@
           <a:lstStyle/>
           <a:p>
             <a:r>
-              <a:rPr lang="en-US" sz="2000">
+              <a:rPr lang="en-US" sz="2000" dirty="0">
                 <a:solidFill>
                   <a:srgbClr val="000000"/>
                 </a:solidFill>
@@ -5245,7 +6773,7 @@
             </a:r>
           </a:p>
           <a:p>
-            <a:endParaRPr lang="en-US" sz="2000">
+            <a:endParaRPr lang="en-US" sz="2000" dirty="0">
               <a:solidFill>
                 <a:srgbClr val="000000"/>
               </a:solidFill>
@@ -5253,12 +6781,28 @@
           </a:p>
           <a:p>
             <a:r>
-              <a:rPr lang="en-US" sz="2000">
+              <a:rPr lang="en-US" sz="2000" dirty="0">
                 <a:solidFill>
                   <a:srgbClr val="000000"/>
                 </a:solidFill>
               </a:rPr>
-              <a:t>As opposed to a traditional CMS, headless CMSes intentionally “chop off the head” thereby decoupling the front end from the back end. It therefore has no default frontend system and completely relinquishes the decision of presenting content to the developer.</a:t>
+              <a:t>As opposed to a traditional CMS, headless </a:t>
+            </a:r>
+            <a:r>
+              <a:rPr lang="en-US" sz="2000" dirty="0" err="1">
+                <a:solidFill>
+                  <a:srgbClr val="000000"/>
+                </a:solidFill>
+              </a:rPr>
+              <a:t>CMSes</a:t>
+            </a:r>
+            <a:r>
+              <a:rPr lang="en-US" sz="2000" dirty="0">
+                <a:solidFill>
+                  <a:srgbClr val="000000"/>
+                </a:solidFill>
+              </a:rPr>
+              <a:t> intentionally “chop off the head” thereby decoupling the front end from the back end. It therefore has no default frontend system and completely relinquishes the decision of presenting content to the developer.</a:t>
             </a:r>
           </a:p>
         </p:txBody>
@@ -5696,13 +7240,13 @@
           <a:lstStyle/>
           <a:p>
             <a:r>
-              <a:rPr lang="en-US" sz="1700"/>
+              <a:rPr lang="en-US" sz="1700" dirty="0"/>
               <a:t>A content management system (CMS) is a software application or set of related programs that are used to create and manage digital content</a:t>
             </a:r>
           </a:p>
           <a:p>
             <a:r>
-              <a:rPr lang="en-US" sz="1700"/>
+              <a:rPr lang="en-US" sz="1700" dirty="0"/>
               <a:t>content management systems have two components: </a:t>
             </a:r>
           </a:p>
@@ -5711,34 +7255,34 @@
               <a:buNone/>
             </a:pPr>
             <a:r>
-              <a:rPr lang="en-US" sz="1700"/>
+              <a:rPr lang="en-US" sz="1700" dirty="0"/>
               <a:t>a content management application (CMA) and a content delivery application (CDA). </a:t>
             </a:r>
             <a:br>
-              <a:rPr lang="en-US" sz="1700"/>
+              <a:rPr lang="en-US" sz="1700" dirty="0"/>
             </a:br>
-            <a:endParaRPr lang="en-US" sz="1700"/>
+            <a:endParaRPr lang="en-US" sz="1700" dirty="0"/>
           </a:p>
           <a:p>
             <a:pPr lvl="1"/>
             <a:r>
-              <a:rPr lang="en-US" sz="1700"/>
+              <a:rPr lang="en-US" sz="1700" dirty="0"/>
               <a:t>The CMA is a graphical user interface (GUI) that allows the user to control the creation, modification and removal of content from a website without needing to know anything about HTML.  </a:t>
             </a:r>
             <a:br>
-              <a:rPr lang="en-US" sz="1700"/>
+              <a:rPr lang="en-US" sz="1700" dirty="0"/>
             </a:br>
-            <a:endParaRPr lang="en-US" sz="1700"/>
+            <a:endParaRPr lang="en-US" sz="1700" dirty="0"/>
           </a:p>
           <a:p>
             <a:pPr lvl="1"/>
             <a:r>
-              <a:rPr lang="en-US" sz="1700"/>
+              <a:rPr lang="en-US" sz="1700" dirty="0"/>
               <a:t>The CDA component provides the back-end services that support management and delivery of the content once it has been created in the CMA.</a:t>
             </a:r>
           </a:p>
           <a:p>
-            <a:endParaRPr lang="en-US" sz="1700"/>
+            <a:endParaRPr lang="en-US" sz="1700" dirty="0"/>
           </a:p>
         </p:txBody>
       </p:sp>
@@ -8034,4 +9578,299 @@
     </a:ext>
   </a:extLst>
 </a:theme>
+</file>
+
+<file path=ppt/theme/theme2.xml><?xml version="1.0" encoding="utf-8"?>
+<a:theme xmlns:a="http://schemas.openxmlformats.org/drawingml/2006/main" name="Office Theme">
+  <a:themeElements>
+    <a:clrScheme name="Office">
+      <a:dk1>
+        <a:sysClr val="windowText" lastClr="000000"/>
+      </a:dk1>
+      <a:lt1>
+        <a:sysClr val="window" lastClr="FFFFFF"/>
+      </a:lt1>
+      <a:dk2>
+        <a:srgbClr val="44546A"/>
+      </a:dk2>
+      <a:lt2>
+        <a:srgbClr val="E7E6E6"/>
+      </a:lt2>
+      <a:accent1>
+        <a:srgbClr val="4472C4"/>
+      </a:accent1>
+      <a:accent2>
+        <a:srgbClr val="ED7D31"/>
+      </a:accent2>
+      <a:accent3>
+        <a:srgbClr val="A5A5A5"/>
+      </a:accent3>
+      <a:accent4>
+        <a:srgbClr val="FFC000"/>
+      </a:accent4>
+      <a:accent5>
+        <a:srgbClr val="5B9BD5"/>
+      </a:accent5>
+      <a:accent6>
+        <a:srgbClr val="70AD47"/>
+      </a:accent6>
+      <a:hlink>
+        <a:srgbClr val="0563C1"/>
+      </a:hlink>
+      <a:folHlink>
+        <a:srgbClr val="954F72"/>
+      </a:folHlink>
+    </a:clrScheme>
+    <a:fontScheme name="Office">
+      <a:majorFont>
+        <a:latin typeface="Calibri Light" panose="020F0302020204030204"/>
+        <a:ea typeface=""/>
+        <a:cs typeface=""/>
+        <a:font script="Jpan" typeface="游ゴシック Light"/>
+        <a:font script="Hang" typeface="맑은 고딕"/>
+        <a:font script="Hans" typeface="等线 Light"/>
+        <a:font script="Hant" typeface="新細明體"/>
+        <a:font script="Arab" typeface="Times New Roman"/>
+        <a:font script="Hebr" typeface="Times New Roman"/>
+        <a:font script="Thai" typeface="Angsana New"/>
+        <a:font script="Ethi" typeface="Nyala"/>
+        <a:font script="Beng" typeface="Vrinda"/>
+        <a:font script="Gujr" typeface="Shruti"/>
+        <a:font script="Khmr" typeface="MoolBoran"/>
+        <a:font script="Knda" typeface="Tunga"/>
+        <a:font script="Guru" typeface="Raavi"/>
+        <a:font script="Cans" typeface="Euphemia"/>
+        <a:font script="Cher" typeface="Plantagenet Cherokee"/>
+        <a:font script="Yiii" typeface="Microsoft Yi Baiti"/>
+        <a:font script="Tibt" typeface="Microsoft Himalaya"/>
+        <a:font script="Thaa" typeface="MV Boli"/>
+        <a:font script="Deva" typeface="Mangal"/>
+        <a:font script="Telu" typeface="Gautami"/>
+        <a:font script="Taml" typeface="Latha"/>
+        <a:font script="Syrc" typeface="Estrangelo Edessa"/>
+        <a:font script="Orya" typeface="Kalinga"/>
+        <a:font script="Mlym" typeface="Kartika"/>
+        <a:font script="Laoo" typeface="DokChampa"/>
+        <a:font script="Sinh" typeface="Iskoola Pota"/>
+        <a:font script="Mong" typeface="Mongolian Baiti"/>
+        <a:font script="Viet" typeface="Times New Roman"/>
+        <a:font script="Uigh" typeface="Microsoft Uighur"/>
+        <a:font script="Geor" typeface="Sylfaen"/>
+        <a:font script="Armn" typeface="Arial"/>
+        <a:font script="Bugi" typeface="Leelawadee UI"/>
+        <a:font script="Bopo" typeface="Microsoft JhengHei"/>
+        <a:font script="Java" typeface="Javanese Text"/>
+        <a:font script="Lisu" typeface="Segoe UI"/>
+        <a:font script="Mymr" typeface="Myanmar Text"/>
+        <a:font script="Nkoo" typeface="Ebrima"/>
+        <a:font script="Olck" typeface="Nirmala UI"/>
+        <a:font script="Osma" typeface="Ebrima"/>
+        <a:font script="Phag" typeface="Phagspa"/>
+        <a:font script="Syrn" typeface="Estrangelo Edessa"/>
+        <a:font script="Syrj" typeface="Estrangelo Edessa"/>
+        <a:font script="Syre" typeface="Estrangelo Edessa"/>
+        <a:font script="Sora" typeface="Nirmala UI"/>
+        <a:font script="Tale" typeface="Microsoft Tai Le"/>
+        <a:font script="Talu" typeface="Microsoft New Tai Lue"/>
+        <a:font script="Tfng" typeface="Ebrima"/>
+      </a:majorFont>
+      <a:minorFont>
+        <a:latin typeface="Calibri" panose="020F0502020204030204"/>
+        <a:ea typeface=""/>
+        <a:cs typeface=""/>
+        <a:font script="Jpan" typeface="游ゴシック"/>
+        <a:font script="Hang" typeface="맑은 고딕"/>
+        <a:font script="Hans" typeface="等线"/>
+        <a:font script="Hant" typeface="新細明體"/>
+        <a:font script="Arab" typeface="Arial"/>
+        <a:font script="Hebr" typeface="Arial"/>
+        <a:font script="Thai" typeface="Cordia New"/>
+        <a:font script="Ethi" typeface="Nyala"/>
+        <a:font script="Beng" typeface="Vrinda"/>
+        <a:font script="Gujr" typeface="Shruti"/>
+        <a:font script="Khmr" typeface="DaunPenh"/>
+        <a:font script="Knda" typeface="Tunga"/>
+        <a:font script="Guru" typeface="Raavi"/>
+        <a:font script="Cans" typeface="Euphemia"/>
+        <a:font script="Cher" typeface="Plantagenet Cherokee"/>
+        <a:font script="Yiii" typeface="Microsoft Yi Baiti"/>
+        <a:font script="Tibt" typeface="Microsoft Himalaya"/>
+        <a:font script="Thaa" typeface="MV Boli"/>
+        <a:font script="Deva" typeface="Mangal"/>
+        <a:font script="Telu" typeface="Gautami"/>
+        <a:font script="Taml" typeface="Latha"/>
+        <a:font script="Syrc" typeface="Estrangelo Edessa"/>
+        <a:font script="Orya" typeface="Kalinga"/>
+        <a:font script="Mlym" typeface="Kartika"/>
+        <a:font script="Laoo" typeface="DokChampa"/>
+        <a:font script="Sinh" typeface="Iskoola Pota"/>
+        <a:font script="Mong" typeface="Mongolian Baiti"/>
+        <a:font script="Viet" typeface="Arial"/>
+        <a:font script="Uigh" typeface="Microsoft Uighur"/>
+        <a:font script="Geor" typeface="Sylfaen"/>
+        <a:font script="Armn" typeface="Arial"/>
+        <a:font script="Bugi" typeface="Leelawadee UI"/>
+        <a:font script="Bopo" typeface="Microsoft JhengHei"/>
+        <a:font script="Java" typeface="Javanese Text"/>
+        <a:font script="Lisu" typeface="Segoe UI"/>
+        <a:font script="Mymr" typeface="Myanmar Text"/>
+        <a:font script="Nkoo" typeface="Ebrima"/>
+        <a:font script="Olck" typeface="Nirmala UI"/>
+        <a:font script="Osma" typeface="Ebrima"/>
+        <a:font script="Phag" typeface="Phagspa"/>
+        <a:font script="Syrn" typeface="Estrangelo Edessa"/>
+        <a:font script="Syrj" typeface="Estrangelo Edessa"/>
+        <a:font script="Syre" typeface="Estrangelo Edessa"/>
+        <a:font script="Sora" typeface="Nirmala UI"/>
+        <a:font script="Tale" typeface="Microsoft Tai Le"/>
+        <a:font script="Talu" typeface="Microsoft New Tai Lue"/>
+        <a:font script="Tfng" typeface="Ebrima"/>
+      </a:minorFont>
+    </a:fontScheme>
+    <a:fmtScheme name="Office">
+      <a:fillStyleLst>
+        <a:solidFill>
+          <a:schemeClr val="phClr"/>
+        </a:solidFill>
+        <a:gradFill rotWithShape="1">
+          <a:gsLst>
+            <a:gs pos="0">
+              <a:schemeClr val="phClr">
+                <a:lumMod val="110000"/>
+                <a:satMod val="105000"/>
+                <a:tint val="67000"/>
+              </a:schemeClr>
+            </a:gs>
+            <a:gs pos="50000">
+              <a:schemeClr val="phClr">
+                <a:lumMod val="105000"/>
+                <a:satMod val="103000"/>
+                <a:tint val="73000"/>
+              </a:schemeClr>
+            </a:gs>
+            <a:gs pos="100000">
+              <a:schemeClr val="phClr">
+                <a:lumMod val="105000"/>
+                <a:satMod val="109000"/>
+                <a:tint val="81000"/>
+              </a:schemeClr>
+            </a:gs>
+          </a:gsLst>
+          <a:lin ang="5400000" scaled="0"/>
+        </a:gradFill>
+        <a:gradFill rotWithShape="1">
+          <a:gsLst>
+            <a:gs pos="0">
+              <a:schemeClr val="phClr">
+                <a:satMod val="103000"/>
+                <a:lumMod val="102000"/>
+                <a:tint val="94000"/>
+              </a:schemeClr>
+            </a:gs>
+            <a:gs pos="50000">
+              <a:schemeClr val="phClr">
+                <a:satMod val="110000"/>
+                <a:lumMod val="100000"/>
+                <a:shade val="100000"/>
+              </a:schemeClr>
+            </a:gs>
+            <a:gs pos="100000">
+              <a:schemeClr val="phClr">
+                <a:lumMod val="99000"/>
+                <a:satMod val="120000"/>
+                <a:shade val="78000"/>
+              </a:schemeClr>
+            </a:gs>
+          </a:gsLst>
+          <a:lin ang="5400000" scaled="0"/>
+        </a:gradFill>
+      </a:fillStyleLst>
+      <a:lnStyleLst>
+        <a:ln w="6350" cap="flat" cmpd="sng" algn="ctr">
+          <a:solidFill>
+            <a:schemeClr val="phClr"/>
+          </a:solidFill>
+          <a:prstDash val="solid"/>
+          <a:miter lim="800000"/>
+        </a:ln>
+        <a:ln w="12700" cap="flat" cmpd="sng" algn="ctr">
+          <a:solidFill>
+            <a:schemeClr val="phClr"/>
+          </a:solidFill>
+          <a:prstDash val="solid"/>
+          <a:miter lim="800000"/>
+        </a:ln>
+        <a:ln w="19050" cap="flat" cmpd="sng" algn="ctr">
+          <a:solidFill>
+            <a:schemeClr val="phClr"/>
+          </a:solidFill>
+          <a:prstDash val="solid"/>
+          <a:miter lim="800000"/>
+        </a:ln>
+      </a:lnStyleLst>
+      <a:effectStyleLst>
+        <a:effectStyle>
+          <a:effectLst/>
+        </a:effectStyle>
+        <a:effectStyle>
+          <a:effectLst/>
+        </a:effectStyle>
+        <a:effectStyle>
+          <a:effectLst>
+            <a:outerShdw blurRad="57150" dist="19050" dir="5400000" algn="ctr" rotWithShape="0">
+              <a:srgbClr val="000000">
+                <a:alpha val="63000"/>
+              </a:srgbClr>
+            </a:outerShdw>
+          </a:effectLst>
+        </a:effectStyle>
+      </a:effectStyleLst>
+      <a:bgFillStyleLst>
+        <a:solidFill>
+          <a:schemeClr val="phClr"/>
+        </a:solidFill>
+        <a:solidFill>
+          <a:schemeClr val="phClr">
+            <a:tint val="95000"/>
+            <a:satMod val="170000"/>
+          </a:schemeClr>
+        </a:solidFill>
+        <a:gradFill rotWithShape="1">
+          <a:gsLst>
+            <a:gs pos="0">
+              <a:schemeClr val="phClr">
+                <a:tint val="93000"/>
+                <a:satMod val="150000"/>
+                <a:shade val="98000"/>
+                <a:lumMod val="102000"/>
+              </a:schemeClr>
+            </a:gs>
+            <a:gs pos="50000">
+              <a:schemeClr val="phClr">
+                <a:tint val="98000"/>
+                <a:satMod val="130000"/>
+                <a:shade val="90000"/>
+                <a:lumMod val="103000"/>
+              </a:schemeClr>
+            </a:gs>
+            <a:gs pos="100000">
+              <a:schemeClr val="phClr">
+                <a:shade val="63000"/>
+                <a:satMod val="120000"/>
+              </a:schemeClr>
+            </a:gs>
+          </a:gsLst>
+          <a:lin ang="5400000" scaled="0"/>
+        </a:gradFill>
+      </a:bgFillStyleLst>
+    </a:fmtScheme>
+  </a:themeElements>
+  <a:objectDefaults/>
+  <a:extraClrSchemeLst/>
+  <a:extLst>
+    <a:ext uri="{05A4C25C-085E-4340-85A3-A5531E510DB2}">
+      <thm15:themeFamily xmlns:thm15="http://schemas.microsoft.com/office/thememl/2012/main" name="Office Theme" id="{62F939B6-93AF-4DB8-9C6B-D6C7DFDC589F}" vid="{4A3C46E8-61CC-4603-A589-7422A47A8E4A}"/>
+    </a:ext>
+  </a:extLst>
+</a:theme>
 </file>